--- a/Apresentação/Em Direção a uma Métrica de Qualidade e 2.pptx
+++ b/Apresentação/Em Direção a uma Métrica de Qualidade e 2.pptx
@@ -5,7 +5,7 @@
     <p:sldMasterId id="2147483648" r:id="rId1"/>
   </p:sldMasterIdLst>
   <p:notesMasterIdLst>
-    <p:notesMasterId r:id="rId27"/>
+    <p:notesMasterId r:id="rId30"/>
   </p:notesMasterIdLst>
   <p:sldIdLst>
     <p:sldId id="256" r:id="rId2"/>
@@ -24,15 +24,18 @@
     <p:sldId id="265" r:id="rId15"/>
     <p:sldId id="271" r:id="rId16"/>
     <p:sldId id="274" r:id="rId17"/>
-    <p:sldId id="266" r:id="rId18"/>
-    <p:sldId id="282" r:id="rId19"/>
-    <p:sldId id="267" r:id="rId20"/>
-    <p:sldId id="279" r:id="rId21"/>
-    <p:sldId id="272" r:id="rId22"/>
-    <p:sldId id="273" r:id="rId23"/>
-    <p:sldId id="268" r:id="rId24"/>
-    <p:sldId id="269" r:id="rId25"/>
-    <p:sldId id="280" r:id="rId26"/>
+    <p:sldId id="283" r:id="rId18"/>
+    <p:sldId id="266" r:id="rId19"/>
+    <p:sldId id="282" r:id="rId20"/>
+    <p:sldId id="267" r:id="rId21"/>
+    <p:sldId id="279" r:id="rId22"/>
+    <p:sldId id="272" r:id="rId23"/>
+    <p:sldId id="284" r:id="rId24"/>
+    <p:sldId id="273" r:id="rId25"/>
+    <p:sldId id="268" r:id="rId26"/>
+    <p:sldId id="269" r:id="rId27"/>
+    <p:sldId id="280" r:id="rId28"/>
+    <p:sldId id="285" r:id="rId29"/>
   </p:sldIdLst>
   <p:sldSz cx="12192000" cy="6858000"/>
   <p:notesSz cx="6858000" cy="9144000"/>
@@ -139,6 +142,4514 @@
 </p:presentation>
 </file>
 
+<file path=ppt/charts/chart1.xml><?xml version="1.0" encoding="utf-8"?>
+<c:chartSpace xmlns:c="http://schemas.openxmlformats.org/drawingml/2006/chart" xmlns:a="http://schemas.openxmlformats.org/drawingml/2006/main" xmlns:r="http://schemas.openxmlformats.org/officeDocument/2006/relationships" xmlns:c16r2="http://schemas.microsoft.com/office/drawing/2015/06/chart">
+  <c:date1904 val="0"/>
+  <c:lang val="pt-BR"/>
+  <c:roundedCorners val="0"/>
+  <mc:AlternateContent xmlns:mc="http://schemas.openxmlformats.org/markup-compatibility/2006">
+    <mc:Choice xmlns:c14="http://schemas.microsoft.com/office/drawing/2007/8/2/chart" Requires="c14">
+      <c14:style val="102"/>
+    </mc:Choice>
+    <mc:Fallback>
+      <c:style val="2"/>
+    </mc:Fallback>
+  </mc:AlternateContent>
+  <c:chart>
+    <c:autoTitleDeleted val="1"/>
+    <c:plotArea>
+      <c:layout/>
+      <c:barChart>
+        <c:barDir val="col"/>
+        <c:grouping val="stacked"/>
+        <c:varyColors val="0"/>
+        <c:ser>
+          <c:idx val="0"/>
+          <c:order val="0"/>
+          <c:tx>
+            <c:strRef>
+              <c:f>Análises!$A$19</c:f>
+              <c:strCache>
+                <c:ptCount val="1"/>
+                <c:pt idx="0">
+                  <c:v>Agrupamento</c:v>
+                </c:pt>
+              </c:strCache>
+            </c:strRef>
+          </c:tx>
+          <c:spPr>
+            <a:solidFill>
+              <a:schemeClr val="accent1"/>
+            </a:solidFill>
+            <a:ln>
+              <a:noFill/>
+            </a:ln>
+            <a:effectLst/>
+          </c:spPr>
+          <c:invertIfNegative val="0"/>
+          <c:cat>
+            <c:strRef>
+              <c:f>Análises!$B$18:$M$18</c:f>
+              <c:strCache>
+                <c:ptCount val="12"/>
+                <c:pt idx="0">
+                  <c:v>2010.2</c:v>
+                </c:pt>
+                <c:pt idx="1">
+                  <c:v>2011.1</c:v>
+                </c:pt>
+                <c:pt idx="2">
+                  <c:v>2011.2</c:v>
+                </c:pt>
+                <c:pt idx="3">
+                  <c:v>2012.1</c:v>
+                </c:pt>
+                <c:pt idx="4">
+                  <c:v>2012.2</c:v>
+                </c:pt>
+                <c:pt idx="5">
+                  <c:v>2013.1</c:v>
+                </c:pt>
+                <c:pt idx="6">
+                  <c:v>2013.2</c:v>
+                </c:pt>
+                <c:pt idx="7">
+                  <c:v>2014.1</c:v>
+                </c:pt>
+                <c:pt idx="8">
+                  <c:v>2014.2</c:v>
+                </c:pt>
+                <c:pt idx="9">
+                  <c:v>2015.1</c:v>
+                </c:pt>
+                <c:pt idx="10">
+                  <c:v>2015.2</c:v>
+                </c:pt>
+                <c:pt idx="11">
+                  <c:v>Versão Atual</c:v>
+                </c:pt>
+              </c:strCache>
+            </c:strRef>
+          </c:cat>
+          <c:val>
+            <c:numRef>
+              <c:f>Análises!$B$19:$M$19</c:f>
+              <c:numCache>
+                <c:formatCode>0.0000</c:formatCode>
+                <c:ptCount val="12"/>
+                <c:pt idx="0">
+                  <c:v>2.4613999999999998</c:v>
+                </c:pt>
+                <c:pt idx="1">
+                  <c:v>2.4615</c:v>
+                </c:pt>
+                <c:pt idx="2">
+                  <c:v>2.4613999999999998</c:v>
+                </c:pt>
+                <c:pt idx="3">
+                  <c:v>2.4613999999999998</c:v>
+                </c:pt>
+                <c:pt idx="4">
+                  <c:v>2.6013000000000002</c:v>
+                </c:pt>
+                <c:pt idx="5">
+                  <c:v>2.6013000000000002</c:v>
+                </c:pt>
+                <c:pt idx="6">
+                  <c:v>2.6013000000000002</c:v>
+                </c:pt>
+                <c:pt idx="7">
+                  <c:v>2.6013000000000002</c:v>
+                </c:pt>
+                <c:pt idx="8">
+                  <c:v>5.2557</c:v>
+                </c:pt>
+                <c:pt idx="9">
+                  <c:v>7.6201999999999996</c:v>
+                </c:pt>
+                <c:pt idx="10">
+                  <c:v>7.0606999999999998</c:v>
+                </c:pt>
+                <c:pt idx="11">
+                  <c:v>7.6201999999999996</c:v>
+                </c:pt>
+              </c:numCache>
+            </c:numRef>
+          </c:val>
+          <c:extLst>
+            <c:ext xmlns:c16="http://schemas.microsoft.com/office/drawing/2014/chart" uri="{C3380CC4-5D6E-409C-BE32-E72D297353CC}">
+              <c16:uniqueId val="{00000000-D809-4AFF-8028-300D116B9EED}"/>
+            </c:ext>
+          </c:extLst>
+        </c:ser>
+        <c:ser>
+          <c:idx val="1"/>
+          <c:order val="1"/>
+          <c:tx>
+            <c:strRef>
+              <c:f>Análises!$A$20</c:f>
+              <c:strCache>
+                <c:ptCount val="1"/>
+                <c:pt idx="0">
+                  <c:v>Aninhamento</c:v>
+                </c:pt>
+              </c:strCache>
+            </c:strRef>
+          </c:tx>
+          <c:spPr>
+            <a:solidFill>
+              <a:schemeClr val="accent2"/>
+            </a:solidFill>
+            <a:ln>
+              <a:noFill/>
+            </a:ln>
+            <a:effectLst/>
+          </c:spPr>
+          <c:invertIfNegative val="0"/>
+          <c:cat>
+            <c:strRef>
+              <c:f>Análises!$B$18:$M$18</c:f>
+              <c:strCache>
+                <c:ptCount val="12"/>
+                <c:pt idx="0">
+                  <c:v>2010.2</c:v>
+                </c:pt>
+                <c:pt idx="1">
+                  <c:v>2011.1</c:v>
+                </c:pt>
+                <c:pt idx="2">
+                  <c:v>2011.2</c:v>
+                </c:pt>
+                <c:pt idx="3">
+                  <c:v>2012.1</c:v>
+                </c:pt>
+                <c:pt idx="4">
+                  <c:v>2012.2</c:v>
+                </c:pt>
+                <c:pt idx="5">
+                  <c:v>2013.1</c:v>
+                </c:pt>
+                <c:pt idx="6">
+                  <c:v>2013.2</c:v>
+                </c:pt>
+                <c:pt idx="7">
+                  <c:v>2014.1</c:v>
+                </c:pt>
+                <c:pt idx="8">
+                  <c:v>2014.2</c:v>
+                </c:pt>
+                <c:pt idx="9">
+                  <c:v>2015.1</c:v>
+                </c:pt>
+                <c:pt idx="10">
+                  <c:v>2015.2</c:v>
+                </c:pt>
+                <c:pt idx="11">
+                  <c:v>Versão Atual</c:v>
+                </c:pt>
+              </c:strCache>
+            </c:strRef>
+          </c:cat>
+          <c:val>
+            <c:numRef>
+              <c:f>Análises!$B$20:$M$20</c:f>
+              <c:numCache>
+                <c:formatCode>0.0000</c:formatCode>
+                <c:ptCount val="12"/>
+                <c:pt idx="0">
+                  <c:v>16.872900000000001</c:v>
+                </c:pt>
+                <c:pt idx="1">
+                  <c:v>16.872900000000001</c:v>
+                </c:pt>
+                <c:pt idx="2">
+                  <c:v>16.872900000000001</c:v>
+                </c:pt>
+                <c:pt idx="3">
+                  <c:v>17.689</c:v>
+                </c:pt>
+                <c:pt idx="4">
+                  <c:v>17.968</c:v>
+                </c:pt>
+                <c:pt idx="5">
+                  <c:v>18.666599999999999</c:v>
+                </c:pt>
+                <c:pt idx="6">
+                  <c:v>18.526900000000001</c:v>
+                </c:pt>
+                <c:pt idx="7">
+                  <c:v>19.4985</c:v>
+                </c:pt>
+                <c:pt idx="8">
+                  <c:v>30.287400000000002</c:v>
+                </c:pt>
+                <c:pt idx="9">
+                  <c:v>41.442900000000002</c:v>
+                </c:pt>
+                <c:pt idx="10">
+                  <c:v>40.885399999999997</c:v>
+                </c:pt>
+                <c:pt idx="11">
+                  <c:v>47.704900000000002</c:v>
+                </c:pt>
+              </c:numCache>
+            </c:numRef>
+          </c:val>
+          <c:extLst>
+            <c:ext xmlns:c16="http://schemas.microsoft.com/office/drawing/2014/chart" uri="{C3380CC4-5D6E-409C-BE32-E72D297353CC}">
+              <c16:uniqueId val="{00000001-D809-4AFF-8028-300D116B9EED}"/>
+            </c:ext>
+          </c:extLst>
+        </c:ser>
+        <c:ser>
+          <c:idx val="2"/>
+          <c:order val="2"/>
+          <c:tx>
+            <c:strRef>
+              <c:f>Análises!$A$21</c:f>
+              <c:strCache>
+                <c:ptCount val="1"/>
+                <c:pt idx="0">
+                  <c:v>Seletores Raros</c:v>
+                </c:pt>
+              </c:strCache>
+            </c:strRef>
+          </c:tx>
+          <c:spPr>
+            <a:solidFill>
+              <a:schemeClr val="accent3"/>
+            </a:solidFill>
+            <a:ln>
+              <a:noFill/>
+            </a:ln>
+            <a:effectLst/>
+          </c:spPr>
+          <c:invertIfNegative val="0"/>
+          <c:cat>
+            <c:strRef>
+              <c:f>Análises!$B$18:$M$18</c:f>
+              <c:strCache>
+                <c:ptCount val="12"/>
+                <c:pt idx="0">
+                  <c:v>2010.2</c:v>
+                </c:pt>
+                <c:pt idx="1">
+                  <c:v>2011.1</c:v>
+                </c:pt>
+                <c:pt idx="2">
+                  <c:v>2011.2</c:v>
+                </c:pt>
+                <c:pt idx="3">
+                  <c:v>2012.1</c:v>
+                </c:pt>
+                <c:pt idx="4">
+                  <c:v>2012.2</c:v>
+                </c:pt>
+                <c:pt idx="5">
+                  <c:v>2013.1</c:v>
+                </c:pt>
+                <c:pt idx="6">
+                  <c:v>2013.2</c:v>
+                </c:pt>
+                <c:pt idx="7">
+                  <c:v>2014.1</c:v>
+                </c:pt>
+                <c:pt idx="8">
+                  <c:v>2014.2</c:v>
+                </c:pt>
+                <c:pt idx="9">
+                  <c:v>2015.1</c:v>
+                </c:pt>
+                <c:pt idx="10">
+                  <c:v>2015.2</c:v>
+                </c:pt>
+                <c:pt idx="11">
+                  <c:v>Versão Atual</c:v>
+                </c:pt>
+              </c:strCache>
+            </c:strRef>
+          </c:cat>
+          <c:val>
+            <c:numRef>
+              <c:f>Análises!$B$21:$M$21</c:f>
+              <c:numCache>
+                <c:formatCode>0.0000</c:formatCode>
+                <c:ptCount val="12"/>
+                <c:pt idx="0">
+                  <c:v>18</c:v>
+                </c:pt>
+                <c:pt idx="1">
+                  <c:v>18</c:v>
+                </c:pt>
+                <c:pt idx="2">
+                  <c:v>18</c:v>
+                </c:pt>
+                <c:pt idx="3">
+                  <c:v>27</c:v>
+                </c:pt>
+                <c:pt idx="4">
+                  <c:v>36</c:v>
+                </c:pt>
+                <c:pt idx="5">
+                  <c:v>36</c:v>
+                </c:pt>
+                <c:pt idx="6">
+                  <c:v>36</c:v>
+                </c:pt>
+                <c:pt idx="7">
+                  <c:v>54</c:v>
+                </c:pt>
+                <c:pt idx="8">
+                  <c:v>54</c:v>
+                </c:pt>
+                <c:pt idx="9">
+                  <c:v>63</c:v>
+                </c:pt>
+                <c:pt idx="10">
+                  <c:v>63</c:v>
+                </c:pt>
+                <c:pt idx="11">
+                  <c:v>63</c:v>
+                </c:pt>
+              </c:numCache>
+            </c:numRef>
+          </c:val>
+          <c:extLst>
+            <c:ext xmlns:c16="http://schemas.microsoft.com/office/drawing/2014/chart" uri="{C3380CC4-5D6E-409C-BE32-E72D297353CC}">
+              <c16:uniqueId val="{00000002-D809-4AFF-8028-300D116B9EED}"/>
+            </c:ext>
+          </c:extLst>
+        </c:ser>
+        <c:ser>
+          <c:idx val="3"/>
+          <c:order val="3"/>
+          <c:tx>
+            <c:strRef>
+              <c:f>Análises!$A$22</c:f>
+              <c:strCache>
+                <c:ptCount val="1"/>
+                <c:pt idx="0">
+                  <c:v>Propriedades Simplificadas</c:v>
+                </c:pt>
+              </c:strCache>
+            </c:strRef>
+          </c:tx>
+          <c:spPr>
+            <a:solidFill>
+              <a:schemeClr val="accent4"/>
+            </a:solidFill>
+            <a:ln>
+              <a:noFill/>
+            </a:ln>
+            <a:effectLst/>
+          </c:spPr>
+          <c:invertIfNegative val="0"/>
+          <c:cat>
+            <c:strRef>
+              <c:f>Análises!$B$18:$M$18</c:f>
+              <c:strCache>
+                <c:ptCount val="12"/>
+                <c:pt idx="0">
+                  <c:v>2010.2</c:v>
+                </c:pt>
+                <c:pt idx="1">
+                  <c:v>2011.1</c:v>
+                </c:pt>
+                <c:pt idx="2">
+                  <c:v>2011.2</c:v>
+                </c:pt>
+                <c:pt idx="3">
+                  <c:v>2012.1</c:v>
+                </c:pt>
+                <c:pt idx="4">
+                  <c:v>2012.2</c:v>
+                </c:pt>
+                <c:pt idx="5">
+                  <c:v>2013.1</c:v>
+                </c:pt>
+                <c:pt idx="6">
+                  <c:v>2013.2</c:v>
+                </c:pt>
+                <c:pt idx="7">
+                  <c:v>2014.1</c:v>
+                </c:pt>
+                <c:pt idx="8">
+                  <c:v>2014.2</c:v>
+                </c:pt>
+                <c:pt idx="9">
+                  <c:v>2015.1</c:v>
+                </c:pt>
+                <c:pt idx="10">
+                  <c:v>2015.2</c:v>
+                </c:pt>
+                <c:pt idx="11">
+                  <c:v>Versão Atual</c:v>
+                </c:pt>
+              </c:strCache>
+            </c:strRef>
+          </c:cat>
+          <c:val>
+            <c:numRef>
+              <c:f>Análises!$B$22:$M$22</c:f>
+              <c:numCache>
+                <c:formatCode>0.0000</c:formatCode>
+                <c:ptCount val="12"/>
+                <c:pt idx="0">
+                  <c:v>0</c:v>
+                </c:pt>
+                <c:pt idx="1">
+                  <c:v>0</c:v>
+                </c:pt>
+                <c:pt idx="2">
+                  <c:v>0</c:v>
+                </c:pt>
+                <c:pt idx="3">
+                  <c:v>0</c:v>
+                </c:pt>
+                <c:pt idx="4">
+                  <c:v>0</c:v>
+                </c:pt>
+                <c:pt idx="5">
+                  <c:v>0</c:v>
+                </c:pt>
+                <c:pt idx="6">
+                  <c:v>0</c:v>
+                </c:pt>
+                <c:pt idx="7">
+                  <c:v>0</c:v>
+                </c:pt>
+                <c:pt idx="8">
+                  <c:v>0</c:v>
+                </c:pt>
+                <c:pt idx="9">
+                  <c:v>0</c:v>
+                </c:pt>
+                <c:pt idx="10">
+                  <c:v>0</c:v>
+                </c:pt>
+                <c:pt idx="11">
+                  <c:v>0</c:v>
+                </c:pt>
+              </c:numCache>
+            </c:numRef>
+          </c:val>
+          <c:extLst>
+            <c:ext xmlns:c16="http://schemas.microsoft.com/office/drawing/2014/chart" uri="{C3380CC4-5D6E-409C-BE32-E72D297353CC}">
+              <c16:uniqueId val="{00000003-D809-4AFF-8028-300D116B9EED}"/>
+            </c:ext>
+          </c:extLst>
+        </c:ser>
+        <c:ser>
+          <c:idx val="4"/>
+          <c:order val="4"/>
+          <c:tx>
+            <c:strRef>
+              <c:f>Análises!$A$23</c:f>
+              <c:strCache>
+                <c:ptCount val="1"/>
+                <c:pt idx="0">
+                  <c:v>Tamanho do Seletor</c:v>
+                </c:pt>
+              </c:strCache>
+            </c:strRef>
+          </c:tx>
+          <c:spPr>
+            <a:solidFill>
+              <a:schemeClr val="accent5"/>
+            </a:solidFill>
+            <a:ln>
+              <a:noFill/>
+            </a:ln>
+            <a:effectLst/>
+          </c:spPr>
+          <c:invertIfNegative val="0"/>
+          <c:cat>
+            <c:strRef>
+              <c:f>Análises!$B$18:$M$18</c:f>
+              <c:strCache>
+                <c:ptCount val="12"/>
+                <c:pt idx="0">
+                  <c:v>2010.2</c:v>
+                </c:pt>
+                <c:pt idx="1">
+                  <c:v>2011.1</c:v>
+                </c:pt>
+                <c:pt idx="2">
+                  <c:v>2011.2</c:v>
+                </c:pt>
+                <c:pt idx="3">
+                  <c:v>2012.1</c:v>
+                </c:pt>
+                <c:pt idx="4">
+                  <c:v>2012.2</c:v>
+                </c:pt>
+                <c:pt idx="5">
+                  <c:v>2013.1</c:v>
+                </c:pt>
+                <c:pt idx="6">
+                  <c:v>2013.2</c:v>
+                </c:pt>
+                <c:pt idx="7">
+                  <c:v>2014.1</c:v>
+                </c:pt>
+                <c:pt idx="8">
+                  <c:v>2014.2</c:v>
+                </c:pt>
+                <c:pt idx="9">
+                  <c:v>2015.1</c:v>
+                </c:pt>
+                <c:pt idx="10">
+                  <c:v>2015.2</c:v>
+                </c:pt>
+                <c:pt idx="11">
+                  <c:v>Versão Atual</c:v>
+                </c:pt>
+              </c:strCache>
+            </c:strRef>
+          </c:cat>
+          <c:val>
+            <c:numRef>
+              <c:f>Análises!$B$23:$M$23</c:f>
+              <c:numCache>
+                <c:formatCode>0.0000</c:formatCode>
+                <c:ptCount val="12"/>
+                <c:pt idx="0">
+                  <c:v>81</c:v>
+                </c:pt>
+                <c:pt idx="1">
+                  <c:v>81</c:v>
+                </c:pt>
+                <c:pt idx="2">
+                  <c:v>81</c:v>
+                </c:pt>
+                <c:pt idx="3">
+                  <c:v>84</c:v>
+                </c:pt>
+                <c:pt idx="4">
+                  <c:v>90</c:v>
+                </c:pt>
+                <c:pt idx="5">
+                  <c:v>96</c:v>
+                </c:pt>
+                <c:pt idx="6">
+                  <c:v>93</c:v>
+                </c:pt>
+                <c:pt idx="7">
+                  <c:v>63</c:v>
+                </c:pt>
+                <c:pt idx="8">
+                  <c:v>138</c:v>
+                </c:pt>
+                <c:pt idx="9">
+                  <c:v>213</c:v>
+                </c:pt>
+                <c:pt idx="10">
+                  <c:v>210</c:v>
+                </c:pt>
+                <c:pt idx="11">
+                  <c:v>264</c:v>
+                </c:pt>
+              </c:numCache>
+            </c:numRef>
+          </c:val>
+          <c:extLst>
+            <c:ext xmlns:c16="http://schemas.microsoft.com/office/drawing/2014/chart" uri="{C3380CC4-5D6E-409C-BE32-E72D297353CC}">
+              <c16:uniqueId val="{00000004-D809-4AFF-8028-300D116B9EED}"/>
+            </c:ext>
+          </c:extLst>
+        </c:ser>
+        <c:ser>
+          <c:idx val="5"/>
+          <c:order val="5"/>
+          <c:tx>
+            <c:strRef>
+              <c:f>Análises!$A$24</c:f>
+              <c:strCache>
+                <c:ptCount val="1"/>
+                <c:pt idx="0">
+                  <c:v>Pseudo Elementos</c:v>
+                </c:pt>
+              </c:strCache>
+            </c:strRef>
+          </c:tx>
+          <c:spPr>
+            <a:solidFill>
+              <a:schemeClr val="accent6"/>
+            </a:solidFill>
+            <a:ln>
+              <a:noFill/>
+            </a:ln>
+            <a:effectLst/>
+          </c:spPr>
+          <c:invertIfNegative val="0"/>
+          <c:cat>
+            <c:strRef>
+              <c:f>Análises!$B$18:$M$18</c:f>
+              <c:strCache>
+                <c:ptCount val="12"/>
+                <c:pt idx="0">
+                  <c:v>2010.2</c:v>
+                </c:pt>
+                <c:pt idx="1">
+                  <c:v>2011.1</c:v>
+                </c:pt>
+                <c:pt idx="2">
+                  <c:v>2011.2</c:v>
+                </c:pt>
+                <c:pt idx="3">
+                  <c:v>2012.1</c:v>
+                </c:pt>
+                <c:pt idx="4">
+                  <c:v>2012.2</c:v>
+                </c:pt>
+                <c:pt idx="5">
+                  <c:v>2013.1</c:v>
+                </c:pt>
+                <c:pt idx="6">
+                  <c:v>2013.2</c:v>
+                </c:pt>
+                <c:pt idx="7">
+                  <c:v>2014.1</c:v>
+                </c:pt>
+                <c:pt idx="8">
+                  <c:v>2014.2</c:v>
+                </c:pt>
+                <c:pt idx="9">
+                  <c:v>2015.1</c:v>
+                </c:pt>
+                <c:pt idx="10">
+                  <c:v>2015.2</c:v>
+                </c:pt>
+                <c:pt idx="11">
+                  <c:v>Versão Atual</c:v>
+                </c:pt>
+              </c:strCache>
+            </c:strRef>
+          </c:cat>
+          <c:val>
+            <c:numRef>
+              <c:f>Análises!$B$24:$M$24</c:f>
+              <c:numCache>
+                <c:formatCode>0.0000</c:formatCode>
+                <c:ptCount val="12"/>
+                <c:pt idx="0">
+                  <c:v>61.6</c:v>
+                </c:pt>
+                <c:pt idx="1">
+                  <c:v>72.8</c:v>
+                </c:pt>
+                <c:pt idx="2">
+                  <c:v>72.8</c:v>
+                </c:pt>
+                <c:pt idx="3">
+                  <c:v>72.8</c:v>
+                </c:pt>
+                <c:pt idx="4">
+                  <c:v>72.8</c:v>
+                </c:pt>
+                <c:pt idx="5">
+                  <c:v>72.8</c:v>
+                </c:pt>
+                <c:pt idx="6">
+                  <c:v>72.8</c:v>
+                </c:pt>
+                <c:pt idx="7">
+                  <c:v>72.8</c:v>
+                </c:pt>
+                <c:pt idx="8">
+                  <c:v>123.2</c:v>
+                </c:pt>
+                <c:pt idx="9">
+                  <c:v>162.4</c:v>
+                </c:pt>
+                <c:pt idx="10">
+                  <c:v>167.9</c:v>
+                </c:pt>
+                <c:pt idx="11">
+                  <c:v>179.2</c:v>
+                </c:pt>
+              </c:numCache>
+            </c:numRef>
+          </c:val>
+          <c:extLst>
+            <c:ext xmlns:c16="http://schemas.microsoft.com/office/drawing/2014/chart" uri="{C3380CC4-5D6E-409C-BE32-E72D297353CC}">
+              <c16:uniqueId val="{00000005-D809-4AFF-8028-300D116B9EED}"/>
+            </c:ext>
+          </c:extLst>
+        </c:ser>
+        <c:ser>
+          <c:idx val="6"/>
+          <c:order val="6"/>
+          <c:tx>
+            <c:strRef>
+              <c:f>Análises!$A$25</c:f>
+              <c:strCache>
+                <c:ptCount val="1"/>
+                <c:pt idx="0">
+                  <c:v>At Rules</c:v>
+                </c:pt>
+              </c:strCache>
+            </c:strRef>
+          </c:tx>
+          <c:spPr>
+            <a:solidFill>
+              <a:schemeClr val="accent1">
+                <a:lumMod val="60000"/>
+              </a:schemeClr>
+            </a:solidFill>
+            <a:ln>
+              <a:noFill/>
+            </a:ln>
+            <a:effectLst/>
+          </c:spPr>
+          <c:invertIfNegative val="0"/>
+          <c:cat>
+            <c:strRef>
+              <c:f>Análises!$B$18:$M$18</c:f>
+              <c:strCache>
+                <c:ptCount val="12"/>
+                <c:pt idx="0">
+                  <c:v>2010.2</c:v>
+                </c:pt>
+                <c:pt idx="1">
+                  <c:v>2011.1</c:v>
+                </c:pt>
+                <c:pt idx="2">
+                  <c:v>2011.2</c:v>
+                </c:pt>
+                <c:pt idx="3">
+                  <c:v>2012.1</c:v>
+                </c:pt>
+                <c:pt idx="4">
+                  <c:v>2012.2</c:v>
+                </c:pt>
+                <c:pt idx="5">
+                  <c:v>2013.1</c:v>
+                </c:pt>
+                <c:pt idx="6">
+                  <c:v>2013.2</c:v>
+                </c:pt>
+                <c:pt idx="7">
+                  <c:v>2014.1</c:v>
+                </c:pt>
+                <c:pt idx="8">
+                  <c:v>2014.2</c:v>
+                </c:pt>
+                <c:pt idx="9">
+                  <c:v>2015.1</c:v>
+                </c:pt>
+                <c:pt idx="10">
+                  <c:v>2015.2</c:v>
+                </c:pt>
+                <c:pt idx="11">
+                  <c:v>Versão Atual</c:v>
+                </c:pt>
+              </c:strCache>
+            </c:strRef>
+          </c:cat>
+          <c:val>
+            <c:numRef>
+              <c:f>Análises!$B$25:$M$25</c:f>
+              <c:numCache>
+                <c:formatCode>0.0000</c:formatCode>
+                <c:ptCount val="12"/>
+                <c:pt idx="0">
+                  <c:v>0</c:v>
+                </c:pt>
+                <c:pt idx="1">
+                  <c:v>0</c:v>
+                </c:pt>
+                <c:pt idx="2">
+                  <c:v>0</c:v>
+                </c:pt>
+                <c:pt idx="3">
+                  <c:v>0</c:v>
+                </c:pt>
+                <c:pt idx="4">
+                  <c:v>0</c:v>
+                </c:pt>
+                <c:pt idx="5">
+                  <c:v>0</c:v>
+                </c:pt>
+                <c:pt idx="6">
+                  <c:v>0</c:v>
+                </c:pt>
+                <c:pt idx="7">
+                  <c:v>0</c:v>
+                </c:pt>
+                <c:pt idx="8">
+                  <c:v>0</c:v>
+                </c:pt>
+                <c:pt idx="9">
+                  <c:v>0</c:v>
+                </c:pt>
+                <c:pt idx="10">
+                  <c:v>0</c:v>
+                </c:pt>
+                <c:pt idx="11">
+                  <c:v>0</c:v>
+                </c:pt>
+              </c:numCache>
+            </c:numRef>
+          </c:val>
+          <c:extLst>
+            <c:ext xmlns:c16="http://schemas.microsoft.com/office/drawing/2014/chart" uri="{C3380CC4-5D6E-409C-BE32-E72D297353CC}">
+              <c16:uniqueId val="{00000006-D809-4AFF-8028-300D116B9EED}"/>
+            </c:ext>
+          </c:extLst>
+        </c:ser>
+        <c:ser>
+          <c:idx val="7"/>
+          <c:order val="7"/>
+          <c:tx>
+            <c:strRef>
+              <c:f>Análises!$A$26</c:f>
+              <c:strCache>
+                <c:ptCount val="1"/>
+                <c:pt idx="0">
+                  <c:v>Media Queries</c:v>
+                </c:pt>
+              </c:strCache>
+            </c:strRef>
+          </c:tx>
+          <c:spPr>
+            <a:solidFill>
+              <a:schemeClr val="accent2">
+                <a:lumMod val="60000"/>
+              </a:schemeClr>
+            </a:solidFill>
+            <a:ln>
+              <a:noFill/>
+            </a:ln>
+            <a:effectLst/>
+          </c:spPr>
+          <c:invertIfNegative val="0"/>
+          <c:cat>
+            <c:strRef>
+              <c:f>Análises!$B$18:$M$18</c:f>
+              <c:strCache>
+                <c:ptCount val="12"/>
+                <c:pt idx="0">
+                  <c:v>2010.2</c:v>
+                </c:pt>
+                <c:pt idx="1">
+                  <c:v>2011.1</c:v>
+                </c:pt>
+                <c:pt idx="2">
+                  <c:v>2011.2</c:v>
+                </c:pt>
+                <c:pt idx="3">
+                  <c:v>2012.1</c:v>
+                </c:pt>
+                <c:pt idx="4">
+                  <c:v>2012.2</c:v>
+                </c:pt>
+                <c:pt idx="5">
+                  <c:v>2013.1</c:v>
+                </c:pt>
+                <c:pt idx="6">
+                  <c:v>2013.2</c:v>
+                </c:pt>
+                <c:pt idx="7">
+                  <c:v>2014.1</c:v>
+                </c:pt>
+                <c:pt idx="8">
+                  <c:v>2014.2</c:v>
+                </c:pt>
+                <c:pt idx="9">
+                  <c:v>2015.1</c:v>
+                </c:pt>
+                <c:pt idx="10">
+                  <c:v>2015.2</c:v>
+                </c:pt>
+                <c:pt idx="11">
+                  <c:v>Versão Atual</c:v>
+                </c:pt>
+              </c:strCache>
+            </c:strRef>
+          </c:cat>
+          <c:val>
+            <c:numRef>
+              <c:f>Análises!$B$26:$M$26</c:f>
+              <c:numCache>
+                <c:formatCode>0.0000</c:formatCode>
+                <c:ptCount val="12"/>
+                <c:pt idx="0">
+                  <c:v>0</c:v>
+                </c:pt>
+                <c:pt idx="1">
+                  <c:v>0</c:v>
+                </c:pt>
+                <c:pt idx="2">
+                  <c:v>0</c:v>
+                </c:pt>
+                <c:pt idx="3">
+                  <c:v>0</c:v>
+                </c:pt>
+                <c:pt idx="4">
+                  <c:v>0</c:v>
+                </c:pt>
+                <c:pt idx="5">
+                  <c:v>0</c:v>
+                </c:pt>
+                <c:pt idx="6">
+                  <c:v>0</c:v>
+                </c:pt>
+                <c:pt idx="7">
+                  <c:v>0</c:v>
+                </c:pt>
+                <c:pt idx="8">
+                  <c:v>0</c:v>
+                </c:pt>
+                <c:pt idx="9">
+                  <c:v>0</c:v>
+                </c:pt>
+                <c:pt idx="10">
+                  <c:v>7.6</c:v>
+                </c:pt>
+                <c:pt idx="11">
+                  <c:v>7.6</c:v>
+                </c:pt>
+              </c:numCache>
+            </c:numRef>
+          </c:val>
+          <c:extLst>
+            <c:ext xmlns:c16="http://schemas.microsoft.com/office/drawing/2014/chart" uri="{C3380CC4-5D6E-409C-BE32-E72D297353CC}">
+              <c16:uniqueId val="{00000007-D809-4AFF-8028-300D116B9EED}"/>
+            </c:ext>
+          </c:extLst>
+        </c:ser>
+        <c:ser>
+          <c:idx val="8"/>
+          <c:order val="8"/>
+          <c:tx>
+            <c:strRef>
+              <c:f>Análises!$A$27</c:f>
+              <c:strCache>
+                <c:ptCount val="1"/>
+                <c:pt idx="0">
+                  <c:v>Prefixos</c:v>
+                </c:pt>
+              </c:strCache>
+            </c:strRef>
+          </c:tx>
+          <c:spPr>
+            <a:solidFill>
+              <a:schemeClr val="accent3">
+                <a:lumMod val="60000"/>
+              </a:schemeClr>
+            </a:solidFill>
+            <a:ln>
+              <a:noFill/>
+            </a:ln>
+            <a:effectLst/>
+          </c:spPr>
+          <c:invertIfNegative val="0"/>
+          <c:cat>
+            <c:strRef>
+              <c:f>Análises!$B$18:$M$18</c:f>
+              <c:strCache>
+                <c:ptCount val="12"/>
+                <c:pt idx="0">
+                  <c:v>2010.2</c:v>
+                </c:pt>
+                <c:pt idx="1">
+                  <c:v>2011.1</c:v>
+                </c:pt>
+                <c:pt idx="2">
+                  <c:v>2011.2</c:v>
+                </c:pt>
+                <c:pt idx="3">
+                  <c:v>2012.1</c:v>
+                </c:pt>
+                <c:pt idx="4">
+                  <c:v>2012.2</c:v>
+                </c:pt>
+                <c:pt idx="5">
+                  <c:v>2013.1</c:v>
+                </c:pt>
+                <c:pt idx="6">
+                  <c:v>2013.2</c:v>
+                </c:pt>
+                <c:pt idx="7">
+                  <c:v>2014.1</c:v>
+                </c:pt>
+                <c:pt idx="8">
+                  <c:v>2014.2</c:v>
+                </c:pt>
+                <c:pt idx="9">
+                  <c:v>2015.1</c:v>
+                </c:pt>
+                <c:pt idx="10">
+                  <c:v>2015.2</c:v>
+                </c:pt>
+                <c:pt idx="11">
+                  <c:v>Versão Atual</c:v>
+                </c:pt>
+              </c:strCache>
+            </c:strRef>
+          </c:cat>
+          <c:val>
+            <c:numRef>
+              <c:f>Análises!$B$27:$M$27</c:f>
+              <c:numCache>
+                <c:formatCode>0.0000</c:formatCode>
+                <c:ptCount val="12"/>
+                <c:pt idx="0">
+                  <c:v>0</c:v>
+                </c:pt>
+                <c:pt idx="1">
+                  <c:v>0</c:v>
+                </c:pt>
+                <c:pt idx="2">
+                  <c:v>0</c:v>
+                </c:pt>
+                <c:pt idx="3">
+                  <c:v>0</c:v>
+                </c:pt>
+                <c:pt idx="4">
+                  <c:v>0</c:v>
+                </c:pt>
+                <c:pt idx="5">
+                  <c:v>0</c:v>
+                </c:pt>
+                <c:pt idx="6">
+                  <c:v>0</c:v>
+                </c:pt>
+                <c:pt idx="7">
+                  <c:v>0</c:v>
+                </c:pt>
+                <c:pt idx="8">
+                  <c:v>0</c:v>
+                </c:pt>
+                <c:pt idx="9">
+                  <c:v>0</c:v>
+                </c:pt>
+                <c:pt idx="10">
+                  <c:v>0</c:v>
+                </c:pt>
+                <c:pt idx="11">
+                  <c:v>0</c:v>
+                </c:pt>
+              </c:numCache>
+            </c:numRef>
+          </c:val>
+          <c:extLst>
+            <c:ext xmlns:c16="http://schemas.microsoft.com/office/drawing/2014/chart" uri="{C3380CC4-5D6E-409C-BE32-E72D297353CC}">
+              <c16:uniqueId val="{00000008-D809-4AFF-8028-300D116B9EED}"/>
+            </c:ext>
+          </c:extLst>
+        </c:ser>
+        <c:ser>
+          <c:idx val="9"/>
+          <c:order val="9"/>
+          <c:tx>
+            <c:strRef>
+              <c:f>Análises!$A$28</c:f>
+              <c:strCache>
+                <c:ptCount val="1"/>
+                <c:pt idx="0">
+                  <c:v>Sufixo Not</c:v>
+                </c:pt>
+              </c:strCache>
+            </c:strRef>
+          </c:tx>
+          <c:spPr>
+            <a:solidFill>
+              <a:schemeClr val="accent4">
+                <a:lumMod val="60000"/>
+              </a:schemeClr>
+            </a:solidFill>
+            <a:ln>
+              <a:noFill/>
+            </a:ln>
+            <a:effectLst/>
+          </c:spPr>
+          <c:invertIfNegative val="0"/>
+          <c:cat>
+            <c:strRef>
+              <c:f>Análises!$B$18:$M$18</c:f>
+              <c:strCache>
+                <c:ptCount val="12"/>
+                <c:pt idx="0">
+                  <c:v>2010.2</c:v>
+                </c:pt>
+                <c:pt idx="1">
+                  <c:v>2011.1</c:v>
+                </c:pt>
+                <c:pt idx="2">
+                  <c:v>2011.2</c:v>
+                </c:pt>
+                <c:pt idx="3">
+                  <c:v>2012.1</c:v>
+                </c:pt>
+                <c:pt idx="4">
+                  <c:v>2012.2</c:v>
+                </c:pt>
+                <c:pt idx="5">
+                  <c:v>2013.1</c:v>
+                </c:pt>
+                <c:pt idx="6">
+                  <c:v>2013.2</c:v>
+                </c:pt>
+                <c:pt idx="7">
+                  <c:v>2014.1</c:v>
+                </c:pt>
+                <c:pt idx="8">
+                  <c:v>2014.2</c:v>
+                </c:pt>
+                <c:pt idx="9">
+                  <c:v>2015.1</c:v>
+                </c:pt>
+                <c:pt idx="10">
+                  <c:v>2015.2</c:v>
+                </c:pt>
+                <c:pt idx="11">
+                  <c:v>Versão Atual</c:v>
+                </c:pt>
+              </c:strCache>
+            </c:strRef>
+          </c:cat>
+          <c:val>
+            <c:numRef>
+              <c:f>Análises!$B$28:$M$28</c:f>
+              <c:numCache>
+                <c:formatCode>0.0000</c:formatCode>
+                <c:ptCount val="12"/>
+                <c:pt idx="0">
+                  <c:v>0</c:v>
+                </c:pt>
+                <c:pt idx="1">
+                  <c:v>0</c:v>
+                </c:pt>
+                <c:pt idx="2">
+                  <c:v>0</c:v>
+                </c:pt>
+                <c:pt idx="3">
+                  <c:v>0</c:v>
+                </c:pt>
+                <c:pt idx="4">
+                  <c:v>0</c:v>
+                </c:pt>
+                <c:pt idx="5">
+                  <c:v>0</c:v>
+                </c:pt>
+                <c:pt idx="6">
+                  <c:v>0</c:v>
+                </c:pt>
+                <c:pt idx="7">
+                  <c:v>0</c:v>
+                </c:pt>
+                <c:pt idx="8">
+                  <c:v>0</c:v>
+                </c:pt>
+                <c:pt idx="9">
+                  <c:v>0</c:v>
+                </c:pt>
+                <c:pt idx="10">
+                  <c:v>0</c:v>
+                </c:pt>
+                <c:pt idx="11">
+                  <c:v>0</c:v>
+                </c:pt>
+              </c:numCache>
+            </c:numRef>
+          </c:val>
+          <c:extLst>
+            <c:ext xmlns:c16="http://schemas.microsoft.com/office/drawing/2014/chart" uri="{C3380CC4-5D6E-409C-BE32-E72D297353CC}">
+              <c16:uniqueId val="{00000009-D809-4AFF-8028-300D116B9EED}"/>
+            </c:ext>
+          </c:extLst>
+        </c:ser>
+        <c:ser>
+          <c:idx val="10"/>
+          <c:order val="10"/>
+          <c:tx>
+            <c:strRef>
+              <c:f>Análises!$A$29</c:f>
+              <c:strCache>
+                <c:ptCount val="1"/>
+                <c:pt idx="0">
+                  <c:v>Localização do  Seletor</c:v>
+                </c:pt>
+              </c:strCache>
+            </c:strRef>
+          </c:tx>
+          <c:spPr>
+            <a:solidFill>
+              <a:schemeClr val="accent5">
+                <a:lumMod val="60000"/>
+              </a:schemeClr>
+            </a:solidFill>
+            <a:ln>
+              <a:noFill/>
+            </a:ln>
+            <a:effectLst/>
+          </c:spPr>
+          <c:invertIfNegative val="0"/>
+          <c:cat>
+            <c:strRef>
+              <c:f>Análises!$B$18:$M$18</c:f>
+              <c:strCache>
+                <c:ptCount val="12"/>
+                <c:pt idx="0">
+                  <c:v>2010.2</c:v>
+                </c:pt>
+                <c:pt idx="1">
+                  <c:v>2011.1</c:v>
+                </c:pt>
+                <c:pt idx="2">
+                  <c:v>2011.2</c:v>
+                </c:pt>
+                <c:pt idx="3">
+                  <c:v>2012.1</c:v>
+                </c:pt>
+                <c:pt idx="4">
+                  <c:v>2012.2</c:v>
+                </c:pt>
+                <c:pt idx="5">
+                  <c:v>2013.1</c:v>
+                </c:pt>
+                <c:pt idx="6">
+                  <c:v>2013.2</c:v>
+                </c:pt>
+                <c:pt idx="7">
+                  <c:v>2014.1</c:v>
+                </c:pt>
+                <c:pt idx="8">
+                  <c:v>2014.2</c:v>
+                </c:pt>
+                <c:pt idx="9">
+                  <c:v>2015.1</c:v>
+                </c:pt>
+                <c:pt idx="10">
+                  <c:v>2015.2</c:v>
+                </c:pt>
+                <c:pt idx="11">
+                  <c:v>Versão Atual</c:v>
+                </c:pt>
+              </c:strCache>
+            </c:strRef>
+          </c:cat>
+          <c:val>
+            <c:numRef>
+              <c:f>Análises!$B$29:$M$29</c:f>
+              <c:numCache>
+                <c:formatCode>0.0000</c:formatCode>
+                <c:ptCount val="12"/>
+                <c:pt idx="0">
+                  <c:v>8.4</c:v>
+                </c:pt>
+                <c:pt idx="1">
+                  <c:v>8.4</c:v>
+                </c:pt>
+                <c:pt idx="2">
+                  <c:v>8.4</c:v>
+                </c:pt>
+                <c:pt idx="3">
+                  <c:v>16.8</c:v>
+                </c:pt>
+                <c:pt idx="4">
+                  <c:v>16.8</c:v>
+                </c:pt>
+                <c:pt idx="5">
+                  <c:v>16.8</c:v>
+                </c:pt>
+                <c:pt idx="6">
+                  <c:v>16.8</c:v>
+                </c:pt>
+                <c:pt idx="7">
+                  <c:v>16.8</c:v>
+                </c:pt>
+                <c:pt idx="8">
+                  <c:v>16.8</c:v>
+                </c:pt>
+                <c:pt idx="9">
+                  <c:v>67.2</c:v>
+                </c:pt>
+                <c:pt idx="10">
+                  <c:v>67.2</c:v>
+                </c:pt>
+                <c:pt idx="11">
+                  <c:v>67.2</c:v>
+                </c:pt>
+              </c:numCache>
+            </c:numRef>
+          </c:val>
+          <c:extLst>
+            <c:ext xmlns:c16="http://schemas.microsoft.com/office/drawing/2014/chart" uri="{C3380CC4-5D6E-409C-BE32-E72D297353CC}">
+              <c16:uniqueId val="{0000000A-D809-4AFF-8028-300D116B9EED}"/>
+            </c:ext>
+          </c:extLst>
+        </c:ser>
+        <c:ser>
+          <c:idx val="11"/>
+          <c:order val="11"/>
+          <c:tx>
+            <c:strRef>
+              <c:f>Análises!$A$30</c:f>
+              <c:strCache>
+                <c:ptCount val="1"/>
+                <c:pt idx="0">
+                  <c:v>Complexidade do Seletor</c:v>
+                </c:pt>
+              </c:strCache>
+            </c:strRef>
+          </c:tx>
+          <c:spPr>
+            <a:solidFill>
+              <a:schemeClr val="accent6">
+                <a:lumMod val="60000"/>
+              </a:schemeClr>
+            </a:solidFill>
+            <a:ln>
+              <a:noFill/>
+            </a:ln>
+            <a:effectLst/>
+          </c:spPr>
+          <c:invertIfNegative val="0"/>
+          <c:cat>
+            <c:strRef>
+              <c:f>Análises!$B$18:$M$18</c:f>
+              <c:strCache>
+                <c:ptCount val="12"/>
+                <c:pt idx="0">
+                  <c:v>2010.2</c:v>
+                </c:pt>
+                <c:pt idx="1">
+                  <c:v>2011.1</c:v>
+                </c:pt>
+                <c:pt idx="2">
+                  <c:v>2011.2</c:v>
+                </c:pt>
+                <c:pt idx="3">
+                  <c:v>2012.1</c:v>
+                </c:pt>
+                <c:pt idx="4">
+                  <c:v>2012.2</c:v>
+                </c:pt>
+                <c:pt idx="5">
+                  <c:v>2013.1</c:v>
+                </c:pt>
+                <c:pt idx="6">
+                  <c:v>2013.2</c:v>
+                </c:pt>
+                <c:pt idx="7">
+                  <c:v>2014.1</c:v>
+                </c:pt>
+                <c:pt idx="8">
+                  <c:v>2014.2</c:v>
+                </c:pt>
+                <c:pt idx="9">
+                  <c:v>2015.1</c:v>
+                </c:pt>
+                <c:pt idx="10">
+                  <c:v>2015.2</c:v>
+                </c:pt>
+                <c:pt idx="11">
+                  <c:v>Versão Atual</c:v>
+                </c:pt>
+              </c:strCache>
+            </c:strRef>
+          </c:cat>
+          <c:val>
+            <c:numRef>
+              <c:f>Análises!$B$30:$M$30</c:f>
+              <c:numCache>
+                <c:formatCode>0.0000</c:formatCode>
+                <c:ptCount val="12"/>
+                <c:pt idx="0">
+                  <c:v>0</c:v>
+                </c:pt>
+                <c:pt idx="1">
+                  <c:v>0</c:v>
+                </c:pt>
+                <c:pt idx="2">
+                  <c:v>0</c:v>
+                </c:pt>
+                <c:pt idx="3">
+                  <c:v>0</c:v>
+                </c:pt>
+                <c:pt idx="4">
+                  <c:v>0</c:v>
+                </c:pt>
+                <c:pt idx="5">
+                  <c:v>0</c:v>
+                </c:pt>
+                <c:pt idx="6">
+                  <c:v>0</c:v>
+                </c:pt>
+                <c:pt idx="7">
+                  <c:v>0</c:v>
+                </c:pt>
+                <c:pt idx="8">
+                  <c:v>172.1036</c:v>
+                </c:pt>
+                <c:pt idx="9">
+                  <c:v>344.20729999999998</c:v>
+                </c:pt>
+                <c:pt idx="10">
+                  <c:v>344.20729999999998</c:v>
+                </c:pt>
+                <c:pt idx="11">
+                  <c:v>344.20729999999998</c:v>
+                </c:pt>
+              </c:numCache>
+            </c:numRef>
+          </c:val>
+          <c:extLst>
+            <c:ext xmlns:c16="http://schemas.microsoft.com/office/drawing/2014/chart" uri="{C3380CC4-5D6E-409C-BE32-E72D297353CC}">
+              <c16:uniqueId val="{0000000B-D809-4AFF-8028-300D116B9EED}"/>
+            </c:ext>
+          </c:extLst>
+        </c:ser>
+        <c:dLbls>
+          <c:showLegendKey val="0"/>
+          <c:showVal val="0"/>
+          <c:showCatName val="0"/>
+          <c:showSerName val="0"/>
+          <c:showPercent val="0"/>
+          <c:showBubbleSize val="0"/>
+        </c:dLbls>
+        <c:gapWidth val="150"/>
+        <c:overlap val="100"/>
+        <c:axId val="399616968"/>
+        <c:axId val="399621232"/>
+      </c:barChart>
+      <c:catAx>
+        <c:axId val="399616968"/>
+        <c:scaling>
+          <c:orientation val="minMax"/>
+        </c:scaling>
+        <c:delete val="0"/>
+        <c:axPos val="b"/>
+        <c:numFmt formatCode="General" sourceLinked="1"/>
+        <c:majorTickMark val="none"/>
+        <c:minorTickMark val="none"/>
+        <c:tickLblPos val="nextTo"/>
+        <c:spPr>
+          <a:noFill/>
+          <a:ln w="9525" cap="flat" cmpd="sng" algn="ctr">
+            <a:solidFill>
+              <a:schemeClr val="tx1">
+                <a:lumMod val="15000"/>
+                <a:lumOff val="85000"/>
+              </a:schemeClr>
+            </a:solidFill>
+            <a:round/>
+          </a:ln>
+          <a:effectLst/>
+        </c:spPr>
+        <c:txPr>
+          <a:bodyPr rot="-60000000" spcFirstLastPara="1" vertOverflow="ellipsis" vert="horz" wrap="square" anchor="ctr" anchorCtr="1"/>
+          <a:lstStyle/>
+          <a:p>
+            <a:pPr>
+              <a:defRPr sz="900" b="0" i="0" u="none" strike="noStrike" kern="1200" baseline="0">
+                <a:solidFill>
+                  <a:schemeClr val="tx1">
+                    <a:lumMod val="65000"/>
+                    <a:lumOff val="35000"/>
+                  </a:schemeClr>
+                </a:solidFill>
+                <a:latin typeface="+mn-lt"/>
+                <a:ea typeface="+mn-ea"/>
+                <a:cs typeface="+mn-cs"/>
+              </a:defRPr>
+            </a:pPr>
+            <a:endParaRPr lang="en-US"/>
+          </a:p>
+        </c:txPr>
+        <c:crossAx val="399621232"/>
+        <c:crosses val="autoZero"/>
+        <c:auto val="1"/>
+        <c:lblAlgn val="ctr"/>
+        <c:lblOffset val="100"/>
+        <c:noMultiLvlLbl val="0"/>
+      </c:catAx>
+      <c:valAx>
+        <c:axId val="399621232"/>
+        <c:scaling>
+          <c:orientation val="minMax"/>
+        </c:scaling>
+        <c:delete val="0"/>
+        <c:axPos val="l"/>
+        <c:majorGridlines>
+          <c:spPr>
+            <a:ln w="9525" cap="flat" cmpd="sng" algn="ctr">
+              <a:solidFill>
+                <a:schemeClr val="tx1">
+                  <a:lumMod val="15000"/>
+                  <a:lumOff val="85000"/>
+                </a:schemeClr>
+              </a:solidFill>
+              <a:round/>
+            </a:ln>
+            <a:effectLst/>
+          </c:spPr>
+        </c:majorGridlines>
+        <c:numFmt formatCode="0.0000" sourceLinked="1"/>
+        <c:majorTickMark val="none"/>
+        <c:minorTickMark val="none"/>
+        <c:tickLblPos val="nextTo"/>
+        <c:spPr>
+          <a:noFill/>
+          <a:ln>
+            <a:noFill/>
+          </a:ln>
+          <a:effectLst/>
+        </c:spPr>
+        <c:txPr>
+          <a:bodyPr rot="-60000000" spcFirstLastPara="1" vertOverflow="ellipsis" vert="horz" wrap="square" anchor="ctr" anchorCtr="1"/>
+          <a:lstStyle/>
+          <a:p>
+            <a:pPr>
+              <a:defRPr sz="900" b="0" i="0" u="none" strike="noStrike" kern="1200" baseline="0">
+                <a:solidFill>
+                  <a:schemeClr val="tx1">
+                    <a:lumMod val="65000"/>
+                    <a:lumOff val="35000"/>
+                  </a:schemeClr>
+                </a:solidFill>
+                <a:latin typeface="+mn-lt"/>
+                <a:ea typeface="+mn-ea"/>
+                <a:cs typeface="+mn-cs"/>
+              </a:defRPr>
+            </a:pPr>
+            <a:endParaRPr lang="en-US"/>
+          </a:p>
+        </c:txPr>
+        <c:crossAx val="399616968"/>
+        <c:crosses val="autoZero"/>
+        <c:crossBetween val="between"/>
+      </c:valAx>
+      <c:spPr>
+        <a:noFill/>
+        <a:ln>
+          <a:noFill/>
+        </a:ln>
+        <a:effectLst/>
+      </c:spPr>
+    </c:plotArea>
+    <c:legend>
+      <c:legendPos val="b"/>
+      <c:layout>
+        <c:manualLayout>
+          <c:xMode val="edge"/>
+          <c:yMode val="edge"/>
+          <c:x val="1.1467154001484445E-2"/>
+          <c:y val="0.80693513625431856"/>
+          <c:w val="0.8854955931779086"/>
+          <c:h val="0.1752777945714892"/>
+        </c:manualLayout>
+      </c:layout>
+      <c:overlay val="0"/>
+      <c:spPr>
+        <a:noFill/>
+        <a:ln>
+          <a:noFill/>
+        </a:ln>
+        <a:effectLst/>
+      </c:spPr>
+      <c:txPr>
+        <a:bodyPr rot="0" spcFirstLastPara="1" vertOverflow="ellipsis" vert="horz" wrap="square" anchor="ctr" anchorCtr="1"/>
+        <a:lstStyle/>
+        <a:p>
+          <a:pPr>
+            <a:defRPr sz="900" b="0" i="0" u="none" strike="noStrike" kern="1200" baseline="0">
+              <a:solidFill>
+                <a:schemeClr val="tx1">
+                  <a:lumMod val="65000"/>
+                  <a:lumOff val="35000"/>
+                </a:schemeClr>
+              </a:solidFill>
+              <a:latin typeface="+mn-lt"/>
+              <a:ea typeface="+mn-ea"/>
+              <a:cs typeface="+mn-cs"/>
+            </a:defRPr>
+          </a:pPr>
+          <a:endParaRPr lang="en-US"/>
+        </a:p>
+      </c:txPr>
+    </c:legend>
+    <c:plotVisOnly val="1"/>
+    <c:dispBlanksAs val="gap"/>
+    <c:showDLblsOverMax val="0"/>
+  </c:chart>
+  <c:spPr>
+    <a:noFill/>
+    <a:ln>
+      <a:noFill/>
+    </a:ln>
+    <a:effectLst/>
+  </c:spPr>
+  <c:txPr>
+    <a:bodyPr/>
+    <a:lstStyle/>
+    <a:p>
+      <a:pPr>
+        <a:defRPr/>
+      </a:pPr>
+      <a:endParaRPr lang="en-US"/>
+    </a:p>
+  </c:txPr>
+  <c:externalData r:id="rId3">
+    <c:autoUpdate val="0"/>
+  </c:externalData>
+</c:chartSpace>
+</file>
+
+<file path=ppt/charts/chart2.xml><?xml version="1.0" encoding="utf-8"?>
+<c:chartSpace xmlns:c="http://schemas.openxmlformats.org/drawingml/2006/chart" xmlns:a="http://schemas.openxmlformats.org/drawingml/2006/main" xmlns:r="http://schemas.openxmlformats.org/officeDocument/2006/relationships" xmlns:c16r2="http://schemas.microsoft.com/office/drawing/2015/06/chart">
+  <c:date1904 val="0"/>
+  <c:lang val="pt-BR"/>
+  <c:roundedCorners val="0"/>
+  <mc:AlternateContent xmlns:mc="http://schemas.openxmlformats.org/markup-compatibility/2006">
+    <mc:Choice xmlns:c14="http://schemas.microsoft.com/office/drawing/2007/8/2/chart" Requires="c14">
+      <c14:style val="102"/>
+    </mc:Choice>
+    <mc:Fallback>
+      <c:style val="2"/>
+    </mc:Fallback>
+  </mc:AlternateContent>
+  <c:chart>
+    <c:autoTitleDeleted val="1"/>
+    <c:plotArea>
+      <c:layout/>
+      <c:barChart>
+        <c:barDir val="col"/>
+        <c:grouping val="percentStacked"/>
+        <c:varyColors val="0"/>
+        <c:ser>
+          <c:idx val="0"/>
+          <c:order val="0"/>
+          <c:tx>
+            <c:strRef>
+              <c:f>Análises!$A$19</c:f>
+              <c:strCache>
+                <c:ptCount val="1"/>
+                <c:pt idx="0">
+                  <c:v>Agrupamento</c:v>
+                </c:pt>
+              </c:strCache>
+            </c:strRef>
+          </c:tx>
+          <c:spPr>
+            <a:solidFill>
+              <a:schemeClr val="accent1"/>
+            </a:solidFill>
+            <a:ln>
+              <a:noFill/>
+            </a:ln>
+            <a:effectLst/>
+          </c:spPr>
+          <c:invertIfNegative val="0"/>
+          <c:cat>
+            <c:strRef>
+              <c:f>Análises!$B$18:$M$18</c:f>
+              <c:strCache>
+                <c:ptCount val="12"/>
+                <c:pt idx="0">
+                  <c:v>2010.2</c:v>
+                </c:pt>
+                <c:pt idx="1">
+                  <c:v>2011.1</c:v>
+                </c:pt>
+                <c:pt idx="2">
+                  <c:v>2011.2</c:v>
+                </c:pt>
+                <c:pt idx="3">
+                  <c:v>2012.1</c:v>
+                </c:pt>
+                <c:pt idx="4">
+                  <c:v>2012.2</c:v>
+                </c:pt>
+                <c:pt idx="5">
+                  <c:v>2013.1</c:v>
+                </c:pt>
+                <c:pt idx="6">
+                  <c:v>2013.2</c:v>
+                </c:pt>
+                <c:pt idx="7">
+                  <c:v>2014.1</c:v>
+                </c:pt>
+                <c:pt idx="8">
+                  <c:v>2014.2</c:v>
+                </c:pt>
+                <c:pt idx="9">
+                  <c:v>2015.1</c:v>
+                </c:pt>
+                <c:pt idx="10">
+                  <c:v>2015.2</c:v>
+                </c:pt>
+                <c:pt idx="11">
+                  <c:v>Versão Atual</c:v>
+                </c:pt>
+              </c:strCache>
+            </c:strRef>
+          </c:cat>
+          <c:val>
+            <c:numRef>
+              <c:f>Análises!$B$19:$M$19</c:f>
+              <c:numCache>
+                <c:formatCode>0.0000</c:formatCode>
+                <c:ptCount val="12"/>
+                <c:pt idx="0">
+                  <c:v>2.4613999999999998</c:v>
+                </c:pt>
+                <c:pt idx="1">
+                  <c:v>2.4615</c:v>
+                </c:pt>
+                <c:pt idx="2">
+                  <c:v>2.4613999999999998</c:v>
+                </c:pt>
+                <c:pt idx="3">
+                  <c:v>2.4613999999999998</c:v>
+                </c:pt>
+                <c:pt idx="4">
+                  <c:v>2.6013000000000002</c:v>
+                </c:pt>
+                <c:pt idx="5">
+                  <c:v>2.6013000000000002</c:v>
+                </c:pt>
+                <c:pt idx="6">
+                  <c:v>2.6013000000000002</c:v>
+                </c:pt>
+                <c:pt idx="7">
+                  <c:v>2.6013000000000002</c:v>
+                </c:pt>
+                <c:pt idx="8">
+                  <c:v>5.2557</c:v>
+                </c:pt>
+                <c:pt idx="9">
+                  <c:v>7.6201999999999996</c:v>
+                </c:pt>
+                <c:pt idx="10">
+                  <c:v>7.0606999999999998</c:v>
+                </c:pt>
+                <c:pt idx="11">
+                  <c:v>7.6201999999999996</c:v>
+                </c:pt>
+              </c:numCache>
+            </c:numRef>
+          </c:val>
+          <c:extLst>
+            <c:ext xmlns:c16="http://schemas.microsoft.com/office/drawing/2014/chart" uri="{C3380CC4-5D6E-409C-BE32-E72D297353CC}">
+              <c16:uniqueId val="{00000000-B73F-4638-9C51-29906BD309A7}"/>
+            </c:ext>
+          </c:extLst>
+        </c:ser>
+        <c:ser>
+          <c:idx val="1"/>
+          <c:order val="1"/>
+          <c:tx>
+            <c:strRef>
+              <c:f>Análises!$A$20</c:f>
+              <c:strCache>
+                <c:ptCount val="1"/>
+                <c:pt idx="0">
+                  <c:v>Aninhamento</c:v>
+                </c:pt>
+              </c:strCache>
+            </c:strRef>
+          </c:tx>
+          <c:spPr>
+            <a:solidFill>
+              <a:schemeClr val="accent2"/>
+            </a:solidFill>
+            <a:ln>
+              <a:noFill/>
+            </a:ln>
+            <a:effectLst/>
+          </c:spPr>
+          <c:invertIfNegative val="0"/>
+          <c:cat>
+            <c:strRef>
+              <c:f>Análises!$B$18:$M$18</c:f>
+              <c:strCache>
+                <c:ptCount val="12"/>
+                <c:pt idx="0">
+                  <c:v>2010.2</c:v>
+                </c:pt>
+                <c:pt idx="1">
+                  <c:v>2011.1</c:v>
+                </c:pt>
+                <c:pt idx="2">
+                  <c:v>2011.2</c:v>
+                </c:pt>
+                <c:pt idx="3">
+                  <c:v>2012.1</c:v>
+                </c:pt>
+                <c:pt idx="4">
+                  <c:v>2012.2</c:v>
+                </c:pt>
+                <c:pt idx="5">
+                  <c:v>2013.1</c:v>
+                </c:pt>
+                <c:pt idx="6">
+                  <c:v>2013.2</c:v>
+                </c:pt>
+                <c:pt idx="7">
+                  <c:v>2014.1</c:v>
+                </c:pt>
+                <c:pt idx="8">
+                  <c:v>2014.2</c:v>
+                </c:pt>
+                <c:pt idx="9">
+                  <c:v>2015.1</c:v>
+                </c:pt>
+                <c:pt idx="10">
+                  <c:v>2015.2</c:v>
+                </c:pt>
+                <c:pt idx="11">
+                  <c:v>Versão Atual</c:v>
+                </c:pt>
+              </c:strCache>
+            </c:strRef>
+          </c:cat>
+          <c:val>
+            <c:numRef>
+              <c:f>Análises!$B$20:$M$20</c:f>
+              <c:numCache>
+                <c:formatCode>0.0000</c:formatCode>
+                <c:ptCount val="12"/>
+                <c:pt idx="0">
+                  <c:v>16.872900000000001</c:v>
+                </c:pt>
+                <c:pt idx="1">
+                  <c:v>16.872900000000001</c:v>
+                </c:pt>
+                <c:pt idx="2">
+                  <c:v>16.872900000000001</c:v>
+                </c:pt>
+                <c:pt idx="3">
+                  <c:v>17.689</c:v>
+                </c:pt>
+                <c:pt idx="4">
+                  <c:v>17.968</c:v>
+                </c:pt>
+                <c:pt idx="5">
+                  <c:v>18.666599999999999</c:v>
+                </c:pt>
+                <c:pt idx="6">
+                  <c:v>18.526900000000001</c:v>
+                </c:pt>
+                <c:pt idx="7">
+                  <c:v>19.4985</c:v>
+                </c:pt>
+                <c:pt idx="8">
+                  <c:v>30.287400000000002</c:v>
+                </c:pt>
+                <c:pt idx="9">
+                  <c:v>41.442900000000002</c:v>
+                </c:pt>
+                <c:pt idx="10">
+                  <c:v>40.885399999999997</c:v>
+                </c:pt>
+                <c:pt idx="11">
+                  <c:v>47.704900000000002</c:v>
+                </c:pt>
+              </c:numCache>
+            </c:numRef>
+          </c:val>
+          <c:extLst>
+            <c:ext xmlns:c16="http://schemas.microsoft.com/office/drawing/2014/chart" uri="{C3380CC4-5D6E-409C-BE32-E72D297353CC}">
+              <c16:uniqueId val="{00000001-B73F-4638-9C51-29906BD309A7}"/>
+            </c:ext>
+          </c:extLst>
+        </c:ser>
+        <c:ser>
+          <c:idx val="2"/>
+          <c:order val="2"/>
+          <c:tx>
+            <c:strRef>
+              <c:f>Análises!$A$21</c:f>
+              <c:strCache>
+                <c:ptCount val="1"/>
+                <c:pt idx="0">
+                  <c:v>Seletores Raros</c:v>
+                </c:pt>
+              </c:strCache>
+            </c:strRef>
+          </c:tx>
+          <c:spPr>
+            <a:solidFill>
+              <a:schemeClr val="accent3"/>
+            </a:solidFill>
+            <a:ln>
+              <a:noFill/>
+            </a:ln>
+            <a:effectLst/>
+          </c:spPr>
+          <c:invertIfNegative val="0"/>
+          <c:cat>
+            <c:strRef>
+              <c:f>Análises!$B$18:$M$18</c:f>
+              <c:strCache>
+                <c:ptCount val="12"/>
+                <c:pt idx="0">
+                  <c:v>2010.2</c:v>
+                </c:pt>
+                <c:pt idx="1">
+                  <c:v>2011.1</c:v>
+                </c:pt>
+                <c:pt idx="2">
+                  <c:v>2011.2</c:v>
+                </c:pt>
+                <c:pt idx="3">
+                  <c:v>2012.1</c:v>
+                </c:pt>
+                <c:pt idx="4">
+                  <c:v>2012.2</c:v>
+                </c:pt>
+                <c:pt idx="5">
+                  <c:v>2013.1</c:v>
+                </c:pt>
+                <c:pt idx="6">
+                  <c:v>2013.2</c:v>
+                </c:pt>
+                <c:pt idx="7">
+                  <c:v>2014.1</c:v>
+                </c:pt>
+                <c:pt idx="8">
+                  <c:v>2014.2</c:v>
+                </c:pt>
+                <c:pt idx="9">
+                  <c:v>2015.1</c:v>
+                </c:pt>
+                <c:pt idx="10">
+                  <c:v>2015.2</c:v>
+                </c:pt>
+                <c:pt idx="11">
+                  <c:v>Versão Atual</c:v>
+                </c:pt>
+              </c:strCache>
+            </c:strRef>
+          </c:cat>
+          <c:val>
+            <c:numRef>
+              <c:f>Análises!$B$21:$M$21</c:f>
+              <c:numCache>
+                <c:formatCode>0.0000</c:formatCode>
+                <c:ptCount val="12"/>
+                <c:pt idx="0">
+                  <c:v>18</c:v>
+                </c:pt>
+                <c:pt idx="1">
+                  <c:v>18</c:v>
+                </c:pt>
+                <c:pt idx="2">
+                  <c:v>18</c:v>
+                </c:pt>
+                <c:pt idx="3">
+                  <c:v>27</c:v>
+                </c:pt>
+                <c:pt idx="4">
+                  <c:v>36</c:v>
+                </c:pt>
+                <c:pt idx="5">
+                  <c:v>36</c:v>
+                </c:pt>
+                <c:pt idx="6">
+                  <c:v>36</c:v>
+                </c:pt>
+                <c:pt idx="7">
+                  <c:v>54</c:v>
+                </c:pt>
+                <c:pt idx="8">
+                  <c:v>54</c:v>
+                </c:pt>
+                <c:pt idx="9">
+                  <c:v>63</c:v>
+                </c:pt>
+                <c:pt idx="10">
+                  <c:v>63</c:v>
+                </c:pt>
+                <c:pt idx="11">
+                  <c:v>63</c:v>
+                </c:pt>
+              </c:numCache>
+            </c:numRef>
+          </c:val>
+          <c:extLst>
+            <c:ext xmlns:c16="http://schemas.microsoft.com/office/drawing/2014/chart" uri="{C3380CC4-5D6E-409C-BE32-E72D297353CC}">
+              <c16:uniqueId val="{00000002-B73F-4638-9C51-29906BD309A7}"/>
+            </c:ext>
+          </c:extLst>
+        </c:ser>
+        <c:ser>
+          <c:idx val="3"/>
+          <c:order val="3"/>
+          <c:tx>
+            <c:strRef>
+              <c:f>Análises!$A$22</c:f>
+              <c:strCache>
+                <c:ptCount val="1"/>
+                <c:pt idx="0">
+                  <c:v>Propriedades Simplificadas</c:v>
+                </c:pt>
+              </c:strCache>
+            </c:strRef>
+          </c:tx>
+          <c:spPr>
+            <a:solidFill>
+              <a:schemeClr val="accent4"/>
+            </a:solidFill>
+            <a:ln>
+              <a:noFill/>
+            </a:ln>
+            <a:effectLst/>
+          </c:spPr>
+          <c:invertIfNegative val="0"/>
+          <c:cat>
+            <c:strRef>
+              <c:f>Análises!$B$18:$M$18</c:f>
+              <c:strCache>
+                <c:ptCount val="12"/>
+                <c:pt idx="0">
+                  <c:v>2010.2</c:v>
+                </c:pt>
+                <c:pt idx="1">
+                  <c:v>2011.1</c:v>
+                </c:pt>
+                <c:pt idx="2">
+                  <c:v>2011.2</c:v>
+                </c:pt>
+                <c:pt idx="3">
+                  <c:v>2012.1</c:v>
+                </c:pt>
+                <c:pt idx="4">
+                  <c:v>2012.2</c:v>
+                </c:pt>
+                <c:pt idx="5">
+                  <c:v>2013.1</c:v>
+                </c:pt>
+                <c:pt idx="6">
+                  <c:v>2013.2</c:v>
+                </c:pt>
+                <c:pt idx="7">
+                  <c:v>2014.1</c:v>
+                </c:pt>
+                <c:pt idx="8">
+                  <c:v>2014.2</c:v>
+                </c:pt>
+                <c:pt idx="9">
+                  <c:v>2015.1</c:v>
+                </c:pt>
+                <c:pt idx="10">
+                  <c:v>2015.2</c:v>
+                </c:pt>
+                <c:pt idx="11">
+                  <c:v>Versão Atual</c:v>
+                </c:pt>
+              </c:strCache>
+            </c:strRef>
+          </c:cat>
+          <c:val>
+            <c:numRef>
+              <c:f>Análises!$B$22:$M$22</c:f>
+              <c:numCache>
+                <c:formatCode>0.0000</c:formatCode>
+                <c:ptCount val="12"/>
+                <c:pt idx="0">
+                  <c:v>0</c:v>
+                </c:pt>
+                <c:pt idx="1">
+                  <c:v>0</c:v>
+                </c:pt>
+                <c:pt idx="2">
+                  <c:v>0</c:v>
+                </c:pt>
+                <c:pt idx="3">
+                  <c:v>0</c:v>
+                </c:pt>
+                <c:pt idx="4">
+                  <c:v>0</c:v>
+                </c:pt>
+                <c:pt idx="5">
+                  <c:v>0</c:v>
+                </c:pt>
+                <c:pt idx="6">
+                  <c:v>0</c:v>
+                </c:pt>
+                <c:pt idx="7">
+                  <c:v>0</c:v>
+                </c:pt>
+                <c:pt idx="8">
+                  <c:v>0</c:v>
+                </c:pt>
+                <c:pt idx="9">
+                  <c:v>0</c:v>
+                </c:pt>
+                <c:pt idx="10">
+                  <c:v>0</c:v>
+                </c:pt>
+                <c:pt idx="11">
+                  <c:v>0</c:v>
+                </c:pt>
+              </c:numCache>
+            </c:numRef>
+          </c:val>
+          <c:extLst>
+            <c:ext xmlns:c16="http://schemas.microsoft.com/office/drawing/2014/chart" uri="{C3380CC4-5D6E-409C-BE32-E72D297353CC}">
+              <c16:uniqueId val="{00000003-B73F-4638-9C51-29906BD309A7}"/>
+            </c:ext>
+          </c:extLst>
+        </c:ser>
+        <c:ser>
+          <c:idx val="4"/>
+          <c:order val="4"/>
+          <c:tx>
+            <c:strRef>
+              <c:f>Análises!$A$23</c:f>
+              <c:strCache>
+                <c:ptCount val="1"/>
+                <c:pt idx="0">
+                  <c:v>Tamanho do Seletor</c:v>
+                </c:pt>
+              </c:strCache>
+            </c:strRef>
+          </c:tx>
+          <c:spPr>
+            <a:solidFill>
+              <a:schemeClr val="accent5"/>
+            </a:solidFill>
+            <a:ln>
+              <a:noFill/>
+            </a:ln>
+            <a:effectLst/>
+          </c:spPr>
+          <c:invertIfNegative val="0"/>
+          <c:cat>
+            <c:strRef>
+              <c:f>Análises!$B$18:$M$18</c:f>
+              <c:strCache>
+                <c:ptCount val="12"/>
+                <c:pt idx="0">
+                  <c:v>2010.2</c:v>
+                </c:pt>
+                <c:pt idx="1">
+                  <c:v>2011.1</c:v>
+                </c:pt>
+                <c:pt idx="2">
+                  <c:v>2011.2</c:v>
+                </c:pt>
+                <c:pt idx="3">
+                  <c:v>2012.1</c:v>
+                </c:pt>
+                <c:pt idx="4">
+                  <c:v>2012.2</c:v>
+                </c:pt>
+                <c:pt idx="5">
+                  <c:v>2013.1</c:v>
+                </c:pt>
+                <c:pt idx="6">
+                  <c:v>2013.2</c:v>
+                </c:pt>
+                <c:pt idx="7">
+                  <c:v>2014.1</c:v>
+                </c:pt>
+                <c:pt idx="8">
+                  <c:v>2014.2</c:v>
+                </c:pt>
+                <c:pt idx="9">
+                  <c:v>2015.1</c:v>
+                </c:pt>
+                <c:pt idx="10">
+                  <c:v>2015.2</c:v>
+                </c:pt>
+                <c:pt idx="11">
+                  <c:v>Versão Atual</c:v>
+                </c:pt>
+              </c:strCache>
+            </c:strRef>
+          </c:cat>
+          <c:val>
+            <c:numRef>
+              <c:f>Análises!$B$23:$M$23</c:f>
+              <c:numCache>
+                <c:formatCode>0.0000</c:formatCode>
+                <c:ptCount val="12"/>
+                <c:pt idx="0">
+                  <c:v>81</c:v>
+                </c:pt>
+                <c:pt idx="1">
+                  <c:v>81</c:v>
+                </c:pt>
+                <c:pt idx="2">
+                  <c:v>81</c:v>
+                </c:pt>
+                <c:pt idx="3">
+                  <c:v>84</c:v>
+                </c:pt>
+                <c:pt idx="4">
+                  <c:v>90</c:v>
+                </c:pt>
+                <c:pt idx="5">
+                  <c:v>96</c:v>
+                </c:pt>
+                <c:pt idx="6">
+                  <c:v>93</c:v>
+                </c:pt>
+                <c:pt idx="7">
+                  <c:v>63</c:v>
+                </c:pt>
+                <c:pt idx="8">
+                  <c:v>138</c:v>
+                </c:pt>
+                <c:pt idx="9">
+                  <c:v>213</c:v>
+                </c:pt>
+                <c:pt idx="10">
+                  <c:v>210</c:v>
+                </c:pt>
+                <c:pt idx="11">
+                  <c:v>264</c:v>
+                </c:pt>
+              </c:numCache>
+            </c:numRef>
+          </c:val>
+          <c:extLst>
+            <c:ext xmlns:c16="http://schemas.microsoft.com/office/drawing/2014/chart" uri="{C3380CC4-5D6E-409C-BE32-E72D297353CC}">
+              <c16:uniqueId val="{00000004-B73F-4638-9C51-29906BD309A7}"/>
+            </c:ext>
+          </c:extLst>
+        </c:ser>
+        <c:ser>
+          <c:idx val="5"/>
+          <c:order val="5"/>
+          <c:tx>
+            <c:strRef>
+              <c:f>Análises!$A$24</c:f>
+              <c:strCache>
+                <c:ptCount val="1"/>
+                <c:pt idx="0">
+                  <c:v>Pseudo Elementos</c:v>
+                </c:pt>
+              </c:strCache>
+            </c:strRef>
+          </c:tx>
+          <c:spPr>
+            <a:solidFill>
+              <a:schemeClr val="accent6"/>
+            </a:solidFill>
+            <a:ln>
+              <a:noFill/>
+            </a:ln>
+            <a:effectLst/>
+          </c:spPr>
+          <c:invertIfNegative val="0"/>
+          <c:cat>
+            <c:strRef>
+              <c:f>Análises!$B$18:$M$18</c:f>
+              <c:strCache>
+                <c:ptCount val="12"/>
+                <c:pt idx="0">
+                  <c:v>2010.2</c:v>
+                </c:pt>
+                <c:pt idx="1">
+                  <c:v>2011.1</c:v>
+                </c:pt>
+                <c:pt idx="2">
+                  <c:v>2011.2</c:v>
+                </c:pt>
+                <c:pt idx="3">
+                  <c:v>2012.1</c:v>
+                </c:pt>
+                <c:pt idx="4">
+                  <c:v>2012.2</c:v>
+                </c:pt>
+                <c:pt idx="5">
+                  <c:v>2013.1</c:v>
+                </c:pt>
+                <c:pt idx="6">
+                  <c:v>2013.2</c:v>
+                </c:pt>
+                <c:pt idx="7">
+                  <c:v>2014.1</c:v>
+                </c:pt>
+                <c:pt idx="8">
+                  <c:v>2014.2</c:v>
+                </c:pt>
+                <c:pt idx="9">
+                  <c:v>2015.1</c:v>
+                </c:pt>
+                <c:pt idx="10">
+                  <c:v>2015.2</c:v>
+                </c:pt>
+                <c:pt idx="11">
+                  <c:v>Versão Atual</c:v>
+                </c:pt>
+              </c:strCache>
+            </c:strRef>
+          </c:cat>
+          <c:val>
+            <c:numRef>
+              <c:f>Análises!$B$24:$M$24</c:f>
+              <c:numCache>
+                <c:formatCode>0.0000</c:formatCode>
+                <c:ptCount val="12"/>
+                <c:pt idx="0">
+                  <c:v>61.6</c:v>
+                </c:pt>
+                <c:pt idx="1">
+                  <c:v>72.8</c:v>
+                </c:pt>
+                <c:pt idx="2">
+                  <c:v>72.8</c:v>
+                </c:pt>
+                <c:pt idx="3">
+                  <c:v>72.8</c:v>
+                </c:pt>
+                <c:pt idx="4">
+                  <c:v>72.8</c:v>
+                </c:pt>
+                <c:pt idx="5">
+                  <c:v>72.8</c:v>
+                </c:pt>
+                <c:pt idx="6">
+                  <c:v>72.8</c:v>
+                </c:pt>
+                <c:pt idx="7">
+                  <c:v>72.8</c:v>
+                </c:pt>
+                <c:pt idx="8">
+                  <c:v>123.2</c:v>
+                </c:pt>
+                <c:pt idx="9">
+                  <c:v>162.4</c:v>
+                </c:pt>
+                <c:pt idx="10">
+                  <c:v>167.9</c:v>
+                </c:pt>
+                <c:pt idx="11">
+                  <c:v>179.2</c:v>
+                </c:pt>
+              </c:numCache>
+            </c:numRef>
+          </c:val>
+          <c:extLst>
+            <c:ext xmlns:c16="http://schemas.microsoft.com/office/drawing/2014/chart" uri="{C3380CC4-5D6E-409C-BE32-E72D297353CC}">
+              <c16:uniqueId val="{00000005-B73F-4638-9C51-29906BD309A7}"/>
+            </c:ext>
+          </c:extLst>
+        </c:ser>
+        <c:ser>
+          <c:idx val="6"/>
+          <c:order val="6"/>
+          <c:tx>
+            <c:strRef>
+              <c:f>Análises!$A$25</c:f>
+              <c:strCache>
+                <c:ptCount val="1"/>
+                <c:pt idx="0">
+                  <c:v>At Rules</c:v>
+                </c:pt>
+              </c:strCache>
+            </c:strRef>
+          </c:tx>
+          <c:spPr>
+            <a:solidFill>
+              <a:schemeClr val="accent1">
+                <a:lumMod val="60000"/>
+              </a:schemeClr>
+            </a:solidFill>
+            <a:ln>
+              <a:noFill/>
+            </a:ln>
+            <a:effectLst/>
+          </c:spPr>
+          <c:invertIfNegative val="0"/>
+          <c:cat>
+            <c:strRef>
+              <c:f>Análises!$B$18:$M$18</c:f>
+              <c:strCache>
+                <c:ptCount val="12"/>
+                <c:pt idx="0">
+                  <c:v>2010.2</c:v>
+                </c:pt>
+                <c:pt idx="1">
+                  <c:v>2011.1</c:v>
+                </c:pt>
+                <c:pt idx="2">
+                  <c:v>2011.2</c:v>
+                </c:pt>
+                <c:pt idx="3">
+                  <c:v>2012.1</c:v>
+                </c:pt>
+                <c:pt idx="4">
+                  <c:v>2012.2</c:v>
+                </c:pt>
+                <c:pt idx="5">
+                  <c:v>2013.1</c:v>
+                </c:pt>
+                <c:pt idx="6">
+                  <c:v>2013.2</c:v>
+                </c:pt>
+                <c:pt idx="7">
+                  <c:v>2014.1</c:v>
+                </c:pt>
+                <c:pt idx="8">
+                  <c:v>2014.2</c:v>
+                </c:pt>
+                <c:pt idx="9">
+                  <c:v>2015.1</c:v>
+                </c:pt>
+                <c:pt idx="10">
+                  <c:v>2015.2</c:v>
+                </c:pt>
+                <c:pt idx="11">
+                  <c:v>Versão Atual</c:v>
+                </c:pt>
+              </c:strCache>
+            </c:strRef>
+          </c:cat>
+          <c:val>
+            <c:numRef>
+              <c:f>Análises!$B$25:$M$25</c:f>
+              <c:numCache>
+                <c:formatCode>0.0000</c:formatCode>
+                <c:ptCount val="12"/>
+                <c:pt idx="0">
+                  <c:v>0</c:v>
+                </c:pt>
+                <c:pt idx="1">
+                  <c:v>0</c:v>
+                </c:pt>
+                <c:pt idx="2">
+                  <c:v>0</c:v>
+                </c:pt>
+                <c:pt idx="3">
+                  <c:v>0</c:v>
+                </c:pt>
+                <c:pt idx="4">
+                  <c:v>0</c:v>
+                </c:pt>
+                <c:pt idx="5">
+                  <c:v>0</c:v>
+                </c:pt>
+                <c:pt idx="6">
+                  <c:v>0</c:v>
+                </c:pt>
+                <c:pt idx="7">
+                  <c:v>0</c:v>
+                </c:pt>
+                <c:pt idx="8">
+                  <c:v>0</c:v>
+                </c:pt>
+                <c:pt idx="9">
+                  <c:v>0</c:v>
+                </c:pt>
+                <c:pt idx="10">
+                  <c:v>0</c:v>
+                </c:pt>
+                <c:pt idx="11">
+                  <c:v>0</c:v>
+                </c:pt>
+              </c:numCache>
+            </c:numRef>
+          </c:val>
+          <c:extLst>
+            <c:ext xmlns:c16="http://schemas.microsoft.com/office/drawing/2014/chart" uri="{C3380CC4-5D6E-409C-BE32-E72D297353CC}">
+              <c16:uniqueId val="{00000006-B73F-4638-9C51-29906BD309A7}"/>
+            </c:ext>
+          </c:extLst>
+        </c:ser>
+        <c:ser>
+          <c:idx val="7"/>
+          <c:order val="7"/>
+          <c:tx>
+            <c:strRef>
+              <c:f>Análises!$A$26</c:f>
+              <c:strCache>
+                <c:ptCount val="1"/>
+                <c:pt idx="0">
+                  <c:v>Media Queries</c:v>
+                </c:pt>
+              </c:strCache>
+            </c:strRef>
+          </c:tx>
+          <c:spPr>
+            <a:solidFill>
+              <a:schemeClr val="accent2">
+                <a:lumMod val="60000"/>
+              </a:schemeClr>
+            </a:solidFill>
+            <a:ln>
+              <a:noFill/>
+            </a:ln>
+            <a:effectLst/>
+          </c:spPr>
+          <c:invertIfNegative val="0"/>
+          <c:cat>
+            <c:strRef>
+              <c:f>Análises!$B$18:$M$18</c:f>
+              <c:strCache>
+                <c:ptCount val="12"/>
+                <c:pt idx="0">
+                  <c:v>2010.2</c:v>
+                </c:pt>
+                <c:pt idx="1">
+                  <c:v>2011.1</c:v>
+                </c:pt>
+                <c:pt idx="2">
+                  <c:v>2011.2</c:v>
+                </c:pt>
+                <c:pt idx="3">
+                  <c:v>2012.1</c:v>
+                </c:pt>
+                <c:pt idx="4">
+                  <c:v>2012.2</c:v>
+                </c:pt>
+                <c:pt idx="5">
+                  <c:v>2013.1</c:v>
+                </c:pt>
+                <c:pt idx="6">
+                  <c:v>2013.2</c:v>
+                </c:pt>
+                <c:pt idx="7">
+                  <c:v>2014.1</c:v>
+                </c:pt>
+                <c:pt idx="8">
+                  <c:v>2014.2</c:v>
+                </c:pt>
+                <c:pt idx="9">
+                  <c:v>2015.1</c:v>
+                </c:pt>
+                <c:pt idx="10">
+                  <c:v>2015.2</c:v>
+                </c:pt>
+                <c:pt idx="11">
+                  <c:v>Versão Atual</c:v>
+                </c:pt>
+              </c:strCache>
+            </c:strRef>
+          </c:cat>
+          <c:val>
+            <c:numRef>
+              <c:f>Análises!$B$26:$M$26</c:f>
+              <c:numCache>
+                <c:formatCode>0.0000</c:formatCode>
+                <c:ptCount val="12"/>
+                <c:pt idx="0">
+                  <c:v>0</c:v>
+                </c:pt>
+                <c:pt idx="1">
+                  <c:v>0</c:v>
+                </c:pt>
+                <c:pt idx="2">
+                  <c:v>0</c:v>
+                </c:pt>
+                <c:pt idx="3">
+                  <c:v>0</c:v>
+                </c:pt>
+                <c:pt idx="4">
+                  <c:v>0</c:v>
+                </c:pt>
+                <c:pt idx="5">
+                  <c:v>0</c:v>
+                </c:pt>
+                <c:pt idx="6">
+                  <c:v>0</c:v>
+                </c:pt>
+                <c:pt idx="7">
+                  <c:v>0</c:v>
+                </c:pt>
+                <c:pt idx="8">
+                  <c:v>0</c:v>
+                </c:pt>
+                <c:pt idx="9">
+                  <c:v>0</c:v>
+                </c:pt>
+                <c:pt idx="10">
+                  <c:v>7.6</c:v>
+                </c:pt>
+                <c:pt idx="11">
+                  <c:v>7.6</c:v>
+                </c:pt>
+              </c:numCache>
+            </c:numRef>
+          </c:val>
+          <c:extLst>
+            <c:ext xmlns:c16="http://schemas.microsoft.com/office/drawing/2014/chart" uri="{C3380CC4-5D6E-409C-BE32-E72D297353CC}">
+              <c16:uniqueId val="{00000007-B73F-4638-9C51-29906BD309A7}"/>
+            </c:ext>
+          </c:extLst>
+        </c:ser>
+        <c:ser>
+          <c:idx val="8"/>
+          <c:order val="8"/>
+          <c:tx>
+            <c:strRef>
+              <c:f>Análises!$A$27</c:f>
+              <c:strCache>
+                <c:ptCount val="1"/>
+                <c:pt idx="0">
+                  <c:v>Prefixos</c:v>
+                </c:pt>
+              </c:strCache>
+            </c:strRef>
+          </c:tx>
+          <c:spPr>
+            <a:solidFill>
+              <a:schemeClr val="accent3">
+                <a:lumMod val="60000"/>
+              </a:schemeClr>
+            </a:solidFill>
+            <a:ln>
+              <a:noFill/>
+            </a:ln>
+            <a:effectLst/>
+          </c:spPr>
+          <c:invertIfNegative val="0"/>
+          <c:cat>
+            <c:strRef>
+              <c:f>Análises!$B$18:$M$18</c:f>
+              <c:strCache>
+                <c:ptCount val="12"/>
+                <c:pt idx="0">
+                  <c:v>2010.2</c:v>
+                </c:pt>
+                <c:pt idx="1">
+                  <c:v>2011.1</c:v>
+                </c:pt>
+                <c:pt idx="2">
+                  <c:v>2011.2</c:v>
+                </c:pt>
+                <c:pt idx="3">
+                  <c:v>2012.1</c:v>
+                </c:pt>
+                <c:pt idx="4">
+                  <c:v>2012.2</c:v>
+                </c:pt>
+                <c:pt idx="5">
+                  <c:v>2013.1</c:v>
+                </c:pt>
+                <c:pt idx="6">
+                  <c:v>2013.2</c:v>
+                </c:pt>
+                <c:pt idx="7">
+                  <c:v>2014.1</c:v>
+                </c:pt>
+                <c:pt idx="8">
+                  <c:v>2014.2</c:v>
+                </c:pt>
+                <c:pt idx="9">
+                  <c:v>2015.1</c:v>
+                </c:pt>
+                <c:pt idx="10">
+                  <c:v>2015.2</c:v>
+                </c:pt>
+                <c:pt idx="11">
+                  <c:v>Versão Atual</c:v>
+                </c:pt>
+              </c:strCache>
+            </c:strRef>
+          </c:cat>
+          <c:val>
+            <c:numRef>
+              <c:f>Análises!$B$27:$M$27</c:f>
+              <c:numCache>
+                <c:formatCode>0.0000</c:formatCode>
+                <c:ptCount val="12"/>
+                <c:pt idx="0">
+                  <c:v>0</c:v>
+                </c:pt>
+                <c:pt idx="1">
+                  <c:v>0</c:v>
+                </c:pt>
+                <c:pt idx="2">
+                  <c:v>0</c:v>
+                </c:pt>
+                <c:pt idx="3">
+                  <c:v>0</c:v>
+                </c:pt>
+                <c:pt idx="4">
+                  <c:v>0</c:v>
+                </c:pt>
+                <c:pt idx="5">
+                  <c:v>0</c:v>
+                </c:pt>
+                <c:pt idx="6">
+                  <c:v>0</c:v>
+                </c:pt>
+                <c:pt idx="7">
+                  <c:v>0</c:v>
+                </c:pt>
+                <c:pt idx="8">
+                  <c:v>0</c:v>
+                </c:pt>
+                <c:pt idx="9">
+                  <c:v>0</c:v>
+                </c:pt>
+                <c:pt idx="10">
+                  <c:v>0</c:v>
+                </c:pt>
+                <c:pt idx="11">
+                  <c:v>0</c:v>
+                </c:pt>
+              </c:numCache>
+            </c:numRef>
+          </c:val>
+          <c:extLst>
+            <c:ext xmlns:c16="http://schemas.microsoft.com/office/drawing/2014/chart" uri="{C3380CC4-5D6E-409C-BE32-E72D297353CC}">
+              <c16:uniqueId val="{00000008-B73F-4638-9C51-29906BD309A7}"/>
+            </c:ext>
+          </c:extLst>
+        </c:ser>
+        <c:ser>
+          <c:idx val="9"/>
+          <c:order val="9"/>
+          <c:tx>
+            <c:strRef>
+              <c:f>Análises!$A$28</c:f>
+              <c:strCache>
+                <c:ptCount val="1"/>
+                <c:pt idx="0">
+                  <c:v>Sufixo Not</c:v>
+                </c:pt>
+              </c:strCache>
+            </c:strRef>
+          </c:tx>
+          <c:spPr>
+            <a:solidFill>
+              <a:schemeClr val="accent4">
+                <a:lumMod val="60000"/>
+              </a:schemeClr>
+            </a:solidFill>
+            <a:ln>
+              <a:noFill/>
+            </a:ln>
+            <a:effectLst/>
+          </c:spPr>
+          <c:invertIfNegative val="0"/>
+          <c:cat>
+            <c:strRef>
+              <c:f>Análises!$B$18:$M$18</c:f>
+              <c:strCache>
+                <c:ptCount val="12"/>
+                <c:pt idx="0">
+                  <c:v>2010.2</c:v>
+                </c:pt>
+                <c:pt idx="1">
+                  <c:v>2011.1</c:v>
+                </c:pt>
+                <c:pt idx="2">
+                  <c:v>2011.2</c:v>
+                </c:pt>
+                <c:pt idx="3">
+                  <c:v>2012.1</c:v>
+                </c:pt>
+                <c:pt idx="4">
+                  <c:v>2012.2</c:v>
+                </c:pt>
+                <c:pt idx="5">
+                  <c:v>2013.1</c:v>
+                </c:pt>
+                <c:pt idx="6">
+                  <c:v>2013.2</c:v>
+                </c:pt>
+                <c:pt idx="7">
+                  <c:v>2014.1</c:v>
+                </c:pt>
+                <c:pt idx="8">
+                  <c:v>2014.2</c:v>
+                </c:pt>
+                <c:pt idx="9">
+                  <c:v>2015.1</c:v>
+                </c:pt>
+                <c:pt idx="10">
+                  <c:v>2015.2</c:v>
+                </c:pt>
+                <c:pt idx="11">
+                  <c:v>Versão Atual</c:v>
+                </c:pt>
+              </c:strCache>
+            </c:strRef>
+          </c:cat>
+          <c:val>
+            <c:numRef>
+              <c:f>Análises!$B$28:$M$28</c:f>
+              <c:numCache>
+                <c:formatCode>0.0000</c:formatCode>
+                <c:ptCount val="12"/>
+                <c:pt idx="0">
+                  <c:v>0</c:v>
+                </c:pt>
+                <c:pt idx="1">
+                  <c:v>0</c:v>
+                </c:pt>
+                <c:pt idx="2">
+                  <c:v>0</c:v>
+                </c:pt>
+                <c:pt idx="3">
+                  <c:v>0</c:v>
+                </c:pt>
+                <c:pt idx="4">
+                  <c:v>0</c:v>
+                </c:pt>
+                <c:pt idx="5">
+                  <c:v>0</c:v>
+                </c:pt>
+                <c:pt idx="6">
+                  <c:v>0</c:v>
+                </c:pt>
+                <c:pt idx="7">
+                  <c:v>0</c:v>
+                </c:pt>
+                <c:pt idx="8">
+                  <c:v>0</c:v>
+                </c:pt>
+                <c:pt idx="9">
+                  <c:v>0</c:v>
+                </c:pt>
+                <c:pt idx="10">
+                  <c:v>0</c:v>
+                </c:pt>
+                <c:pt idx="11">
+                  <c:v>0</c:v>
+                </c:pt>
+              </c:numCache>
+            </c:numRef>
+          </c:val>
+          <c:extLst>
+            <c:ext xmlns:c16="http://schemas.microsoft.com/office/drawing/2014/chart" uri="{C3380CC4-5D6E-409C-BE32-E72D297353CC}">
+              <c16:uniqueId val="{00000009-B73F-4638-9C51-29906BD309A7}"/>
+            </c:ext>
+          </c:extLst>
+        </c:ser>
+        <c:ser>
+          <c:idx val="10"/>
+          <c:order val="10"/>
+          <c:tx>
+            <c:strRef>
+              <c:f>Análises!$A$29</c:f>
+              <c:strCache>
+                <c:ptCount val="1"/>
+                <c:pt idx="0">
+                  <c:v>Localização do  Seletor</c:v>
+                </c:pt>
+              </c:strCache>
+            </c:strRef>
+          </c:tx>
+          <c:spPr>
+            <a:solidFill>
+              <a:schemeClr val="accent5">
+                <a:lumMod val="60000"/>
+              </a:schemeClr>
+            </a:solidFill>
+            <a:ln>
+              <a:noFill/>
+            </a:ln>
+            <a:effectLst/>
+          </c:spPr>
+          <c:invertIfNegative val="0"/>
+          <c:cat>
+            <c:strRef>
+              <c:f>Análises!$B$18:$M$18</c:f>
+              <c:strCache>
+                <c:ptCount val="12"/>
+                <c:pt idx="0">
+                  <c:v>2010.2</c:v>
+                </c:pt>
+                <c:pt idx="1">
+                  <c:v>2011.1</c:v>
+                </c:pt>
+                <c:pt idx="2">
+                  <c:v>2011.2</c:v>
+                </c:pt>
+                <c:pt idx="3">
+                  <c:v>2012.1</c:v>
+                </c:pt>
+                <c:pt idx="4">
+                  <c:v>2012.2</c:v>
+                </c:pt>
+                <c:pt idx="5">
+                  <c:v>2013.1</c:v>
+                </c:pt>
+                <c:pt idx="6">
+                  <c:v>2013.2</c:v>
+                </c:pt>
+                <c:pt idx="7">
+                  <c:v>2014.1</c:v>
+                </c:pt>
+                <c:pt idx="8">
+                  <c:v>2014.2</c:v>
+                </c:pt>
+                <c:pt idx="9">
+                  <c:v>2015.1</c:v>
+                </c:pt>
+                <c:pt idx="10">
+                  <c:v>2015.2</c:v>
+                </c:pt>
+                <c:pt idx="11">
+                  <c:v>Versão Atual</c:v>
+                </c:pt>
+              </c:strCache>
+            </c:strRef>
+          </c:cat>
+          <c:val>
+            <c:numRef>
+              <c:f>Análises!$B$29:$M$29</c:f>
+              <c:numCache>
+                <c:formatCode>0.0000</c:formatCode>
+                <c:ptCount val="12"/>
+                <c:pt idx="0">
+                  <c:v>8.4</c:v>
+                </c:pt>
+                <c:pt idx="1">
+                  <c:v>8.4</c:v>
+                </c:pt>
+                <c:pt idx="2">
+                  <c:v>8.4</c:v>
+                </c:pt>
+                <c:pt idx="3">
+                  <c:v>16.8</c:v>
+                </c:pt>
+                <c:pt idx="4">
+                  <c:v>16.8</c:v>
+                </c:pt>
+                <c:pt idx="5">
+                  <c:v>16.8</c:v>
+                </c:pt>
+                <c:pt idx="6">
+                  <c:v>16.8</c:v>
+                </c:pt>
+                <c:pt idx="7">
+                  <c:v>16.8</c:v>
+                </c:pt>
+                <c:pt idx="8">
+                  <c:v>16.8</c:v>
+                </c:pt>
+                <c:pt idx="9">
+                  <c:v>67.2</c:v>
+                </c:pt>
+                <c:pt idx="10">
+                  <c:v>67.2</c:v>
+                </c:pt>
+                <c:pt idx="11">
+                  <c:v>67.2</c:v>
+                </c:pt>
+              </c:numCache>
+            </c:numRef>
+          </c:val>
+          <c:extLst>
+            <c:ext xmlns:c16="http://schemas.microsoft.com/office/drawing/2014/chart" uri="{C3380CC4-5D6E-409C-BE32-E72D297353CC}">
+              <c16:uniqueId val="{0000000A-B73F-4638-9C51-29906BD309A7}"/>
+            </c:ext>
+          </c:extLst>
+        </c:ser>
+        <c:ser>
+          <c:idx val="11"/>
+          <c:order val="11"/>
+          <c:tx>
+            <c:strRef>
+              <c:f>Análises!$A$30</c:f>
+              <c:strCache>
+                <c:ptCount val="1"/>
+                <c:pt idx="0">
+                  <c:v>Complexidade do Seletor</c:v>
+                </c:pt>
+              </c:strCache>
+            </c:strRef>
+          </c:tx>
+          <c:spPr>
+            <a:solidFill>
+              <a:schemeClr val="accent6">
+                <a:lumMod val="60000"/>
+              </a:schemeClr>
+            </a:solidFill>
+            <a:ln>
+              <a:noFill/>
+            </a:ln>
+            <a:effectLst/>
+          </c:spPr>
+          <c:invertIfNegative val="0"/>
+          <c:cat>
+            <c:strRef>
+              <c:f>Análises!$B$18:$M$18</c:f>
+              <c:strCache>
+                <c:ptCount val="12"/>
+                <c:pt idx="0">
+                  <c:v>2010.2</c:v>
+                </c:pt>
+                <c:pt idx="1">
+                  <c:v>2011.1</c:v>
+                </c:pt>
+                <c:pt idx="2">
+                  <c:v>2011.2</c:v>
+                </c:pt>
+                <c:pt idx="3">
+                  <c:v>2012.1</c:v>
+                </c:pt>
+                <c:pt idx="4">
+                  <c:v>2012.2</c:v>
+                </c:pt>
+                <c:pt idx="5">
+                  <c:v>2013.1</c:v>
+                </c:pt>
+                <c:pt idx="6">
+                  <c:v>2013.2</c:v>
+                </c:pt>
+                <c:pt idx="7">
+                  <c:v>2014.1</c:v>
+                </c:pt>
+                <c:pt idx="8">
+                  <c:v>2014.2</c:v>
+                </c:pt>
+                <c:pt idx="9">
+                  <c:v>2015.1</c:v>
+                </c:pt>
+                <c:pt idx="10">
+                  <c:v>2015.2</c:v>
+                </c:pt>
+                <c:pt idx="11">
+                  <c:v>Versão Atual</c:v>
+                </c:pt>
+              </c:strCache>
+            </c:strRef>
+          </c:cat>
+          <c:val>
+            <c:numRef>
+              <c:f>Análises!$B$30:$M$30</c:f>
+              <c:numCache>
+                <c:formatCode>0.0000</c:formatCode>
+                <c:ptCount val="12"/>
+                <c:pt idx="0">
+                  <c:v>0</c:v>
+                </c:pt>
+                <c:pt idx="1">
+                  <c:v>0</c:v>
+                </c:pt>
+                <c:pt idx="2">
+                  <c:v>0</c:v>
+                </c:pt>
+                <c:pt idx="3">
+                  <c:v>0</c:v>
+                </c:pt>
+                <c:pt idx="4">
+                  <c:v>0</c:v>
+                </c:pt>
+                <c:pt idx="5">
+                  <c:v>0</c:v>
+                </c:pt>
+                <c:pt idx="6">
+                  <c:v>0</c:v>
+                </c:pt>
+                <c:pt idx="7">
+                  <c:v>0</c:v>
+                </c:pt>
+                <c:pt idx="8">
+                  <c:v>172.1036</c:v>
+                </c:pt>
+                <c:pt idx="9">
+                  <c:v>344.20729999999998</c:v>
+                </c:pt>
+                <c:pt idx="10">
+                  <c:v>344.20729999999998</c:v>
+                </c:pt>
+                <c:pt idx="11">
+                  <c:v>344.20729999999998</c:v>
+                </c:pt>
+              </c:numCache>
+            </c:numRef>
+          </c:val>
+          <c:extLst>
+            <c:ext xmlns:c16="http://schemas.microsoft.com/office/drawing/2014/chart" uri="{C3380CC4-5D6E-409C-BE32-E72D297353CC}">
+              <c16:uniqueId val="{0000000B-B73F-4638-9C51-29906BD309A7}"/>
+            </c:ext>
+          </c:extLst>
+        </c:ser>
+        <c:dLbls>
+          <c:showLegendKey val="0"/>
+          <c:showVal val="0"/>
+          <c:showCatName val="0"/>
+          <c:showSerName val="0"/>
+          <c:showPercent val="0"/>
+          <c:showBubbleSize val="0"/>
+        </c:dLbls>
+        <c:gapWidth val="150"/>
+        <c:overlap val="100"/>
+        <c:axId val="611096528"/>
+        <c:axId val="611090624"/>
+      </c:barChart>
+      <c:catAx>
+        <c:axId val="611096528"/>
+        <c:scaling>
+          <c:orientation val="minMax"/>
+        </c:scaling>
+        <c:delete val="0"/>
+        <c:axPos val="b"/>
+        <c:majorGridlines>
+          <c:spPr>
+            <a:ln w="9525" cap="flat" cmpd="sng" algn="ctr">
+              <a:solidFill>
+                <a:schemeClr val="dk1">
+                  <a:lumMod val="15000"/>
+                  <a:lumOff val="85000"/>
+                </a:schemeClr>
+              </a:solidFill>
+              <a:round/>
+            </a:ln>
+            <a:effectLst/>
+          </c:spPr>
+        </c:majorGridlines>
+        <c:numFmt formatCode="General" sourceLinked="1"/>
+        <c:majorTickMark val="none"/>
+        <c:minorTickMark val="none"/>
+        <c:tickLblPos val="nextTo"/>
+        <c:spPr>
+          <a:noFill/>
+          <a:ln w="9525" cap="flat" cmpd="sng" algn="ctr">
+            <a:solidFill>
+              <a:schemeClr val="dk1">
+                <a:lumMod val="15000"/>
+                <a:lumOff val="85000"/>
+              </a:schemeClr>
+            </a:solidFill>
+            <a:round/>
+          </a:ln>
+          <a:effectLst/>
+        </c:spPr>
+        <c:txPr>
+          <a:bodyPr rot="0" spcFirstLastPara="1" vertOverflow="ellipsis" wrap="square" anchor="ctr" anchorCtr="1"/>
+          <a:lstStyle/>
+          <a:p>
+            <a:pPr>
+              <a:defRPr sz="1400" b="0" i="0" u="none" strike="noStrike" kern="1200" cap="none" spc="0" normalizeH="0" baseline="0">
+                <a:solidFill>
+                  <a:schemeClr val="dk1">
+                    <a:lumMod val="65000"/>
+                    <a:lumOff val="35000"/>
+                  </a:schemeClr>
+                </a:solidFill>
+                <a:latin typeface="+mn-lt"/>
+                <a:ea typeface="+mn-ea"/>
+                <a:cs typeface="+mn-cs"/>
+              </a:defRPr>
+            </a:pPr>
+            <a:endParaRPr lang="en-US"/>
+          </a:p>
+        </c:txPr>
+        <c:crossAx val="611090624"/>
+        <c:crosses val="autoZero"/>
+        <c:auto val="1"/>
+        <c:lblAlgn val="ctr"/>
+        <c:lblOffset val="100"/>
+        <c:noMultiLvlLbl val="0"/>
+      </c:catAx>
+      <c:valAx>
+        <c:axId val="611090624"/>
+        <c:scaling>
+          <c:orientation val="minMax"/>
+        </c:scaling>
+        <c:delete val="0"/>
+        <c:axPos val="l"/>
+        <c:majorGridlines>
+          <c:spPr>
+            <a:ln w="9525" cap="flat" cmpd="sng" algn="ctr">
+              <a:solidFill>
+                <a:schemeClr val="dk1">
+                  <a:lumMod val="15000"/>
+                  <a:lumOff val="85000"/>
+                </a:schemeClr>
+              </a:solidFill>
+              <a:round/>
+            </a:ln>
+            <a:effectLst/>
+          </c:spPr>
+        </c:majorGridlines>
+        <c:numFmt formatCode="0%" sourceLinked="1"/>
+        <c:majorTickMark val="none"/>
+        <c:minorTickMark val="none"/>
+        <c:tickLblPos val="nextTo"/>
+        <c:spPr>
+          <a:noFill/>
+          <a:ln w="9525" cap="flat" cmpd="sng" algn="ctr">
+            <a:solidFill>
+              <a:schemeClr val="dk1">
+                <a:lumMod val="15000"/>
+                <a:lumOff val="85000"/>
+              </a:schemeClr>
+            </a:solidFill>
+            <a:round/>
+          </a:ln>
+          <a:effectLst/>
+        </c:spPr>
+        <c:txPr>
+          <a:bodyPr rot="-60000000" spcFirstLastPara="1" vertOverflow="ellipsis" vert="horz" wrap="square" anchor="ctr" anchorCtr="1"/>
+          <a:lstStyle/>
+          <a:p>
+            <a:pPr>
+              <a:defRPr sz="1400" b="0" i="0" u="none" strike="noStrike" kern="1200" baseline="0">
+                <a:solidFill>
+                  <a:schemeClr val="dk1">
+                    <a:lumMod val="65000"/>
+                    <a:lumOff val="35000"/>
+                  </a:schemeClr>
+                </a:solidFill>
+                <a:latin typeface="+mn-lt"/>
+                <a:ea typeface="+mn-ea"/>
+                <a:cs typeface="+mn-cs"/>
+              </a:defRPr>
+            </a:pPr>
+            <a:endParaRPr lang="en-US"/>
+          </a:p>
+        </c:txPr>
+        <c:crossAx val="611096528"/>
+        <c:crosses val="autoZero"/>
+        <c:crossBetween val="between"/>
+      </c:valAx>
+      <c:spPr>
+        <a:pattFill prst="ltDnDiag">
+          <a:fgClr>
+            <a:schemeClr val="dk1">
+              <a:lumMod val="15000"/>
+              <a:lumOff val="85000"/>
+            </a:schemeClr>
+          </a:fgClr>
+          <a:bgClr>
+            <a:schemeClr val="lt1"/>
+          </a:bgClr>
+        </a:pattFill>
+        <a:ln>
+          <a:noFill/>
+        </a:ln>
+        <a:effectLst/>
+      </c:spPr>
+    </c:plotArea>
+    <c:legend>
+      <c:legendPos val="b"/>
+      <c:layout>
+        <c:manualLayout>
+          <c:xMode val="edge"/>
+          <c:yMode val="edge"/>
+          <c:x val="4.0251191104906268E-3"/>
+          <c:y val="0.7538975050124811"/>
+          <c:w val="0.98607789402457702"/>
+          <c:h val="0.2307492216071734"/>
+        </c:manualLayout>
+      </c:layout>
+      <c:overlay val="0"/>
+      <c:spPr>
+        <a:noFill/>
+        <a:ln>
+          <a:noFill/>
+        </a:ln>
+        <a:effectLst/>
+      </c:spPr>
+      <c:txPr>
+        <a:bodyPr rot="0" spcFirstLastPara="1" vertOverflow="ellipsis" vert="horz" wrap="square" anchor="ctr" anchorCtr="1"/>
+        <a:lstStyle/>
+        <a:p>
+          <a:pPr>
+            <a:defRPr sz="1400" b="0" i="0" u="none" strike="noStrike" kern="1200" baseline="0">
+              <a:solidFill>
+                <a:schemeClr val="dk1">
+                  <a:lumMod val="65000"/>
+                  <a:lumOff val="35000"/>
+                </a:schemeClr>
+              </a:solidFill>
+              <a:latin typeface="+mn-lt"/>
+              <a:ea typeface="+mn-ea"/>
+              <a:cs typeface="+mn-cs"/>
+            </a:defRPr>
+          </a:pPr>
+          <a:endParaRPr lang="en-US"/>
+        </a:p>
+      </c:txPr>
+    </c:legend>
+    <c:plotVisOnly val="1"/>
+    <c:dispBlanksAs val="gap"/>
+    <c:showDLblsOverMax val="0"/>
+  </c:chart>
+  <c:spPr>
+    <a:solidFill>
+      <a:schemeClr val="lt1"/>
+    </a:solidFill>
+    <a:ln w="9525" cap="flat" cmpd="sng" algn="ctr">
+      <a:solidFill>
+        <a:schemeClr val="dk1">
+          <a:lumMod val="15000"/>
+          <a:lumOff val="85000"/>
+        </a:schemeClr>
+      </a:solidFill>
+      <a:round/>
+    </a:ln>
+    <a:effectLst/>
+  </c:spPr>
+  <c:txPr>
+    <a:bodyPr/>
+    <a:lstStyle/>
+    <a:p>
+      <a:pPr>
+        <a:defRPr sz="1400"/>
+      </a:pPr>
+      <a:endParaRPr lang="en-US"/>
+    </a:p>
+  </c:txPr>
+  <c:externalData r:id="rId3">
+    <c:autoUpdate val="0"/>
+  </c:externalData>
+</c:chartSpace>
+</file>
+
+<file path=ppt/charts/colors1.xml><?xml version="1.0" encoding="utf-8"?>
+<cs:colorStyle xmlns:cs="http://schemas.microsoft.com/office/drawing/2012/chartStyle" xmlns:a="http://schemas.openxmlformats.org/drawingml/2006/main" meth="cycle" id="10">
+  <a:schemeClr val="accent1"/>
+  <a:schemeClr val="accent2"/>
+  <a:schemeClr val="accent3"/>
+  <a:schemeClr val="accent4"/>
+  <a:schemeClr val="accent5"/>
+  <a:schemeClr val="accent6"/>
+  <cs:variation/>
+  <cs:variation>
+    <a:lumMod val="60000"/>
+  </cs:variation>
+  <cs:variation>
+    <a:lumMod val="80000"/>
+    <a:lumOff val="20000"/>
+  </cs:variation>
+  <cs:variation>
+    <a:lumMod val="80000"/>
+  </cs:variation>
+  <cs:variation>
+    <a:lumMod val="60000"/>
+    <a:lumOff val="40000"/>
+  </cs:variation>
+  <cs:variation>
+    <a:lumMod val="50000"/>
+  </cs:variation>
+  <cs:variation>
+    <a:lumMod val="70000"/>
+    <a:lumOff val="30000"/>
+  </cs:variation>
+  <cs:variation>
+    <a:lumMod val="70000"/>
+  </cs:variation>
+  <cs:variation>
+    <a:lumMod val="50000"/>
+    <a:lumOff val="50000"/>
+  </cs:variation>
+</cs:colorStyle>
+</file>
+
+<file path=ppt/charts/colors2.xml><?xml version="1.0" encoding="utf-8"?>
+<cs:colorStyle xmlns:cs="http://schemas.microsoft.com/office/drawing/2012/chartStyle" xmlns:a="http://schemas.openxmlformats.org/drawingml/2006/main" meth="cycle" id="10">
+  <a:schemeClr val="accent1"/>
+  <a:schemeClr val="accent2"/>
+  <a:schemeClr val="accent3"/>
+  <a:schemeClr val="accent4"/>
+  <a:schemeClr val="accent5"/>
+  <a:schemeClr val="accent6"/>
+  <cs:variation/>
+  <cs:variation>
+    <a:lumMod val="60000"/>
+  </cs:variation>
+  <cs:variation>
+    <a:lumMod val="80000"/>
+    <a:lumOff val="20000"/>
+  </cs:variation>
+  <cs:variation>
+    <a:lumMod val="80000"/>
+  </cs:variation>
+  <cs:variation>
+    <a:lumMod val="60000"/>
+    <a:lumOff val="40000"/>
+  </cs:variation>
+  <cs:variation>
+    <a:lumMod val="50000"/>
+  </cs:variation>
+  <cs:variation>
+    <a:lumMod val="70000"/>
+    <a:lumOff val="30000"/>
+  </cs:variation>
+  <cs:variation>
+    <a:lumMod val="70000"/>
+  </cs:variation>
+  <cs:variation>
+    <a:lumMod val="50000"/>
+    <a:lumOff val="50000"/>
+  </cs:variation>
+</cs:colorStyle>
+</file>
+
+<file path=ppt/charts/style1.xml><?xml version="1.0" encoding="utf-8"?>
+<cs:chartStyle xmlns:cs="http://schemas.microsoft.com/office/drawing/2012/chartStyle" xmlns:a="http://schemas.openxmlformats.org/drawingml/2006/main" id="297">
+  <cs:axisTitle>
+    <cs:lnRef idx="0"/>
+    <cs:fillRef idx="0"/>
+    <cs:effectRef idx="0"/>
+    <cs:fontRef idx="minor">
+      <a:schemeClr val="tx1">
+        <a:lumMod val="65000"/>
+        <a:lumOff val="35000"/>
+      </a:schemeClr>
+    </cs:fontRef>
+    <cs:defRPr sz="1000" kern="1200"/>
+  </cs:axisTitle>
+  <cs:categoryAxis>
+    <cs:lnRef idx="0"/>
+    <cs:fillRef idx="0"/>
+    <cs:effectRef idx="0"/>
+    <cs:fontRef idx="minor">
+      <a:schemeClr val="tx1">
+        <a:lumMod val="65000"/>
+        <a:lumOff val="35000"/>
+      </a:schemeClr>
+    </cs:fontRef>
+    <cs:spPr>
+      <a:ln w="9525" cap="flat" cmpd="sng" algn="ctr">
+        <a:solidFill>
+          <a:schemeClr val="tx1">
+            <a:lumMod val="15000"/>
+            <a:lumOff val="85000"/>
+          </a:schemeClr>
+        </a:solidFill>
+        <a:round/>
+      </a:ln>
+    </cs:spPr>
+    <cs:defRPr sz="900" kern="1200"/>
+  </cs:categoryAxis>
+  <cs:chartArea mods="allowNoFillOverride allowNoLineOverride">
+    <cs:lnRef idx="0"/>
+    <cs:fillRef idx="0"/>
+    <cs:effectRef idx="0"/>
+    <cs:fontRef idx="minor">
+      <a:schemeClr val="tx1"/>
+    </cs:fontRef>
+    <cs:spPr>
+      <a:solidFill>
+        <a:schemeClr val="bg1"/>
+      </a:solidFill>
+      <a:ln w="9525" cap="flat" cmpd="sng" algn="ctr">
+        <a:solidFill>
+          <a:schemeClr val="tx1">
+            <a:lumMod val="15000"/>
+            <a:lumOff val="85000"/>
+          </a:schemeClr>
+        </a:solidFill>
+        <a:round/>
+      </a:ln>
+    </cs:spPr>
+    <cs:defRPr sz="1000" kern="1200"/>
+  </cs:chartArea>
+  <cs:dataLabel>
+    <cs:lnRef idx="0"/>
+    <cs:fillRef idx="0"/>
+    <cs:effectRef idx="0"/>
+    <cs:fontRef idx="minor">
+      <a:schemeClr val="tx1">
+        <a:lumMod val="75000"/>
+        <a:lumOff val="25000"/>
+      </a:schemeClr>
+    </cs:fontRef>
+    <cs:defRPr sz="900" kern="1200"/>
+  </cs:dataLabel>
+  <cs:dataLabelCallout>
+    <cs:lnRef idx="0"/>
+    <cs:fillRef idx="0"/>
+    <cs:effectRef idx="0"/>
+    <cs:fontRef idx="minor">
+      <a:schemeClr val="dk1">
+        <a:lumMod val="65000"/>
+        <a:lumOff val="35000"/>
+      </a:schemeClr>
+    </cs:fontRef>
+    <cs:spPr>
+      <a:solidFill>
+        <a:schemeClr val="lt1"/>
+      </a:solidFill>
+      <a:ln>
+        <a:solidFill>
+          <a:schemeClr val="dk1">
+            <a:lumMod val="25000"/>
+            <a:lumOff val="75000"/>
+          </a:schemeClr>
+        </a:solidFill>
+      </a:ln>
+    </cs:spPr>
+    <cs:defRPr sz="900" kern="1200"/>
+    <cs:bodyPr rot="0" spcFirstLastPara="1" vertOverflow="clip" horzOverflow="clip" vert="horz" wrap="square" lIns="36576" tIns="18288" rIns="36576" bIns="18288" anchor="ctr" anchorCtr="1">
+      <a:spAutoFit/>
+    </cs:bodyPr>
+  </cs:dataLabelCallout>
+  <cs:dataPoint>
+    <cs:lnRef idx="0"/>
+    <cs:fillRef idx="1">
+      <cs:styleClr val="auto"/>
+    </cs:fillRef>
+    <cs:effectRef idx="0"/>
+    <cs:fontRef idx="minor">
+      <a:schemeClr val="tx1"/>
+    </cs:fontRef>
+  </cs:dataPoint>
+  <cs:dataPoint3D>
+    <cs:lnRef idx="0"/>
+    <cs:fillRef idx="1">
+      <cs:styleClr val="auto"/>
+    </cs:fillRef>
+    <cs:effectRef idx="0"/>
+    <cs:fontRef idx="minor">
+      <a:schemeClr val="tx1"/>
+    </cs:fontRef>
+  </cs:dataPoint3D>
+  <cs:dataPointLine>
+    <cs:lnRef idx="0">
+      <cs:styleClr val="auto"/>
+    </cs:lnRef>
+    <cs:fillRef idx="1"/>
+    <cs:effectRef idx="0"/>
+    <cs:fontRef idx="minor">
+      <a:schemeClr val="tx1"/>
+    </cs:fontRef>
+    <cs:spPr>
+      <a:ln w="28575" cap="rnd">
+        <a:solidFill>
+          <a:schemeClr val="phClr"/>
+        </a:solidFill>
+        <a:round/>
+      </a:ln>
+    </cs:spPr>
+  </cs:dataPointLine>
+  <cs:dataPointMarker>
+    <cs:lnRef idx="0">
+      <cs:styleClr val="auto"/>
+    </cs:lnRef>
+    <cs:fillRef idx="1">
+      <cs:styleClr val="auto"/>
+    </cs:fillRef>
+    <cs:effectRef idx="0"/>
+    <cs:fontRef idx="minor">
+      <a:schemeClr val="tx1"/>
+    </cs:fontRef>
+    <cs:spPr>
+      <a:ln w="9525">
+        <a:solidFill>
+          <a:schemeClr val="phClr"/>
+        </a:solidFill>
+      </a:ln>
+    </cs:spPr>
+  </cs:dataPointMarker>
+  <cs:dataPointMarkerLayout symbol="circle" size="5"/>
+  <cs:dataPointWireframe>
+    <cs:lnRef idx="0">
+      <cs:styleClr val="auto"/>
+    </cs:lnRef>
+    <cs:fillRef idx="1"/>
+    <cs:effectRef idx="0"/>
+    <cs:fontRef idx="minor">
+      <a:schemeClr val="tx1"/>
+    </cs:fontRef>
+    <cs:spPr>
+      <a:ln w="9525" cap="rnd">
+        <a:solidFill>
+          <a:schemeClr val="phClr"/>
+        </a:solidFill>
+        <a:round/>
+      </a:ln>
+    </cs:spPr>
+  </cs:dataPointWireframe>
+  <cs:dataTable>
+    <cs:lnRef idx="0"/>
+    <cs:fillRef idx="0"/>
+    <cs:effectRef idx="0"/>
+    <cs:fontRef idx="minor">
+      <a:schemeClr val="tx1">
+        <a:lumMod val="65000"/>
+        <a:lumOff val="35000"/>
+      </a:schemeClr>
+    </cs:fontRef>
+    <cs:spPr>
+      <a:noFill/>
+      <a:ln w="9525" cap="flat" cmpd="sng" algn="ctr">
+        <a:solidFill>
+          <a:schemeClr val="tx1">
+            <a:lumMod val="15000"/>
+            <a:lumOff val="85000"/>
+          </a:schemeClr>
+        </a:solidFill>
+        <a:round/>
+      </a:ln>
+    </cs:spPr>
+    <cs:defRPr sz="900" kern="1200"/>
+  </cs:dataTable>
+  <cs:downBar>
+    <cs:lnRef idx="0"/>
+    <cs:fillRef idx="0"/>
+    <cs:effectRef idx="0"/>
+    <cs:fontRef idx="minor">
+      <a:schemeClr val="tx1"/>
+    </cs:fontRef>
+    <cs:spPr>
+      <a:solidFill>
+        <a:schemeClr val="dk1">
+          <a:lumMod val="75000"/>
+          <a:lumOff val="25000"/>
+        </a:schemeClr>
+      </a:solidFill>
+      <a:ln w="9525" cap="flat" cmpd="sng" algn="ctr">
+        <a:solidFill>
+          <a:schemeClr val="tx1">
+            <a:lumMod val="65000"/>
+            <a:lumOff val="35000"/>
+          </a:schemeClr>
+        </a:solidFill>
+        <a:round/>
+      </a:ln>
+    </cs:spPr>
+  </cs:downBar>
+  <cs:dropLine>
+    <cs:lnRef idx="0"/>
+    <cs:fillRef idx="0"/>
+    <cs:effectRef idx="0"/>
+    <cs:fontRef idx="minor">
+      <a:schemeClr val="tx1"/>
+    </cs:fontRef>
+    <cs:spPr>
+      <a:ln w="9525" cap="flat" cmpd="sng" algn="ctr">
+        <a:solidFill>
+          <a:schemeClr val="tx1">
+            <a:lumMod val="35000"/>
+            <a:lumOff val="65000"/>
+          </a:schemeClr>
+        </a:solidFill>
+        <a:round/>
+      </a:ln>
+    </cs:spPr>
+  </cs:dropLine>
+  <cs:errorBar>
+    <cs:lnRef idx="0"/>
+    <cs:fillRef idx="0"/>
+    <cs:effectRef idx="0"/>
+    <cs:fontRef idx="minor">
+      <a:schemeClr val="tx1"/>
+    </cs:fontRef>
+    <cs:spPr>
+      <a:ln w="9525" cap="flat" cmpd="sng" algn="ctr">
+        <a:solidFill>
+          <a:schemeClr val="tx1">
+            <a:lumMod val="65000"/>
+            <a:lumOff val="35000"/>
+          </a:schemeClr>
+        </a:solidFill>
+        <a:round/>
+      </a:ln>
+    </cs:spPr>
+  </cs:errorBar>
+  <cs:floor>
+    <cs:lnRef idx="0"/>
+    <cs:fillRef idx="0"/>
+    <cs:effectRef idx="0"/>
+    <cs:fontRef idx="minor">
+      <a:schemeClr val="tx1"/>
+    </cs:fontRef>
+    <cs:spPr>
+      <a:noFill/>
+      <a:ln>
+        <a:noFill/>
+      </a:ln>
+    </cs:spPr>
+  </cs:floor>
+  <cs:gridlineMajor>
+    <cs:lnRef idx="0"/>
+    <cs:fillRef idx="0"/>
+    <cs:effectRef idx="0"/>
+    <cs:fontRef idx="minor">
+      <a:schemeClr val="tx1"/>
+    </cs:fontRef>
+    <cs:spPr>
+      <a:ln w="9525" cap="flat" cmpd="sng" algn="ctr">
+        <a:solidFill>
+          <a:schemeClr val="tx1">
+            <a:lumMod val="15000"/>
+            <a:lumOff val="85000"/>
+          </a:schemeClr>
+        </a:solidFill>
+        <a:round/>
+      </a:ln>
+    </cs:spPr>
+  </cs:gridlineMajor>
+  <cs:gridlineMinor>
+    <cs:lnRef idx="0"/>
+    <cs:fillRef idx="0"/>
+    <cs:effectRef idx="0"/>
+    <cs:fontRef idx="minor">
+      <a:schemeClr val="tx1"/>
+    </cs:fontRef>
+    <cs:spPr>
+      <a:ln w="9525" cap="flat" cmpd="sng" algn="ctr">
+        <a:solidFill>
+          <a:schemeClr val="tx1">
+            <a:lumMod val="5000"/>
+            <a:lumOff val="95000"/>
+          </a:schemeClr>
+        </a:solidFill>
+        <a:round/>
+      </a:ln>
+    </cs:spPr>
+  </cs:gridlineMinor>
+  <cs:hiLoLine>
+    <cs:lnRef idx="0"/>
+    <cs:fillRef idx="0"/>
+    <cs:effectRef idx="0"/>
+    <cs:fontRef idx="minor">
+      <a:schemeClr val="tx1"/>
+    </cs:fontRef>
+    <cs:spPr>
+      <a:ln w="9525" cap="flat" cmpd="sng" algn="ctr">
+        <a:solidFill>
+          <a:schemeClr val="tx1">
+            <a:lumMod val="50000"/>
+            <a:lumOff val="50000"/>
+          </a:schemeClr>
+        </a:solidFill>
+        <a:round/>
+      </a:ln>
+    </cs:spPr>
+  </cs:hiLoLine>
+  <cs:leaderLine>
+    <cs:lnRef idx="0"/>
+    <cs:fillRef idx="0"/>
+    <cs:effectRef idx="0"/>
+    <cs:fontRef idx="minor">
+      <a:schemeClr val="tx1"/>
+    </cs:fontRef>
+    <cs:spPr>
+      <a:ln w="9525" cap="flat" cmpd="sng" algn="ctr">
+        <a:solidFill>
+          <a:schemeClr val="tx1">
+            <a:lumMod val="35000"/>
+            <a:lumOff val="65000"/>
+          </a:schemeClr>
+        </a:solidFill>
+        <a:round/>
+      </a:ln>
+    </cs:spPr>
+  </cs:leaderLine>
+  <cs:legend>
+    <cs:lnRef idx="0"/>
+    <cs:fillRef idx="0"/>
+    <cs:effectRef idx="0"/>
+    <cs:fontRef idx="minor">
+      <a:schemeClr val="tx1">
+        <a:lumMod val="65000"/>
+        <a:lumOff val="35000"/>
+      </a:schemeClr>
+    </cs:fontRef>
+    <cs:defRPr sz="900" kern="1200"/>
+  </cs:legend>
+  <cs:plotArea mods="allowNoFillOverride allowNoLineOverride">
+    <cs:lnRef idx="0"/>
+    <cs:fillRef idx="0"/>
+    <cs:effectRef idx="0"/>
+    <cs:fontRef idx="minor">
+      <a:schemeClr val="tx1"/>
+    </cs:fontRef>
+  </cs:plotArea>
+  <cs:plotArea3D mods="allowNoFillOverride allowNoLineOverride">
+    <cs:lnRef idx="0"/>
+    <cs:fillRef idx="0"/>
+    <cs:effectRef idx="0"/>
+    <cs:fontRef idx="minor">
+      <a:schemeClr val="tx1"/>
+    </cs:fontRef>
+  </cs:plotArea3D>
+  <cs:seriesAxis>
+    <cs:lnRef idx="0"/>
+    <cs:fillRef idx="0"/>
+    <cs:effectRef idx="0"/>
+    <cs:fontRef idx="minor">
+      <a:schemeClr val="tx1">
+        <a:lumMod val="65000"/>
+        <a:lumOff val="35000"/>
+      </a:schemeClr>
+    </cs:fontRef>
+    <cs:defRPr sz="900" kern="1200"/>
+  </cs:seriesAxis>
+  <cs:seriesLine>
+    <cs:lnRef idx="0"/>
+    <cs:fillRef idx="0"/>
+    <cs:effectRef idx="0"/>
+    <cs:fontRef idx="minor">
+      <a:schemeClr val="tx1"/>
+    </cs:fontRef>
+    <cs:spPr>
+      <a:ln w="9525" cap="flat" cmpd="sng" algn="ctr">
+        <a:solidFill>
+          <a:schemeClr val="tx1">
+            <a:lumMod val="35000"/>
+            <a:lumOff val="65000"/>
+          </a:schemeClr>
+        </a:solidFill>
+        <a:round/>
+      </a:ln>
+    </cs:spPr>
+  </cs:seriesLine>
+  <cs:title>
+    <cs:lnRef idx="0"/>
+    <cs:fillRef idx="0"/>
+    <cs:effectRef idx="0"/>
+    <cs:fontRef idx="minor">
+      <a:schemeClr val="tx1">
+        <a:lumMod val="65000"/>
+        <a:lumOff val="35000"/>
+      </a:schemeClr>
+    </cs:fontRef>
+    <cs:defRPr sz="1400" b="0" kern="1200" spc="0" baseline="0"/>
+  </cs:title>
+  <cs:trendline>
+    <cs:lnRef idx="0">
+      <cs:styleClr val="auto"/>
+    </cs:lnRef>
+    <cs:fillRef idx="0"/>
+    <cs:effectRef idx="0"/>
+    <cs:fontRef idx="minor">
+      <a:schemeClr val="tx1"/>
+    </cs:fontRef>
+    <cs:spPr>
+      <a:ln w="19050" cap="rnd">
+        <a:solidFill>
+          <a:schemeClr val="phClr"/>
+        </a:solidFill>
+        <a:prstDash val="sysDot"/>
+      </a:ln>
+    </cs:spPr>
+  </cs:trendline>
+  <cs:trendlineLabel>
+    <cs:lnRef idx="0"/>
+    <cs:fillRef idx="0"/>
+    <cs:effectRef idx="0"/>
+    <cs:fontRef idx="minor">
+      <a:schemeClr val="tx1">
+        <a:lumMod val="65000"/>
+        <a:lumOff val="35000"/>
+      </a:schemeClr>
+    </cs:fontRef>
+    <cs:defRPr sz="900" kern="1200"/>
+  </cs:trendlineLabel>
+  <cs:upBar>
+    <cs:lnRef idx="0"/>
+    <cs:fillRef idx="0"/>
+    <cs:effectRef idx="0"/>
+    <cs:fontRef idx="minor">
+      <a:schemeClr val="tx1"/>
+    </cs:fontRef>
+    <cs:spPr>
+      <a:solidFill>
+        <a:schemeClr val="lt1"/>
+      </a:solidFill>
+      <a:ln w="9525" cap="flat" cmpd="sng" algn="ctr">
+        <a:solidFill>
+          <a:schemeClr val="tx1">
+            <a:lumMod val="65000"/>
+            <a:lumOff val="35000"/>
+          </a:schemeClr>
+        </a:solidFill>
+        <a:round/>
+      </a:ln>
+    </cs:spPr>
+  </cs:upBar>
+  <cs:valueAxis>
+    <cs:lnRef idx="0"/>
+    <cs:fillRef idx="0"/>
+    <cs:effectRef idx="0"/>
+    <cs:fontRef idx="minor">
+      <a:schemeClr val="tx1">
+        <a:lumMod val="65000"/>
+        <a:lumOff val="35000"/>
+      </a:schemeClr>
+    </cs:fontRef>
+    <cs:defRPr sz="900" kern="1200"/>
+  </cs:valueAxis>
+  <cs:wall>
+    <cs:lnRef idx="0"/>
+    <cs:fillRef idx="0"/>
+    <cs:effectRef idx="0"/>
+    <cs:fontRef idx="minor">
+      <a:schemeClr val="tx1"/>
+    </cs:fontRef>
+    <cs:spPr>
+      <a:noFill/>
+      <a:ln>
+        <a:noFill/>
+      </a:ln>
+    </cs:spPr>
+  </cs:wall>
+</cs:chartStyle>
+</file>
+
+<file path=ppt/charts/style2.xml><?xml version="1.0" encoding="utf-8"?>
+<cs:chartStyle xmlns:cs="http://schemas.microsoft.com/office/drawing/2012/chartStyle" xmlns:a="http://schemas.openxmlformats.org/drawingml/2006/main" id="303">
+  <cs:axisTitle>
+    <cs:lnRef idx="0"/>
+    <cs:fillRef idx="0"/>
+    <cs:effectRef idx="0"/>
+    <cs:fontRef idx="minor">
+      <a:schemeClr val="dk1">
+        <a:lumMod val="65000"/>
+        <a:lumOff val="35000"/>
+      </a:schemeClr>
+    </cs:fontRef>
+    <cs:defRPr sz="900" b="1" kern="1200"/>
+  </cs:axisTitle>
+  <cs:categoryAxis>
+    <cs:lnRef idx="0"/>
+    <cs:fillRef idx="0"/>
+    <cs:effectRef idx="0"/>
+    <cs:fontRef idx="minor">
+      <a:schemeClr val="dk1">
+        <a:lumMod val="65000"/>
+        <a:lumOff val="35000"/>
+      </a:schemeClr>
+    </cs:fontRef>
+    <cs:spPr>
+      <a:ln w="9525" cap="flat" cmpd="sng" algn="ctr">
+        <a:solidFill>
+          <a:schemeClr val="dk1">
+            <a:lumMod val="15000"/>
+            <a:lumOff val="85000"/>
+          </a:schemeClr>
+        </a:solidFill>
+        <a:round/>
+      </a:ln>
+    </cs:spPr>
+    <cs:defRPr sz="900" kern="1200" cap="none" spc="0" normalizeH="0" baseline="0"/>
+  </cs:categoryAxis>
+  <cs:chartArea>
+    <cs:lnRef idx="0"/>
+    <cs:fillRef idx="0"/>
+    <cs:effectRef idx="0"/>
+    <cs:fontRef idx="minor">
+      <a:schemeClr val="dk1"/>
+    </cs:fontRef>
+    <cs:spPr>
+      <a:solidFill>
+        <a:schemeClr val="lt1"/>
+      </a:solidFill>
+      <a:ln w="9525" cap="flat" cmpd="sng" algn="ctr">
+        <a:solidFill>
+          <a:schemeClr val="dk1">
+            <a:lumMod val="15000"/>
+            <a:lumOff val="85000"/>
+          </a:schemeClr>
+        </a:solidFill>
+        <a:round/>
+      </a:ln>
+    </cs:spPr>
+    <cs:defRPr sz="900" kern="1200"/>
+  </cs:chartArea>
+  <cs:dataLabel>
+    <cs:lnRef idx="0"/>
+    <cs:fillRef idx="0"/>
+    <cs:effectRef idx="0"/>
+    <cs:fontRef idx="minor">
+      <a:schemeClr val="dk1">
+        <a:lumMod val="75000"/>
+        <a:lumOff val="25000"/>
+      </a:schemeClr>
+    </cs:fontRef>
+    <cs:defRPr sz="900" kern="1200"/>
+  </cs:dataLabel>
+  <cs:dataLabelCallout>
+    <cs:lnRef idx="0"/>
+    <cs:fillRef idx="0"/>
+    <cs:effectRef idx="0"/>
+    <cs:fontRef idx="minor">
+      <a:schemeClr val="dk1">
+        <a:lumMod val="65000"/>
+        <a:lumOff val="35000"/>
+      </a:schemeClr>
+    </cs:fontRef>
+    <cs:spPr>
+      <a:solidFill>
+        <a:schemeClr val="lt1"/>
+      </a:solidFill>
+      <a:ln>
+        <a:solidFill>
+          <a:schemeClr val="dk1">
+            <a:lumMod val="25000"/>
+            <a:lumOff val="75000"/>
+          </a:schemeClr>
+        </a:solidFill>
+      </a:ln>
+    </cs:spPr>
+    <cs:defRPr sz="900" kern="1200"/>
+    <cs:bodyPr rot="0" spcFirstLastPara="1" vertOverflow="clip" horzOverflow="clip" vert="horz" wrap="square" lIns="36576" tIns="18288" rIns="36576" bIns="18288" anchor="ctr" anchorCtr="1">
+      <a:spAutoFit/>
+    </cs:bodyPr>
+  </cs:dataLabelCallout>
+  <cs:dataPoint>
+    <cs:lnRef idx="0"/>
+    <cs:fillRef idx="0">
+      <cs:styleClr val="auto"/>
+    </cs:fillRef>
+    <cs:effectRef idx="0"/>
+    <cs:fontRef idx="minor">
+      <a:schemeClr val="dk1"/>
+    </cs:fontRef>
+    <cs:spPr>
+      <a:solidFill>
+        <a:schemeClr val="phClr"/>
+      </a:solidFill>
+    </cs:spPr>
+  </cs:dataPoint>
+  <cs:dataPoint3D>
+    <cs:lnRef idx="0"/>
+    <cs:fillRef idx="0">
+      <cs:styleClr val="auto"/>
+    </cs:fillRef>
+    <cs:effectRef idx="0"/>
+    <cs:fontRef idx="minor">
+      <a:schemeClr val="dk1"/>
+    </cs:fontRef>
+    <cs:spPr>
+      <a:solidFill>
+        <a:schemeClr val="phClr"/>
+      </a:solidFill>
+    </cs:spPr>
+  </cs:dataPoint3D>
+  <cs:dataPointLine>
+    <cs:lnRef idx="0">
+      <cs:styleClr val="auto"/>
+    </cs:lnRef>
+    <cs:fillRef idx="0"/>
+    <cs:effectRef idx="0"/>
+    <cs:fontRef idx="minor">
+      <a:schemeClr val="dk1"/>
+    </cs:fontRef>
+    <cs:spPr>
+      <a:ln w="22225" cap="rnd">
+        <a:solidFill>
+          <a:schemeClr val="phClr"/>
+        </a:solidFill>
+        <a:round/>
+      </a:ln>
+    </cs:spPr>
+  </cs:dataPointLine>
+  <cs:dataPointMarker>
+    <cs:lnRef idx="0">
+      <cs:styleClr val="auto"/>
+    </cs:lnRef>
+    <cs:fillRef idx="0">
+      <cs:styleClr val="auto"/>
+    </cs:fillRef>
+    <cs:effectRef idx="0"/>
+    <cs:fontRef idx="minor">
+      <a:schemeClr val="dk1"/>
+    </cs:fontRef>
+    <cs:spPr>
+      <a:solidFill>
+        <a:schemeClr val="lt1"/>
+      </a:solidFill>
+      <a:ln w="15875">
+        <a:solidFill>
+          <a:schemeClr val="phClr"/>
+        </a:solidFill>
+        <a:round/>
+      </a:ln>
+    </cs:spPr>
+  </cs:dataPointMarker>
+  <cs:dataPointMarkerLayout symbol="circle" size="6"/>
+  <cs:dataPointWireframe>
+    <cs:lnRef idx="0">
+      <cs:styleClr val="auto"/>
+    </cs:lnRef>
+    <cs:fillRef idx="0"/>
+    <cs:effectRef idx="0"/>
+    <cs:fontRef idx="minor">
+      <a:schemeClr val="dk1"/>
+    </cs:fontRef>
+    <cs:spPr>
+      <a:ln w="9525" cap="rnd">
+        <a:solidFill>
+          <a:schemeClr val="phClr"/>
+        </a:solidFill>
+        <a:round/>
+      </a:ln>
+    </cs:spPr>
+  </cs:dataPointWireframe>
+  <cs:dataTable>
+    <cs:lnRef idx="0"/>
+    <cs:fillRef idx="0"/>
+    <cs:effectRef idx="0"/>
+    <cs:fontRef idx="minor">
+      <a:schemeClr val="dk1">
+        <a:lumMod val="65000"/>
+        <a:lumOff val="35000"/>
+      </a:schemeClr>
+    </cs:fontRef>
+    <cs:spPr>
+      <a:ln w="9525" cap="flat" cmpd="sng" algn="ctr">
+        <a:solidFill>
+          <a:schemeClr val="dk1">
+            <a:lumMod val="15000"/>
+            <a:lumOff val="85000"/>
+          </a:schemeClr>
+        </a:solidFill>
+        <a:round/>
+      </a:ln>
+    </cs:spPr>
+    <cs:defRPr sz="800" kern="1200"/>
+  </cs:dataTable>
+  <cs:downBar>
+    <cs:lnRef idx="0"/>
+    <cs:fillRef idx="0"/>
+    <cs:effectRef idx="0"/>
+    <cs:fontRef idx="minor">
+      <a:schemeClr val="dk1"/>
+    </cs:fontRef>
+    <cs:spPr>
+      <a:solidFill>
+        <a:schemeClr val="dk1">
+          <a:lumMod val="75000"/>
+          <a:lumOff val="25000"/>
+        </a:schemeClr>
+      </a:solidFill>
+      <a:ln w="9525" cap="flat" cmpd="sng" algn="ctr">
+        <a:solidFill>
+          <a:schemeClr val="dk1">
+            <a:lumMod val="50000"/>
+            <a:lumOff val="50000"/>
+          </a:schemeClr>
+        </a:solidFill>
+        <a:round/>
+      </a:ln>
+    </cs:spPr>
+  </cs:downBar>
+  <cs:dropLine>
+    <cs:lnRef idx="0"/>
+    <cs:fillRef idx="0"/>
+    <cs:effectRef idx="0"/>
+    <cs:fontRef idx="minor">
+      <a:schemeClr val="dk1"/>
+    </cs:fontRef>
+    <cs:spPr>
+      <a:ln w="9525" cap="flat" cmpd="sng" algn="ctr">
+        <a:solidFill>
+          <a:schemeClr val="dk1">
+            <a:lumMod val="35000"/>
+            <a:lumOff val="65000"/>
+          </a:schemeClr>
+        </a:solidFill>
+        <a:round/>
+      </a:ln>
+    </cs:spPr>
+  </cs:dropLine>
+  <cs:errorBar>
+    <cs:lnRef idx="0"/>
+    <cs:fillRef idx="0"/>
+    <cs:effectRef idx="0"/>
+    <cs:fontRef idx="minor">
+      <a:schemeClr val="dk1"/>
+    </cs:fontRef>
+    <cs:spPr>
+      <a:ln w="9525" cap="flat" cmpd="sng" algn="ctr">
+        <a:solidFill>
+          <a:schemeClr val="dk1">
+            <a:lumMod val="50000"/>
+            <a:lumOff val="50000"/>
+          </a:schemeClr>
+        </a:solidFill>
+        <a:round/>
+      </a:ln>
+    </cs:spPr>
+  </cs:errorBar>
+  <cs:floor>
+    <cs:lnRef idx="0"/>
+    <cs:fillRef idx="0"/>
+    <cs:effectRef idx="0"/>
+    <cs:fontRef idx="minor">
+      <a:schemeClr val="dk1"/>
+    </cs:fontRef>
+    <cs:spPr>
+      <a:pattFill prst="ltDnDiag">
+        <a:fgClr>
+          <a:schemeClr val="dk1">
+            <a:lumMod val="15000"/>
+            <a:lumOff val="85000"/>
+          </a:schemeClr>
+        </a:fgClr>
+        <a:bgClr>
+          <a:schemeClr val="lt1"/>
+        </a:bgClr>
+      </a:pattFill>
+    </cs:spPr>
+  </cs:floor>
+  <cs:gridlineMajor>
+    <cs:lnRef idx="0"/>
+    <cs:fillRef idx="0"/>
+    <cs:effectRef idx="0"/>
+    <cs:fontRef idx="minor">
+      <a:schemeClr val="dk1"/>
+    </cs:fontRef>
+    <cs:spPr>
+      <a:ln w="9525" cap="flat" cmpd="sng" algn="ctr">
+        <a:solidFill>
+          <a:schemeClr val="dk1">
+            <a:lumMod val="15000"/>
+            <a:lumOff val="85000"/>
+          </a:schemeClr>
+        </a:solidFill>
+        <a:round/>
+      </a:ln>
+    </cs:spPr>
+  </cs:gridlineMajor>
+  <cs:gridlineMinor>
+    <cs:lnRef idx="0"/>
+    <cs:fillRef idx="0"/>
+    <cs:effectRef idx="0"/>
+    <cs:fontRef idx="minor">
+      <a:schemeClr val="dk1"/>
+    </cs:fontRef>
+    <cs:spPr>
+      <a:ln w="9525" cap="flat" cmpd="sng" algn="ctr">
+        <a:solidFill>
+          <a:schemeClr val="dk1">
+            <a:lumMod val="5000"/>
+            <a:lumOff val="95000"/>
+          </a:schemeClr>
+        </a:solidFill>
+        <a:round/>
+      </a:ln>
+    </cs:spPr>
+  </cs:gridlineMinor>
+  <cs:hiLoLine>
+    <cs:lnRef idx="0"/>
+    <cs:fillRef idx="0"/>
+    <cs:effectRef idx="0"/>
+    <cs:fontRef idx="minor">
+      <a:schemeClr val="dk1"/>
+    </cs:fontRef>
+    <cs:spPr>
+      <a:ln w="9525" cap="flat" cmpd="sng" algn="ctr">
+        <a:solidFill>
+          <a:schemeClr val="dk1">
+            <a:lumMod val="35000"/>
+            <a:lumOff val="65000"/>
+          </a:schemeClr>
+        </a:solidFill>
+        <a:round/>
+      </a:ln>
+    </cs:spPr>
+  </cs:hiLoLine>
+  <cs:leaderLine>
+    <cs:lnRef idx="0"/>
+    <cs:fillRef idx="0"/>
+    <cs:effectRef idx="0"/>
+    <cs:fontRef idx="minor">
+      <a:schemeClr val="dk1"/>
+    </cs:fontRef>
+    <cs:spPr>
+      <a:ln w="9525" cap="flat" cmpd="sng" algn="ctr">
+        <a:solidFill>
+          <a:schemeClr val="dk1">
+            <a:lumMod val="35000"/>
+            <a:lumOff val="65000"/>
+          </a:schemeClr>
+        </a:solidFill>
+        <a:round/>
+      </a:ln>
+    </cs:spPr>
+  </cs:leaderLine>
+  <cs:legend>
+    <cs:lnRef idx="0"/>
+    <cs:fillRef idx="0"/>
+    <cs:effectRef idx="0"/>
+    <cs:fontRef idx="minor">
+      <a:schemeClr val="dk1">
+        <a:lumMod val="65000"/>
+        <a:lumOff val="35000"/>
+      </a:schemeClr>
+    </cs:fontRef>
+    <cs:defRPr sz="900" kern="1200"/>
+  </cs:legend>
+  <cs:plotArea>
+    <cs:lnRef idx="0"/>
+    <cs:fillRef idx="0"/>
+    <cs:effectRef idx="0"/>
+    <cs:fontRef idx="minor">
+      <a:schemeClr val="dk1"/>
+    </cs:fontRef>
+    <cs:spPr>
+      <a:pattFill prst="ltDnDiag">
+        <a:fgClr>
+          <a:schemeClr val="dk1">
+            <a:lumMod val="15000"/>
+            <a:lumOff val="85000"/>
+          </a:schemeClr>
+        </a:fgClr>
+        <a:bgClr>
+          <a:schemeClr val="lt1"/>
+        </a:bgClr>
+      </a:pattFill>
+    </cs:spPr>
+  </cs:plotArea>
+  <cs:plotArea3D>
+    <cs:lnRef idx="0"/>
+    <cs:fillRef idx="0"/>
+    <cs:effectRef idx="0"/>
+    <cs:fontRef idx="minor">
+      <a:schemeClr val="dk1"/>
+    </cs:fontRef>
+    <cs:spPr>
+      <a:solidFill>
+        <a:schemeClr val="lt1"/>
+      </a:solidFill>
+    </cs:spPr>
+  </cs:plotArea3D>
+  <cs:seriesAxis>
+    <cs:lnRef idx="0"/>
+    <cs:fillRef idx="0"/>
+    <cs:effectRef idx="0"/>
+    <cs:fontRef idx="minor">
+      <a:schemeClr val="dk1">
+        <a:lumMod val="65000"/>
+        <a:lumOff val="35000"/>
+      </a:schemeClr>
+    </cs:fontRef>
+    <cs:spPr>
+      <a:ln w="9525" cap="flat" cmpd="sng" algn="ctr">
+        <a:solidFill>
+          <a:schemeClr val="dk1">
+            <a:lumMod val="15000"/>
+            <a:lumOff val="85000"/>
+          </a:schemeClr>
+        </a:solidFill>
+        <a:round/>
+      </a:ln>
+    </cs:spPr>
+    <cs:defRPr sz="900" kern="1200"/>
+  </cs:seriesAxis>
+  <cs:seriesLine>
+    <cs:lnRef idx="0"/>
+    <cs:fillRef idx="0"/>
+    <cs:effectRef idx="0"/>
+    <cs:fontRef idx="minor">
+      <a:schemeClr val="dk1"/>
+    </cs:fontRef>
+    <cs:spPr>
+      <a:ln w="9525" cap="flat" cmpd="sng" algn="ctr">
+        <a:solidFill>
+          <a:schemeClr val="dk1">
+            <a:lumMod val="35000"/>
+            <a:lumOff val="65000"/>
+          </a:schemeClr>
+        </a:solidFill>
+        <a:round/>
+      </a:ln>
+    </cs:spPr>
+  </cs:seriesLine>
+  <cs:title>
+    <cs:lnRef idx="0"/>
+    <cs:fillRef idx="0"/>
+    <cs:effectRef idx="0"/>
+    <cs:fontRef idx="major">
+      <a:schemeClr val="dk1">
+        <a:lumMod val="50000"/>
+        <a:lumOff val="50000"/>
+      </a:schemeClr>
+    </cs:fontRef>
+    <cs:defRPr sz="1600" b="1" kern="1200" cap="none" spc="0" normalizeH="0" baseline="0"/>
+  </cs:title>
+  <cs:trendline>
+    <cs:lnRef idx="0">
+      <cs:styleClr val="auto"/>
+    </cs:lnRef>
+    <cs:fillRef idx="0"/>
+    <cs:effectRef idx="0"/>
+    <cs:fontRef idx="minor">
+      <a:schemeClr val="dk1"/>
+    </cs:fontRef>
+    <cs:spPr>
+      <a:ln w="19050" cap="rnd">
+        <a:solidFill>
+          <a:schemeClr val="phClr"/>
+        </a:solidFill>
+      </a:ln>
+    </cs:spPr>
+  </cs:trendline>
+  <cs:trendlineLabel>
+    <cs:lnRef idx="0"/>
+    <cs:fillRef idx="0"/>
+    <cs:effectRef idx="0"/>
+    <cs:fontRef idx="minor">
+      <a:schemeClr val="dk1">
+        <a:lumMod val="65000"/>
+        <a:lumOff val="35000"/>
+      </a:schemeClr>
+    </cs:fontRef>
+    <cs:defRPr sz="900" kern="1200"/>
+  </cs:trendlineLabel>
+  <cs:upBar>
+    <cs:lnRef idx="0"/>
+    <cs:fillRef idx="0"/>
+    <cs:effectRef idx="0"/>
+    <cs:fontRef idx="minor">
+      <a:schemeClr val="dk1"/>
+    </cs:fontRef>
+    <cs:spPr>
+      <a:solidFill>
+        <a:schemeClr val="lt1"/>
+      </a:solidFill>
+      <a:ln w="9525" cap="flat" cmpd="sng" algn="ctr">
+        <a:solidFill>
+          <a:schemeClr val="dk1">
+            <a:lumMod val="50000"/>
+            <a:lumOff val="50000"/>
+          </a:schemeClr>
+        </a:solidFill>
+        <a:round/>
+      </a:ln>
+    </cs:spPr>
+  </cs:upBar>
+  <cs:valueAxis>
+    <cs:lnRef idx="0"/>
+    <cs:fillRef idx="0"/>
+    <cs:effectRef idx="0"/>
+    <cs:fontRef idx="minor">
+      <a:schemeClr val="dk1">
+        <a:lumMod val="65000"/>
+        <a:lumOff val="35000"/>
+      </a:schemeClr>
+    </cs:fontRef>
+    <cs:spPr>
+      <a:ln w="9525" cap="flat" cmpd="sng" algn="ctr">
+        <a:solidFill>
+          <a:schemeClr val="dk1">
+            <a:lumMod val="15000"/>
+            <a:lumOff val="85000"/>
+          </a:schemeClr>
+        </a:solidFill>
+        <a:round/>
+      </a:ln>
+    </cs:spPr>
+    <cs:defRPr sz="900" kern="1200"/>
+  </cs:valueAxis>
+  <cs:wall>
+    <cs:lnRef idx="0"/>
+    <cs:fillRef idx="0"/>
+    <cs:effectRef idx="0"/>
+    <cs:fontRef idx="minor">
+      <a:schemeClr val="dk1"/>
+    </cs:fontRef>
+    <cs:spPr>
+      <a:pattFill prst="ltDnDiag">
+        <a:fgClr>
+          <a:schemeClr val="dk1">
+            <a:lumMod val="15000"/>
+            <a:lumOff val="85000"/>
+          </a:schemeClr>
+        </a:fgClr>
+        <a:bgClr>
+          <a:schemeClr val="lt1"/>
+        </a:bgClr>
+      </a:pattFill>
+    </cs:spPr>
+  </cs:wall>
+</cs:chartStyle>
+</file>
+
 <file path=ppt/notesMasters/notesMaster1.xml><?xml version="1.0" encoding="utf-8"?>
 <p:notesMaster xmlns:a="http://schemas.openxmlformats.org/drawingml/2006/main" xmlns:r="http://schemas.openxmlformats.org/officeDocument/2006/relationships" xmlns:p="http://schemas.openxmlformats.org/presentationml/2006/main">
   <p:cSld>
@@ -221,7 +4732,7 @@
           <a:p>
             <a:fld id="{2788FA03-AAEB-481E-B20F-5BE49D09E02C}" type="datetimeFigureOut">
               <a:rPr lang="en-US" smtClean="0"/>
-              <a:t>11/25/2015</a:t>
+              <a:t>11/27/2015</a:t>
             </a:fld>
             <a:endParaRPr lang="en-US"/>
           </a:p>
@@ -533,58 +5044,37 @@
           <a:bodyPr/>
           <a:lstStyle/>
           <a:p>
+            <a:pPr marL="171450" indent="-171450">
+              <a:buFont typeface="Arial" panose="020B0604020202020204" pitchFamily="34" charset="0"/>
+              <a:buChar char="•"/>
+            </a:pPr>
             <a:r>
               <a:rPr lang="pt-BR" baseline="0" dirty="0" smtClean="0"/>
-              <a:t>Tim fundou a WWW com o intuito de compartilhar documentos. </a:t>
-            </a:r>
-          </a:p>
-          <a:p>
+              <a:t>Surgimento -&gt; qual a motivação?</a:t>
+            </a:r>
+          </a:p>
+          <a:p>
+            <a:pPr marL="171450" indent="-171450">
+              <a:buFont typeface="Arial" panose="020B0604020202020204" pitchFamily="34" charset="0"/>
+              <a:buChar char="•"/>
+            </a:pPr>
             <a:r>
               <a:rPr lang="pt-BR" baseline="0" dirty="0" smtClean="0"/>
-              <a:t>Criou também o HTML, uma linguagem de marcação para construção e organização de documentos.</a:t>
-            </a:r>
-          </a:p>
-          <a:p>
-            <a:r>
-              <a:rPr lang="pt-BR" baseline="0" dirty="0" err="1" smtClean="0"/>
-              <a:t>Hakon</a:t>
-            </a:r>
+              <a:t>W3C -&gt; porque...</a:t>
+            </a:r>
+          </a:p>
+          <a:p>
+            <a:pPr marL="171450" indent="-171450">
+              <a:buFont typeface="Arial" panose="020B0604020202020204" pitchFamily="34" charset="0"/>
+              <a:buChar char="•"/>
+            </a:pPr>
             <a:r>
               <a:rPr lang="pt-BR" baseline="0" dirty="0" smtClean="0"/>
-              <a:t>, colega de Tim, propôs a criação de uma linguagem de estilo, para dar vida ao HTML. Criaram então o CSS.</a:t>
-            </a:r>
-          </a:p>
-          <a:p>
-            <a:r>
-              <a:rPr lang="pt-BR" baseline="0" dirty="0" smtClean="0"/>
-              <a:t>Tim criou também o protocolo HTTP para transporte do desses documentos, e para visualização dos mesmos criou o primeiro navegador.</a:t>
-            </a:r>
-          </a:p>
-          <a:p>
-            <a:r>
-              <a:rPr lang="pt-BR" baseline="0" dirty="0" smtClean="0"/>
-              <a:t>Foi criado então o habitat natural do HTML e CSS, a web.</a:t>
-            </a:r>
-          </a:p>
-          <a:p>
-            <a:r>
-              <a:rPr lang="pt-BR" baseline="0" dirty="0" smtClean="0"/>
-              <a:t>Várias empresas se interessaram pela WWW e começaram a produzir seus próprios navegadores, cada um interpretando os arquivos de sua forma.</a:t>
-            </a:r>
-          </a:p>
-          <a:p>
-            <a:r>
-              <a:rPr lang="pt-BR" baseline="0" dirty="0" smtClean="0"/>
-              <a:t>Para padronizar Tim fundou a W3C, órgão regulamentador da especificação HTTP e dos documentos fundamentais de apresentação de documentos: HTML, CSS e </a:t>
-            </a:r>
-            <a:r>
-              <a:rPr lang="pt-BR" baseline="0" dirty="0" err="1" smtClean="0"/>
-              <a:t>JavaScript</a:t>
-            </a:r>
-            <a:r>
-              <a:rPr lang="pt-BR" baseline="0" dirty="0" smtClean="0"/>
-              <a:t>.</a:t>
-            </a:r>
+              <a:t>Popularização -&gt; grande utilização -&gt; grande número de páginas web PROXIMO</a:t>
+            </a:r>
+          </a:p>
+          <a:p>
+            <a:endParaRPr lang="pt-BR" baseline="0" dirty="0" smtClean="0"/>
           </a:p>
         </p:txBody>
       </p:sp>
@@ -668,6 +5158,10 @@
           <a:bodyPr/>
           <a:lstStyle/>
           <a:p>
+            <a:pPr marL="171450" indent="-171450">
+              <a:buFont typeface="Arial" panose="020B0604020202020204" pitchFamily="34" charset="0"/>
+              <a:buChar char="•"/>
+            </a:pPr>
             <a:r>
               <a:rPr lang="pt-BR" dirty="0" smtClean="0"/>
               <a:t>A segunda parte consistia de uma série de questões</a:t>
@@ -678,21 +5172,41 @@
             </a:r>
           </a:p>
           <a:p>
+            <a:pPr marL="171450" indent="-171450">
+              <a:buFont typeface="Arial" panose="020B0604020202020204" pitchFamily="34" charset="0"/>
+              <a:buChar char="•"/>
+            </a:pPr>
             <a:r>
               <a:rPr lang="pt-BR" baseline="0" dirty="0" smtClean="0"/>
-              <a:t>Essas questões foram elaboradas com o intuito de tentar identificar aspectos não previstos pelo autor durante a elaboração do questionário.</a:t>
-            </a:r>
-          </a:p>
-          <a:p>
+              <a:t>O objetivo aqui era de tentar identificar os aspectos do CSS que compõem a qualidade e quais as situações em que ocorrem efeitos colaterais</a:t>
+            </a:r>
+          </a:p>
+          <a:p>
+            <a:pPr marL="171450" indent="-171450">
+              <a:buFont typeface="Arial" panose="020B0604020202020204" pitchFamily="34" charset="0"/>
+              <a:buChar char="•"/>
+            </a:pPr>
             <a:r>
               <a:rPr lang="pt-BR" baseline="0" dirty="0" smtClean="0"/>
-              <a:t>Os resultados aqui foram bem comportados e não tiveram nenhuma surpresa. Os aspectos de qualidade mais relevantes remetiam à organização da estrutura do documento e do código CSS. O que nos levou a crer que a maior dificuldade durante a manutenção de um código CSS tinha a ver com legibilidade e que a detecção de efeitos colaterais estavam fortemente ligados a isto.</a:t>
-            </a:r>
-          </a:p>
-          <a:p>
+              <a:t>Maioria das respostas tinha a ver com: organização do HTML, organização do CSS e legibilidade do CSS.</a:t>
+            </a:r>
+          </a:p>
+          <a:p>
+            <a:pPr marL="171450" indent="-171450">
+              <a:buFont typeface="Arial" panose="020B0604020202020204" pitchFamily="34" charset="0"/>
+              <a:buChar char="•"/>
+            </a:pPr>
             <a:r>
               <a:rPr lang="pt-BR" baseline="0" dirty="0" smtClean="0"/>
-              <a:t>(Outra muito citada era muito subjetiva para podermos calcular automaticamente, como nome de classes que fizessem sentido)</a:t>
+              <a:t>Não DEFINIMOS a qualidade de código CSS -&gt; encontramos evidências que mostram que a legibilidade é um </a:t>
+            </a:r>
+            <a:r>
+              <a:rPr lang="pt-BR" b="1" baseline="0" dirty="0" smtClean="0"/>
+              <a:t>atributo de qualidade</a:t>
+            </a:r>
+            <a:r>
+              <a:rPr lang="pt-BR" baseline="0" dirty="0" smtClean="0"/>
+              <a:t> de peso.</a:t>
             </a:r>
             <a:endParaRPr lang="en-US" dirty="0"/>
           </a:p>
@@ -778,21 +5292,34 @@
           <a:bodyPr/>
           <a:lstStyle/>
           <a:p>
-            <a:r>
-              <a:rPr lang="pt-BR" dirty="0" smtClean="0"/>
-              <a:t>Essa</a:t>
-            </a:r>
+            <a:pPr marL="171450" indent="-171450">
+              <a:buFont typeface="Arial" panose="020B0604020202020204" pitchFamily="34" charset="0"/>
+              <a:buChar char="•"/>
+            </a:pPr>
             <a:r>
               <a:rPr lang="pt-BR" baseline="0" dirty="0" smtClean="0"/>
-              <a:t> seção foi construída com questões que exigiam que o respondente identificasse a dificuldade de se dar manutenção em um trecho de código CSS. </a:t>
-            </a:r>
-          </a:p>
-          <a:p>
+              <a:t>3ª -&gt; identificar a partir de trechos de código a dificuldade de se dar manutenção.</a:t>
+            </a:r>
+          </a:p>
+          <a:p>
+            <a:pPr marL="171450" indent="-171450">
+              <a:buFont typeface="Arial" panose="020B0604020202020204" pitchFamily="34" charset="0"/>
+              <a:buChar char="•"/>
+            </a:pPr>
             <a:r>
               <a:rPr lang="pt-BR" baseline="0" dirty="0" smtClean="0"/>
-              <a:t>Foram elaborados 16 trechos de código, construídos a partir da experiência profissional do autor com problema recorrentes e utilizando alguns problemas identificados em outros trabalhos durante a pesquisa.</a:t>
-            </a:r>
-            <a:endParaRPr lang="en-US" dirty="0"/>
+              <a:t>Cada uma das 16 questões foi construída para analisar um aspecto da linguagem que pode causar dificuldade</a:t>
+            </a:r>
+          </a:p>
+          <a:p>
+            <a:pPr marL="171450" indent="-171450">
+              <a:buFont typeface="Arial" panose="020B0604020202020204" pitchFamily="34" charset="0"/>
+              <a:buChar char="•"/>
+            </a:pPr>
+            <a:r>
+              <a:rPr lang="pt-BR" baseline="0" dirty="0" smtClean="0"/>
+              <a:t>Com base na minha experiência e na literatura estudada</a:t>
+            </a:r>
           </a:p>
         </p:txBody>
       </p:sp>
@@ -878,15 +5405,11 @@
           <a:p>
             <a:r>
               <a:rPr lang="pt-BR" baseline="0" dirty="0" smtClean="0"/>
-              <a:t>A </a:t>
-            </a:r>
-            <a:r>
-              <a:rPr lang="pt-BR" baseline="0" dirty="0" smtClean="0"/>
-              <a:t>partir das saídas do questionário construímos os critérios de avaliação da métrica, bem como os pesos de cada um dos critérios e como eles seriam calculados. Para construirmos então uma ferramenta automática de calculo dos arquivos CSS</a:t>
-            </a:r>
-            <a:r>
-              <a:rPr lang="pt-BR" baseline="0" dirty="0" smtClean="0"/>
-              <a:t>.</a:t>
+              <a:t>2ª -&gt; saída do questionário para validar os critérios propostos -&gt; os pesos -&gt; forma de </a:t>
+            </a:r>
+            <a:r>
+              <a:rPr lang="pt-BR" baseline="0" smtClean="0"/>
+              <a:t>calcular -</a:t>
             </a:r>
             <a:endParaRPr lang="pt-BR" baseline="0" dirty="0" smtClean="0"/>
           </a:p>
@@ -972,35 +5495,43 @@
           <a:bodyPr/>
           <a:lstStyle/>
           <a:p>
-            <a:r>
-              <a:rPr lang="pt-BR" dirty="0" smtClean="0"/>
-              <a:t>Dar</a:t>
-            </a:r>
+            <a:pPr marL="171450" indent="-171450">
+              <a:buFont typeface="Arial" panose="020B0604020202020204" pitchFamily="34" charset="0"/>
+              <a:buChar char="•"/>
+            </a:pPr>
             <a:r>
               <a:rPr lang="pt-BR" baseline="0" dirty="0" smtClean="0"/>
-              <a:t> maior importância possível</a:t>
-            </a:r>
-          </a:p>
-          <a:p>
-            <a:r>
-              <a:rPr lang="pt-BR" dirty="0" smtClean="0"/>
-              <a:t>A partir das 16 questões de escala, consolidamos 12 critérios de avaliação do código CSS para composição da métrica.</a:t>
-            </a:r>
-          </a:p>
-          <a:p>
-            <a:r>
-              <a:rPr lang="pt-BR" dirty="0" smtClean="0"/>
-              <a:t>Esse</a:t>
-            </a:r>
+              <a:t>Durante a construção do questionário tínhamos em mente algumas características do CSS</a:t>
+            </a:r>
+          </a:p>
+          <a:p>
+            <a:pPr marL="171450" indent="-171450">
+              <a:buFont typeface="Arial" panose="020B0604020202020204" pitchFamily="34" charset="0"/>
+              <a:buChar char="•"/>
+            </a:pPr>
             <a:r>
               <a:rPr lang="pt-BR" baseline="0" dirty="0" smtClean="0"/>
-              <a:t> foi o passo mais importante do trabalhos. Esses 12 critérios definem como nossa métrica é calculada e quais os aspectos do CSS contribuem para o peso da métrica.</a:t>
-            </a:r>
-          </a:p>
-          <a:p>
+              <a:t>A partir dos resultados do questionário definimos a complexidade em dar manutenção deles</a:t>
+            </a:r>
+          </a:p>
+          <a:p>
+            <a:pPr marL="171450" indent="-171450">
+              <a:buFont typeface="Arial" panose="020B0604020202020204" pitchFamily="34" charset="0"/>
+              <a:buChar char="•"/>
+            </a:pPr>
             <a:r>
               <a:rPr lang="pt-BR" baseline="0" dirty="0" smtClean="0"/>
-              <a:t>A partir desses critérios calculamos os pesos de cada critério de acordo com as questões que os representavam</a:t>
+              <a:t>Assim podemos definir os 12 critérios de manutenibilidade que comporiam o cálculo de nossa métrica</a:t>
+            </a:r>
+          </a:p>
+          <a:p>
+            <a:pPr marL="171450" indent="-171450">
+              <a:buFont typeface="Arial" panose="020B0604020202020204" pitchFamily="34" charset="0"/>
+              <a:buChar char="•"/>
+            </a:pPr>
+            <a:r>
+              <a:rPr lang="pt-BR" baseline="0" dirty="0" smtClean="0"/>
+              <a:t>Média dos resultados das questões de complexidade em dar manutenção definiu os pesos</a:t>
             </a:r>
           </a:p>
         </p:txBody>
@@ -1085,19 +5616,37 @@
           <a:bodyPr/>
           <a:lstStyle/>
           <a:p>
+            <a:pPr marL="171450" indent="-171450">
+              <a:buFont typeface="Arial" panose="020B0604020202020204" pitchFamily="34" charset="0"/>
+              <a:buChar char="•"/>
+            </a:pPr>
             <a:r>
               <a:rPr lang="pt-BR" dirty="0" smtClean="0"/>
               <a:t>O cálculo</a:t>
             </a:r>
             <a:r>
               <a:rPr lang="pt-BR" baseline="0" dirty="0" smtClean="0"/>
-              <a:t> dos pesos foi feito a partir de uma média dos resultados das questões que os representavam, ponderado pelo nível de proficiência dos respondentes.</a:t>
-            </a:r>
-          </a:p>
-          <a:p>
+              <a:t> dos pesos -&gt; média dos resultados das questões, ponderada pelo nível de proficiência dos respondentes.</a:t>
+            </a:r>
+          </a:p>
+          <a:p>
+            <a:pPr marL="171450" indent="-171450">
+              <a:buFont typeface="Arial" panose="020B0604020202020204" pitchFamily="34" charset="0"/>
+              <a:buChar char="•"/>
+            </a:pPr>
             <a:r>
               <a:rPr lang="pt-BR" baseline="0" dirty="0" smtClean="0"/>
-              <a:t>Essa média ponderada foi escolhida como forma de balancear a dificuldade e não deixa-la tendenciosa aos valores mais altos, que podem ser encontrados por falta de experiência dos respondentes.</a:t>
+              <a:t>Com objetivo de balancear a dificuldade -&gt; avançado contribui mais e iniciante contribui menos no valor.</a:t>
+            </a:r>
+          </a:p>
+          <a:p>
+            <a:pPr marL="171450" indent="-171450">
+              <a:buFont typeface="Arial" panose="020B0604020202020204" pitchFamily="34" charset="0"/>
+              <a:buChar char="•"/>
+            </a:pPr>
+            <a:r>
+              <a:rPr lang="pt-BR" baseline="0" dirty="0" smtClean="0"/>
+              <a:t>Pesos definidos temos que definir a forma de calcular a métrica</a:t>
             </a:r>
           </a:p>
         </p:txBody>
@@ -1182,70 +5731,23 @@
           <a:bodyPr/>
           <a:lstStyle/>
           <a:p>
-            <a:r>
-              <a:rPr lang="pt-BR" dirty="0" smtClean="0"/>
-              <a:t>Com</a:t>
-            </a:r>
+            <a:pPr marL="171450" indent="-171450">
+              <a:buFont typeface="Arial" panose="020B0604020202020204" pitchFamily="34" charset="0"/>
+              <a:buChar char="•"/>
+            </a:pPr>
             <a:r>
               <a:rPr lang="pt-BR" baseline="0" dirty="0" smtClean="0"/>
-              <a:t> os pesos definidos, tivemos de propor uma forma de cálculo da colaboração de cada critério para a métrica.</a:t>
-            </a:r>
-          </a:p>
-          <a:p>
+              <a:t>Foi considerado então que cada critério avaliaria todas as regras do arquivos -&gt; o critério calcula a contribuição de regra -&gt; o resultado é o somatório de todos os resultados.</a:t>
+            </a:r>
+          </a:p>
+          <a:p>
+            <a:pPr marL="171450" indent="-171450">
+              <a:buFont typeface="Arial" panose="020B0604020202020204" pitchFamily="34" charset="0"/>
+              <a:buChar char="•"/>
+            </a:pPr>
             <a:r>
               <a:rPr lang="pt-BR" baseline="0" dirty="0" smtClean="0"/>
-              <a:t>Foi considerado então que cada critério avaliaria as regras dos arquivos CSS, e cada uma seria responsável por identificar a frequência daquele critério dentro da regra.</a:t>
-            </a:r>
-          </a:p>
-          <a:p>
-            <a:r>
-              <a:rPr lang="pt-BR" baseline="0" dirty="0" smtClean="0"/>
-              <a:t>A métrica seria então a composição do valor de cada critério para cada regra dentro do arquivo.</a:t>
-            </a:r>
-          </a:p>
-          <a:p>
-            <a:r>
-              <a:rPr lang="pt-BR" baseline="0" dirty="0" smtClean="0"/>
-              <a:t>Alguns critérios foram considerados cálculos especiais:</a:t>
-            </a:r>
-            <a:endParaRPr lang="en-US" baseline="0" dirty="0" smtClean="0"/>
-          </a:p>
-          <a:p>
-            <a:r>
-              <a:rPr lang="pt-BR" baseline="0" dirty="0" err="1" smtClean="0"/>
-              <a:t>Aninhamento</a:t>
-            </a:r>
-            <a:r>
-              <a:rPr lang="pt-BR" baseline="0" dirty="0" smtClean="0"/>
-              <a:t> e agrupamento -&gt; consideramos que a dificuldade teria um nível de saturação, portanto utilizamos a forma da função </a:t>
-            </a:r>
-            <a:r>
-              <a:rPr lang="pt-BR" baseline="0" dirty="0" err="1" smtClean="0"/>
-              <a:t>arctan</a:t>
-            </a:r>
-            <a:r>
-              <a:rPr lang="pt-BR" baseline="0" dirty="0" smtClean="0"/>
-              <a:t> para determinar essa saturação no nível identificado (20).</a:t>
-            </a:r>
-          </a:p>
-          <a:p>
-            <a:r>
-              <a:rPr lang="pt-BR" baseline="0" dirty="0" smtClean="0"/>
-              <a:t>O comprimento de seletores </a:t>
-            </a:r>
-            <a:r>
-              <a:rPr lang="pt-BR" baseline="0" dirty="0" err="1" smtClean="0"/>
-              <a:t>tb</a:t>
-            </a:r>
-            <a:r>
-              <a:rPr lang="pt-BR" baseline="0" dirty="0" smtClean="0"/>
-              <a:t> teve uma forma especial de calculo, somente eram contados quantos seletores possuíam mais de 35 caracteres.</a:t>
-            </a:r>
-          </a:p>
-          <a:p>
-            <a:r>
-              <a:rPr lang="pt-BR" baseline="0" dirty="0" smtClean="0"/>
-              <a:t>A complexidade foi considerada “como exponencial”/”com crescimento exponencial” uma vez q quanto mais complexo o seletor pior a legibilidade e mais difícil de identificar possíveis efeitos colaterais ele se torna.</a:t>
+              <a:t>O critério calcula para cada regra a sua participação -&gt; caso geral calcula frequência</a:t>
             </a:r>
           </a:p>
         </p:txBody>
@@ -1330,47 +5832,81 @@
           <a:bodyPr/>
           <a:lstStyle/>
           <a:p>
-            <a:r>
-              <a:rPr lang="pt-BR" dirty="0" smtClean="0"/>
-              <a:t>Depois</a:t>
-            </a:r>
+            <a:pPr marL="171450" indent="-171450">
+              <a:buFont typeface="Arial" panose="020B0604020202020204" pitchFamily="34" charset="0"/>
+              <a:buChar char="•"/>
+            </a:pPr>
             <a:r>
               <a:rPr lang="pt-BR" baseline="0" dirty="0" smtClean="0"/>
-              <a:t> dos pesos definidos e a forma de cálculo de cada métrica, construímos um script para calcular a métrica dos documentos CSS encontrados em uma página.</a:t>
-            </a:r>
-          </a:p>
-          <a:p>
+              <a:t>Caso especial </a:t>
+            </a:r>
+            <a:r>
+              <a:rPr lang="pt-BR" baseline="0" dirty="0" err="1" smtClean="0"/>
+              <a:t>Aninhamento</a:t>
+            </a:r>
             <a:r>
               <a:rPr lang="pt-BR" baseline="0" dirty="0" smtClean="0"/>
-              <a:t>Construído em </a:t>
+              <a:t> e agrupamento -&gt; nível de saturação -&gt; comportamento da função </a:t>
             </a:r>
             <a:r>
               <a:rPr lang="pt-BR" baseline="0" dirty="0" err="1" smtClean="0"/>
-              <a:t>JavaScript</a:t>
+              <a:t>arctan</a:t>
             </a:r>
             <a:r>
               <a:rPr lang="pt-BR" baseline="0" dirty="0" smtClean="0"/>
-              <a:t>.</a:t>
-            </a:r>
-          </a:p>
-          <a:p>
+              <a:t> para determinar essa saturação no nível identificado (20).</a:t>
+            </a:r>
+          </a:p>
+          <a:p>
+            <a:pPr marL="171450" marR="0" indent="-171450" algn="l" defTabSz="914400" rtl="0" eaLnBrk="1" fontAlgn="auto" latinLnBrk="0" hangingPunct="1">
+              <a:lnSpc>
+                <a:spcPct val="100000"/>
+              </a:lnSpc>
+              <a:spcBef>
+                <a:spcPts val="0"/>
+              </a:spcBef>
+              <a:spcAft>
+                <a:spcPts val="0"/>
+              </a:spcAft>
+              <a:buClrTx/>
+              <a:buSzTx/>
+              <a:buFont typeface="Arial" panose="020B0604020202020204" pitchFamily="34" charset="0"/>
+              <a:buChar char="•"/>
+              <a:tabLst/>
+              <a:defRPr/>
+            </a:pPr>
             <a:r>
               <a:rPr lang="pt-BR" baseline="0" dirty="0" smtClean="0"/>
-              <a:t>A execução era feita diretamente no navegador, o script analisa então o DOM e calcula a métrica dos arquivos CSS aplicados àquela página.</a:t>
-            </a:r>
-          </a:p>
-          <a:p>
+              <a:t>A complexidade não possui crescimento linear -&gt; a sua contribuição é exponencial</a:t>
+            </a:r>
+          </a:p>
+          <a:p>
+            <a:pPr marL="171450" indent="-171450">
+              <a:buFont typeface="Arial" panose="020B0604020202020204" pitchFamily="34" charset="0"/>
+              <a:buChar char="•"/>
+            </a:pPr>
             <a:r>
               <a:rPr lang="pt-BR" baseline="0" dirty="0" smtClean="0"/>
-              <a:t>Isso tornou o teste independente da aplicação, podendo ser aplicado em qualquer página web.</a:t>
-            </a:r>
-          </a:p>
-          <a:p>
+              <a:t>O comprimento de seletores  -&gt; possuíam mais de 35 caracteres (</a:t>
+            </a:r>
+            <a:r>
+              <a:rPr lang="pt-BR" baseline="0" dirty="0" err="1" smtClean="0"/>
+              <a:t>hardlim</a:t>
+            </a:r>
             <a:r>
               <a:rPr lang="pt-BR" baseline="0" dirty="0" smtClean="0"/>
-              <a:t>(Explicar imagem)</a:t>
-            </a:r>
-            <a:endParaRPr lang="en-US" dirty="0"/>
+              <a:t>).</a:t>
+            </a:r>
+          </a:p>
+          <a:p>
+            <a:pPr marL="171450" indent="-171450">
+              <a:buFont typeface="Arial" panose="020B0604020202020204" pitchFamily="34" charset="0"/>
+              <a:buChar char="•"/>
+            </a:pPr>
+            <a:r>
+              <a:rPr lang="pt-BR" baseline="0" dirty="0" smtClean="0"/>
+              <a:t>Com essas definições é possível construir a ferramenta de cálculo</a:t>
+            </a:r>
           </a:p>
         </p:txBody>
       </p:sp>
@@ -1400,7 +5936,7 @@
     </p:spTree>
     <p:extLst>
       <p:ext uri="{BB962C8B-B14F-4D97-AF65-F5344CB8AC3E}">
-        <p14:creationId xmlns:p14="http://schemas.microsoft.com/office/powerpoint/2010/main" val="935219034"/>
+        <p14:creationId xmlns:p14="http://schemas.microsoft.com/office/powerpoint/2010/main" val="655105408"/>
       </p:ext>
     </p:extLst>
   </p:cSld>
@@ -1454,33 +5990,51 @@
           <a:bodyPr/>
           <a:lstStyle/>
           <a:p>
+            <a:pPr marL="171450" indent="-171450">
+              <a:buFont typeface="Arial" panose="020B0604020202020204" pitchFamily="34" charset="0"/>
+              <a:buChar char="•"/>
+            </a:pPr>
             <a:r>
               <a:rPr lang="pt-BR" baseline="0" dirty="0" smtClean="0"/>
-              <a:t>Utilizando </a:t>
+              <a:t>Construído em </a:t>
+            </a:r>
+            <a:r>
+              <a:rPr lang="pt-BR" baseline="0" dirty="0" err="1" smtClean="0"/>
+              <a:t>JavaScript</a:t>
             </a:r>
             <a:r>
               <a:rPr lang="pt-BR" baseline="0" dirty="0" smtClean="0"/>
-              <a:t>a ferramenta de calculo </a:t>
-            </a:r>
+              <a:t>.</a:t>
+            </a:r>
+          </a:p>
+          <a:p>
+            <a:pPr marL="171450" indent="-171450">
+              <a:buFont typeface="Arial" panose="020B0604020202020204" pitchFamily="34" charset="0"/>
+              <a:buChar char="•"/>
+            </a:pPr>
             <a:r>
               <a:rPr lang="pt-BR" baseline="0" dirty="0" smtClean="0"/>
-              <a:t>automático compara </a:t>
-            </a:r>
+              <a:t>Executado diretamente no navegador -&gt; o script analisa os arquivos CSS utilizados pela página atual -&gt; calcula a métrica para cada um deles.</a:t>
+            </a:r>
+          </a:p>
+          <a:p>
+            <a:pPr marL="171450" indent="-171450">
+              <a:buFont typeface="Arial" panose="020B0604020202020204" pitchFamily="34" charset="0"/>
+              <a:buChar char="•"/>
+            </a:pPr>
             <a:r>
               <a:rPr lang="pt-BR" baseline="0" dirty="0" smtClean="0"/>
-              <a:t>os resultados da métrica proposta com </a:t>
-            </a:r>
+              <a:t>Teste independente da aplicação -&gt; podendo ser aplicado em qualquer página web.</a:t>
+            </a:r>
+          </a:p>
+          <a:p>
+            <a:pPr marL="171450" indent="-171450">
+              <a:buFont typeface="Arial" panose="020B0604020202020204" pitchFamily="34" charset="0"/>
+              <a:buChar char="•"/>
+            </a:pPr>
             <a:r>
               <a:rPr lang="pt-BR" baseline="0" dirty="0" smtClean="0"/>
-              <a:t>outra forma de identificação de manutenibilidade do código. A forma escolhida foi a medida de </a:t>
-            </a:r>
-            <a:r>
-              <a:rPr lang="pt-BR" baseline="0" dirty="0" smtClean="0"/>
-              <a:t>número de defeitos gerados </a:t>
-            </a:r>
-            <a:r>
-              <a:rPr lang="pt-BR" baseline="0" dirty="0" smtClean="0"/>
-              <a:t>por um código. Por tanto foi necessário que escolhêssemos projetos de software que utilizassem CSS e que fosse possível coletar as informações dos defeitos gerados.</a:t>
+              <a:t>(Explicar imagem) cada folha de estilo &gt; lista de critérios &gt; resultados para cada critério</a:t>
             </a:r>
             <a:endParaRPr lang="en-US" dirty="0"/>
           </a:p>
@@ -1512,7 +6066,7 @@
     </p:spTree>
     <p:extLst>
       <p:ext uri="{BB962C8B-B14F-4D97-AF65-F5344CB8AC3E}">
-        <p14:creationId xmlns:p14="http://schemas.microsoft.com/office/powerpoint/2010/main" val="364038083"/>
+        <p14:creationId xmlns:p14="http://schemas.microsoft.com/office/powerpoint/2010/main" val="935219034"/>
       </p:ext>
     </p:extLst>
   </p:cSld>
@@ -1566,28 +6120,29 @@
           <a:bodyPr/>
           <a:lstStyle/>
           <a:p>
-            <a:r>
-              <a:rPr lang="pt-BR" dirty="0" smtClean="0"/>
-              <a:t>O único</a:t>
-            </a:r>
+            <a:pPr marL="171450" indent="-171450">
+              <a:buFont typeface="Arial" panose="020B0604020202020204" pitchFamily="34" charset="0"/>
+              <a:buChar char="•"/>
+            </a:pPr>
             <a:r>
               <a:rPr lang="pt-BR" baseline="0" dirty="0" smtClean="0"/>
-              <a:t> projeto encontrado que atendia aos requisitos foi o </a:t>
+              <a:t>3ª da execução -&gt; selecionamos objeto de estudo -&gt; requisitos necessários para executar o experimento</a:t>
+            </a:r>
+          </a:p>
+          <a:p>
+            <a:pPr marL="171450" indent="-171450">
+              <a:buFont typeface="Arial" panose="020B0604020202020204" pitchFamily="34" charset="0"/>
+              <a:buChar char="•"/>
+            </a:pPr>
+            <a:r>
+              <a:rPr lang="pt-BR" baseline="0" dirty="0" smtClean="0"/>
+              <a:t>Encontramos somente um: </a:t>
             </a:r>
             <a:r>
               <a:rPr lang="pt-BR" baseline="0" dirty="0" err="1" smtClean="0"/>
               <a:t>Jenkins</a:t>
             </a:r>
-            <a:r>
-              <a:rPr lang="pt-BR" baseline="0" dirty="0" smtClean="0"/>
-              <a:t>.</a:t>
-            </a:r>
-          </a:p>
-          <a:p>
-            <a:r>
-              <a:rPr lang="pt-BR" baseline="0" dirty="0" smtClean="0"/>
-              <a:t>Que utiliza CSS para codificação do estilo principal, possui um repositório dos defeitos encontrados durante a construção da aplicação e tinha disponibilidade de várias versões com suas datas de lançamento.</a:t>
-            </a:r>
+            <a:endParaRPr lang="en-US" dirty="0"/>
           </a:p>
         </p:txBody>
       </p:sp>
@@ -1617,7 +6172,7 @@
     </p:spTree>
     <p:extLst>
       <p:ext uri="{BB962C8B-B14F-4D97-AF65-F5344CB8AC3E}">
-        <p14:creationId xmlns:p14="http://schemas.microsoft.com/office/powerpoint/2010/main" val="2854822112"/>
+        <p14:creationId xmlns:p14="http://schemas.microsoft.com/office/powerpoint/2010/main" val="364038083"/>
       </p:ext>
     </p:extLst>
   </p:cSld>
@@ -1671,65 +6226,41 @@
           <a:bodyPr/>
           <a:lstStyle/>
           <a:p>
-            <a:pPr marL="0" marR="0" indent="0" algn="l" defTabSz="914400" rtl="0" eaLnBrk="1" fontAlgn="auto" latinLnBrk="0" hangingPunct="1">
-              <a:lnSpc>
-                <a:spcPct val="100000"/>
-              </a:lnSpc>
-              <a:spcBef>
-                <a:spcPts val="0"/>
-              </a:spcBef>
-              <a:spcAft>
-                <a:spcPts val="0"/>
-              </a:spcAft>
-              <a:buClrTx/>
-              <a:buSzTx/>
-              <a:buFontTx/>
-              <a:buNone/>
-              <a:tabLst/>
-              <a:defRPr/>
+            <a:pPr marL="171450" indent="-171450">
+              <a:buFont typeface="Arial" panose="020B0604020202020204" pitchFamily="34" charset="0"/>
+              <a:buChar char="•"/>
             </a:pPr>
             <a:r>
+              <a:rPr lang="pt-BR" dirty="0" smtClean="0"/>
+              <a:t>O </a:t>
+            </a:r>
+            <a:r>
+              <a:rPr lang="pt-BR" dirty="0" err="1" smtClean="0"/>
+              <a:t>jenkins</a:t>
+            </a:r>
+            <a:r>
+              <a:rPr lang="pt-BR" dirty="0" smtClean="0"/>
+              <a:t> atendia nossos</a:t>
+            </a:r>
+            <a:r>
               <a:rPr lang="pt-BR" baseline="0" dirty="0" smtClean="0"/>
-              <a:t>Como não poderíamos fazer comparação entre aplicações diferentes optamos por fazer uma análise temporal da evolução da métrica e do número de defeitos gerados por cada versão.</a:t>
-            </a:r>
-            <a:endParaRPr lang="en-US" dirty="0" smtClean="0"/>
-          </a:p>
-          <a:p>
-            <a:r>
-              <a:rPr lang="pt-BR" dirty="0" smtClean="0"/>
-              <a:t>Selecionamos</a:t>
+              <a:t> requisitos por ser: Open </a:t>
+            </a:r>
+            <a:r>
+              <a:rPr lang="pt-BR" baseline="0" dirty="0" err="1" smtClean="0"/>
+              <a:t>Source</a:t>
             </a:r>
             <a:r>
               <a:rPr lang="pt-BR" baseline="0" dirty="0" smtClean="0"/>
-              <a:t> uma janela de 6 meses para os testes de cada versão. Selecionando 2 por ano, pudemos identificar através do JIRA os defeitos gerados a partir da implantação de cada versão testada. Como pode ser visto na tabela</a:t>
-            </a:r>
-          </a:p>
-          <a:p>
+              <a:t>, CSS </a:t>
+            </a:r>
+            <a:r>
+              <a:rPr lang="pt-BR" baseline="0" dirty="0" err="1" smtClean="0"/>
+              <a:t>raw</a:t>
+            </a:r>
             <a:r>
               <a:rPr lang="pt-BR" baseline="0" dirty="0" smtClean="0"/>
-              <a:t>Na query do JIRA limitamos as </a:t>
-            </a:r>
-            <a:r>
-              <a:rPr lang="pt-BR" baseline="0" dirty="0" err="1" smtClean="0"/>
-              <a:t>issues</a:t>
-            </a:r>
-            <a:r>
-              <a:rPr lang="pt-BR" baseline="0" dirty="0" smtClean="0"/>
-              <a:t> pelo tipo (bug), pela </a:t>
-            </a:r>
-            <a:r>
-              <a:rPr lang="pt-BR" baseline="0" dirty="0" err="1" smtClean="0"/>
-              <a:t>tag</a:t>
-            </a:r>
-            <a:r>
-              <a:rPr lang="pt-BR" baseline="0" dirty="0" smtClean="0"/>
-              <a:t> CSS e que contivessem o texto CSS em sua descrição. Limitando pela data de lançamento de uma versão até a seguinte.</a:t>
-            </a:r>
-          </a:p>
-          <a:p>
-            <a:r>
-              <a:rPr lang="pt-BR" baseline="0" dirty="0" smtClean="0"/>
-              <a:t>Isso nos permitiu verificar a evolução dos defeitos ao longo do tempo.</a:t>
+              <a:t>, JIRA, Disponibilidade das versões</a:t>
             </a:r>
           </a:p>
         </p:txBody>
@@ -1760,7 +6291,7 @@
     </p:spTree>
     <p:extLst>
       <p:ext uri="{BB962C8B-B14F-4D97-AF65-F5344CB8AC3E}">
-        <p14:creationId xmlns:p14="http://schemas.microsoft.com/office/powerpoint/2010/main" val="2219235108"/>
+        <p14:creationId xmlns:p14="http://schemas.microsoft.com/office/powerpoint/2010/main" val="2854822112"/>
       </p:ext>
     </p:extLst>
   </p:cSld>
@@ -1816,7 +6347,7 @@
           <a:p>
             <a:r>
               <a:rPr lang="pt-BR" baseline="0" dirty="0" smtClean="0"/>
-              <a:t>Podemos supor que existem no mínimo 957,325,594 milhões de folhas de estilo CSS.</a:t>
+              <a:t>Não é exagero dizer que existem no mínimo 957,325,594 milhões de folhas de estilo CSS.</a:t>
             </a:r>
           </a:p>
         </p:txBody>
@@ -1901,77 +6432,143 @@
           <a:bodyPr/>
           <a:lstStyle/>
           <a:p>
-            <a:r>
-              <a:rPr lang="pt-BR" dirty="0" smtClean="0"/>
-              <a:t>Após os testes consolidamos</a:t>
-            </a:r>
+            <a:pPr marL="171450" marR="0" indent="-171450" algn="l" defTabSz="914400" rtl="0" eaLnBrk="1" fontAlgn="auto" latinLnBrk="0" hangingPunct="1">
+              <a:lnSpc>
+                <a:spcPct val="100000"/>
+              </a:lnSpc>
+              <a:spcBef>
+                <a:spcPts val="0"/>
+              </a:spcBef>
+              <a:spcAft>
+                <a:spcPts val="0"/>
+              </a:spcAft>
+              <a:buClrTx/>
+              <a:buSzTx/>
+              <a:buFont typeface="Arial" panose="020B0604020202020204" pitchFamily="34" charset="0"/>
+              <a:buChar char="•"/>
+              <a:tabLst/>
+              <a:defRPr/>
+            </a:pPr>
             <a:r>
               <a:rPr lang="pt-BR" baseline="0" dirty="0" smtClean="0"/>
-              <a:t> os resultados da métrica ano a ano. Tirando a média das versões de cada ano, com o intuito de determinar uma </a:t>
-            </a:r>
-            <a:r>
-              <a:rPr lang="pt-BR" b="1" i="1" baseline="0" dirty="0" smtClean="0"/>
-              <a:t>métrica anual</a:t>
-            </a:r>
-            <a:r>
-              <a:rPr lang="pt-BR" b="0" i="0" baseline="0" dirty="0" smtClean="0"/>
-              <a:t>.</a:t>
-            </a:r>
-          </a:p>
-          <a:p>
-            <a:r>
-              <a:rPr lang="pt-BR" b="0" i="0" baseline="0" dirty="0" smtClean="0"/>
-              <a:t>Primeiro gráfico total</a:t>
-            </a:r>
-          </a:p>
-          <a:p>
-            <a:r>
-              <a:rPr lang="pt-BR" b="0" i="0" baseline="0" dirty="0" smtClean="0"/>
-              <a:t>Podemos notar neste gráfico o comportamento da métrica ao longo do tempo, a evolução dos defeitos acompanhou a métrica, o pico representa a mudança no design do layout.</a:t>
-            </a:r>
-          </a:p>
-          <a:p>
-            <a:r>
-              <a:rPr lang="pt-BR" b="0" i="0" baseline="0" dirty="0" smtClean="0"/>
-              <a:t>Percebemos que podíamos isolar um arquivo CSS, que consideramos como o arquivo principal de codificação, devido a utilização de uma biblioteca CSS no projeto (YUI).</a:t>
-            </a:r>
-          </a:p>
-          <a:p>
-            <a:r>
-              <a:rPr lang="pt-BR" b="0" i="0" baseline="0" dirty="0" smtClean="0"/>
-              <a:t>Fizemos então uma análise do resultado somente do arquivo principal de codificação, o style.css</a:t>
-            </a:r>
-          </a:p>
-          <a:p>
-            <a:r>
-              <a:rPr lang="pt-BR" b="0" i="0" baseline="0" dirty="0" smtClean="0"/>
-              <a:t>Segundo gráfico somente style.css</a:t>
-            </a:r>
-          </a:p>
-          <a:p>
-            <a:r>
-              <a:rPr lang="pt-BR" b="0" i="0" baseline="0" dirty="0" smtClean="0"/>
-              <a:t>Podemos notar neste caso um comportamento mais coerente com a evolução de um código ao longo do tempo, a métrica aumentando gradativamente ao longo do tempo. O pico de defeitos está relacionado a um crescimento mais acentuado, diferente do primeiro que possui um decréscimo na métrica.</a:t>
-            </a:r>
-          </a:p>
-          <a:p>
-            <a:r>
-              <a:rPr lang="pt-BR" b="0" i="0" baseline="0" dirty="0" smtClean="0"/>
-              <a:t>Podemos notar </a:t>
-            </a:r>
-            <a:r>
-              <a:rPr lang="pt-BR" b="0" i="0" baseline="0" dirty="0" err="1" smtClean="0"/>
-              <a:t>tb</a:t>
-            </a:r>
-            <a:r>
-              <a:rPr lang="pt-BR" b="0" i="0" baseline="0" dirty="0" smtClean="0"/>
-              <a:t> que o style.css possui relação com a evolução da métrica geral.</a:t>
-            </a:r>
-          </a:p>
-          <a:p>
-            <a:r>
-              <a:rPr lang="pt-BR" b="0" i="0" baseline="0" dirty="0" smtClean="0"/>
-              <a:t>Seria interessante observar o comportamento da métrica e dos defeitos em uma próxima iteração, para podermos identificar qual o impacto desse aumento desproporcional em relação aos outros períodos, irá causar no número de defeitos.</a:t>
+              <a:t>Decidiu-se fazer análise temporal -&gt; não ter outras aplicações para comparar os valores</a:t>
+            </a:r>
+            <a:endParaRPr lang="en-US" dirty="0" smtClean="0"/>
+          </a:p>
+          <a:p>
+            <a:pPr marL="171450" marR="0" indent="-171450" algn="l" defTabSz="914400" rtl="0" eaLnBrk="1" fontAlgn="auto" latinLnBrk="0" hangingPunct="1">
+              <a:lnSpc>
+                <a:spcPct val="100000"/>
+              </a:lnSpc>
+              <a:spcBef>
+                <a:spcPts val="0"/>
+              </a:spcBef>
+              <a:spcAft>
+                <a:spcPts val="0"/>
+              </a:spcAft>
+              <a:buClrTx/>
+              <a:buSzTx/>
+              <a:buFont typeface="Arial" panose="020B0604020202020204" pitchFamily="34" charset="0"/>
+              <a:buChar char="•"/>
+              <a:tabLst/>
+              <a:defRPr/>
+            </a:pPr>
+            <a:r>
+              <a:rPr lang="pt-BR" baseline="0" dirty="0" smtClean="0"/>
+              <a:t>análise temporal da evolução da métrica -&gt; </a:t>
+            </a:r>
+            <a:r>
+              <a:rPr lang="pt-BR" baseline="0" dirty="0" err="1" smtClean="0"/>
+              <a:t>balisado</a:t>
+            </a:r>
+            <a:r>
+              <a:rPr lang="pt-BR" baseline="0" dirty="0" smtClean="0"/>
+              <a:t> pelo número de defeitos encontrados</a:t>
+            </a:r>
+          </a:p>
+          <a:p>
+            <a:pPr marL="171450" marR="0" indent="-171450" algn="l" defTabSz="914400" rtl="0" eaLnBrk="1" fontAlgn="auto" latinLnBrk="0" hangingPunct="1">
+              <a:lnSpc>
+                <a:spcPct val="100000"/>
+              </a:lnSpc>
+              <a:spcBef>
+                <a:spcPts val="0"/>
+              </a:spcBef>
+              <a:spcAft>
+                <a:spcPts val="0"/>
+              </a:spcAft>
+              <a:buClrTx/>
+              <a:buSzTx/>
+              <a:buFont typeface="Arial" panose="020B0604020202020204" pitchFamily="34" charset="0"/>
+              <a:buChar char="•"/>
+              <a:tabLst/>
+              <a:defRPr/>
+            </a:pPr>
+            <a:r>
+              <a:rPr lang="pt-BR" baseline="0" dirty="0" smtClean="0"/>
+              <a:t>Número de defeitos gerados por cada versão</a:t>
+            </a:r>
+          </a:p>
+          <a:p>
+            <a:pPr marL="171450" indent="-171450">
+              <a:buFont typeface="Arial" panose="020B0604020202020204" pitchFamily="34" charset="0"/>
+              <a:buChar char="•"/>
+            </a:pPr>
+            <a:r>
+              <a:rPr lang="pt-BR" baseline="0" dirty="0" smtClean="0"/>
+              <a:t>Selecionando 2 versões por ano -&gt; semestral</a:t>
+            </a:r>
+          </a:p>
+          <a:p>
+            <a:pPr marL="171450" indent="-171450">
+              <a:buFont typeface="Arial" panose="020B0604020202020204" pitchFamily="34" charset="0"/>
+              <a:buChar char="•"/>
+            </a:pPr>
+            <a:r>
+              <a:rPr lang="pt-BR" baseline="0" dirty="0" smtClean="0"/>
+              <a:t>Query do JIRA -&gt; </a:t>
+            </a:r>
+            <a:r>
+              <a:rPr lang="pt-BR" baseline="0" dirty="0" err="1" smtClean="0"/>
+              <a:t>issues</a:t>
+            </a:r>
+            <a:r>
+              <a:rPr lang="pt-BR" baseline="0" dirty="0" smtClean="0"/>
+              <a:t> = defeitos, criado entre [</a:t>
+            </a:r>
+            <a:r>
+              <a:rPr lang="pt-BR" baseline="0" dirty="0" err="1" smtClean="0"/>
+              <a:t>x,y</a:t>
+            </a:r>
+            <a:r>
+              <a:rPr lang="pt-BR" baseline="0" dirty="0" smtClean="0"/>
+              <a:t>], </a:t>
+            </a:r>
+            <a:r>
+              <a:rPr lang="pt-BR" baseline="0" dirty="0" err="1" smtClean="0"/>
+              <a:t>tag</a:t>
+            </a:r>
+            <a:r>
+              <a:rPr lang="pt-BR" baseline="0" dirty="0" smtClean="0"/>
+              <a:t> = </a:t>
+            </a:r>
+            <a:r>
+              <a:rPr lang="pt-BR" baseline="0" dirty="0" err="1" smtClean="0"/>
+              <a:t>css</a:t>
+            </a:r>
+            <a:r>
+              <a:rPr lang="pt-BR" baseline="0" dirty="0" smtClean="0"/>
+              <a:t>, contem texto CSS na descrição</a:t>
+            </a:r>
+          </a:p>
+          <a:p>
+            <a:pPr marL="171450" indent="-171450">
+              <a:buFont typeface="Arial" panose="020B0604020202020204" pitchFamily="34" charset="0"/>
+              <a:buChar char="•"/>
+            </a:pPr>
+            <a:r>
+              <a:rPr lang="pt-BR" baseline="0" dirty="0" smtClean="0"/>
+              <a:t>Isso nos permitiu agregar a métrica ano a ano -&gt; comparar com número de defeitos</a:t>
             </a:r>
           </a:p>
         </p:txBody>
@@ -2002,7 +6599,7 @@
     </p:spTree>
     <p:extLst>
       <p:ext uri="{BB962C8B-B14F-4D97-AF65-F5344CB8AC3E}">
-        <p14:creationId xmlns:p14="http://schemas.microsoft.com/office/powerpoint/2010/main" val="4019507024"/>
+        <p14:creationId xmlns:p14="http://schemas.microsoft.com/office/powerpoint/2010/main" val="2219235108"/>
       </p:ext>
     </p:extLst>
   </p:cSld>
@@ -2056,55 +6653,72 @@
           <a:bodyPr/>
           <a:lstStyle/>
           <a:p>
-            <a:r>
-              <a:rPr lang="pt-BR" dirty="0" smtClean="0"/>
-              <a:t>Podemos</a:t>
-            </a:r>
-            <a:r>
-              <a:rPr lang="pt-BR" baseline="0" dirty="0" smtClean="0"/>
-              <a:t> identificar aqui a composição da métrica por cada critério.</a:t>
-            </a:r>
-          </a:p>
-          <a:p>
-            <a:r>
-              <a:rPr lang="pt-BR" baseline="0" dirty="0" smtClean="0"/>
-              <a:t>Podemos ver que com o passar do tempo mais critérios foram compondo a métrica, o que identifica um aumento na complexidade do código.</a:t>
-            </a:r>
-          </a:p>
-          <a:p>
-            <a:r>
-              <a:rPr lang="pt-BR" baseline="0" dirty="0" smtClean="0"/>
-              <a:t>O palpite é que isto foi causado devido o aumento do código sem preocupação com sua manutenção, evoluções corretivas, adição de novas regras, novas necessidades de layout, etc.</a:t>
-            </a:r>
-          </a:p>
-          <a:p>
-            <a:r>
-              <a:rPr lang="pt-BR" baseline="0" dirty="0" smtClean="0"/>
-              <a:t>Como podemos ver, a mudança de layout em 2014 vem acompanhada de um crescimento expressivo no critério de complexidade do seletor, sendo o critério mais ‘pesado’ pode explicar o aumento expressivo no valor da métrica. Podemos notar </a:t>
-            </a:r>
-            <a:r>
-              <a:rPr lang="pt-BR" baseline="0" dirty="0" err="1" smtClean="0"/>
-              <a:t>tb</a:t>
-            </a:r>
-            <a:r>
-              <a:rPr lang="pt-BR" baseline="0" dirty="0" smtClean="0"/>
-              <a:t> em 2015 o surgimento de uma parcela visível da Media Query, que está acompanhada da necessidade atual de </a:t>
-            </a:r>
-            <a:r>
-              <a:rPr lang="pt-BR" baseline="0" dirty="0" err="1" smtClean="0"/>
-              <a:t>responsive</a:t>
-            </a:r>
-            <a:r>
-              <a:rPr lang="pt-BR" baseline="0" dirty="0" smtClean="0"/>
-              <a:t> design.</a:t>
-            </a:r>
-          </a:p>
-          <a:p>
-            <a:r>
-              <a:rPr lang="pt-BR" baseline="0" dirty="0" smtClean="0"/>
-              <a:t>Esse resultado mostra a dinâmica do desenvolvimento de um código CSS, que aumenta sua complexidade ao longo do tempo assim como  o valor de sua métrica, o que pode complicar se não houver um gerenciamento.</a:t>
-            </a:r>
-            <a:endParaRPr lang="en-US" dirty="0"/>
+            <a:pPr marL="171450" indent="-171450">
+              <a:buFont typeface="Arial" panose="020B0604020202020204" pitchFamily="34" charset="0"/>
+              <a:buChar char="•"/>
+            </a:pPr>
+            <a:r>
+              <a:rPr lang="pt-BR" b="0" i="0" baseline="0" dirty="0" smtClean="0"/>
+              <a:t>Barras em azul = resultado da métrica agregado ano a ano</a:t>
+            </a:r>
+          </a:p>
+          <a:p>
+            <a:pPr marL="171450" indent="-171450">
+              <a:buFont typeface="Arial" panose="020B0604020202020204" pitchFamily="34" charset="0"/>
+              <a:buChar char="•"/>
+            </a:pPr>
+            <a:r>
+              <a:rPr lang="pt-BR" b="0" i="0" baseline="0" dirty="0" smtClean="0"/>
+              <a:t>Linha alaranjada = número de defeitos</a:t>
+            </a:r>
+          </a:p>
+          <a:p>
+            <a:pPr marL="171450" indent="-171450">
+              <a:buFont typeface="Arial" panose="020B0604020202020204" pitchFamily="34" charset="0"/>
+              <a:buChar char="•"/>
+            </a:pPr>
+            <a:r>
+              <a:rPr lang="pt-BR" b="0" i="0" baseline="0" dirty="0" smtClean="0"/>
+              <a:t>Métrica cresce ao longo do tempo -&gt; faz sentido </a:t>
+            </a:r>
+            <a:r>
+              <a:rPr lang="pt-BR" b="0" i="0" baseline="0" dirty="0" err="1" smtClean="0"/>
+              <a:t>pq</a:t>
+            </a:r>
+            <a:r>
+              <a:rPr lang="pt-BR" b="0" i="0" baseline="0" dirty="0" smtClean="0"/>
+              <a:t> código tende a se tornar mais complexo ao longo do tempo (quando não se controla qualidade)</a:t>
+            </a:r>
+          </a:p>
+          <a:p>
+            <a:pPr marL="171450" indent="-171450">
+              <a:buFont typeface="Arial" panose="020B0604020202020204" pitchFamily="34" charset="0"/>
+              <a:buChar char="•"/>
+            </a:pPr>
+            <a:r>
+              <a:rPr lang="pt-BR" b="0" i="0" baseline="0" dirty="0" smtClean="0"/>
+              <a:t>Vários motivos -&gt; adicionar regra sem distinção das que foram depreciadas é um deles</a:t>
+            </a:r>
+          </a:p>
+          <a:p>
+            <a:pPr marL="171450" indent="-171450">
+              <a:buFont typeface="Arial" panose="020B0604020202020204" pitchFamily="34" charset="0"/>
+              <a:buChar char="•"/>
+            </a:pPr>
+            <a:r>
+              <a:rPr lang="pt-BR" b="0" i="0" baseline="0" dirty="0" smtClean="0"/>
+              <a:t>O pico na linha alaranjada representa a mudança de layout</a:t>
+            </a:r>
+          </a:p>
+          <a:p>
+            <a:pPr marL="171450" indent="-171450">
+              <a:buFont typeface="Arial" panose="020B0604020202020204" pitchFamily="34" charset="0"/>
+              <a:buChar char="•"/>
+            </a:pPr>
+            <a:r>
+              <a:rPr lang="pt-BR" b="0" i="0" baseline="0" dirty="0" smtClean="0"/>
+              <a:t>O valor da métrica converge com o número de defeitos</a:t>
+            </a:r>
           </a:p>
         </p:txBody>
       </p:sp>
@@ -2134,7 +6748,7 @@
     </p:spTree>
     <p:extLst>
       <p:ext uri="{BB962C8B-B14F-4D97-AF65-F5344CB8AC3E}">
-        <p14:creationId xmlns:p14="http://schemas.microsoft.com/office/powerpoint/2010/main" val="4232763528"/>
+        <p14:creationId xmlns:p14="http://schemas.microsoft.com/office/powerpoint/2010/main" val="4019507024"/>
       </p:ext>
     </p:extLst>
   </p:cSld>
@@ -2188,39 +6802,37 @@
           <a:bodyPr/>
           <a:lstStyle/>
           <a:p>
+            <a:pPr marL="171450" indent="-171450">
+              <a:buFont typeface="Arial" panose="020B0604020202020204" pitchFamily="34" charset="0"/>
+              <a:buChar char="•"/>
+            </a:pPr>
             <a:r>
               <a:rPr lang="pt-BR" dirty="0" smtClean="0"/>
-              <a:t>Código</a:t>
+              <a:t>Crescimento</a:t>
             </a:r>
             <a:r>
               <a:rPr lang="pt-BR" baseline="0" dirty="0" smtClean="0"/>
-              <a:t> CSS deve ser tratado de maneira profissional, por ser largamente utilizado e estar tão presenta no ambiente web, que hospeda alguns dos serviços mais lucrativos na área de computação.</a:t>
-            </a:r>
-          </a:p>
-          <a:p>
+              <a:t> muito grande no valor para a mudança de layout 2014.2</a:t>
+            </a:r>
+          </a:p>
+          <a:p>
+            <a:pPr marL="171450" indent="-171450">
+              <a:buFont typeface="Arial" panose="020B0604020202020204" pitchFamily="34" charset="0"/>
+              <a:buChar char="•"/>
+            </a:pPr>
             <a:r>
               <a:rPr lang="pt-BR" baseline="0" dirty="0" smtClean="0"/>
-              <a:t>Esse ‘respeito’ deve ser guiado, com alguma técnica de auxilio no desenvolvimento, uma métrica de manutenibilidade pode ser uma forma de manter uma medição e controle do código CSS de um aplicação web.</a:t>
-            </a:r>
-          </a:p>
-          <a:p>
+              <a:t>O critério de complexidade passou a ter maior representação no valor da métrica</a:t>
+            </a:r>
+          </a:p>
+          <a:p>
+            <a:pPr marL="171450" indent="-171450">
+              <a:buFont typeface="Arial" panose="020B0604020202020204" pitchFamily="34" charset="0"/>
+              <a:buChar char="•"/>
+            </a:pPr>
             <a:r>
               <a:rPr lang="pt-BR" baseline="0" dirty="0" smtClean="0"/>
-              <a:t>Este trabalho representa um avanço na definição de qualidade de código CSS, principalmente no que se diz respeito à métricas e manutenibilidade do código. Este trabalho não é suficiente, mas é necessário para chegar à uma definição definitiva de qualidade de código CSS.</a:t>
-            </a:r>
-          </a:p>
-          <a:p>
-            <a:r>
-              <a:rPr lang="pt-BR" baseline="0" dirty="0" smtClean="0"/>
-              <a:t>É também uma contribuição um arcabouço para teste da qualidade de CSS, utilizando novas tecnologias e interpretação independente da aplicação e da localização física do arquivo CSS. O script criado é capaz de avaliar os códigos CSS aplicados a página em utilização, considerando somente arquivos que estão sendo </a:t>
-            </a:r>
-            <a:r>
-              <a:rPr lang="pt-BR" baseline="0" dirty="0" err="1" smtClean="0"/>
-              <a:t>renderizados</a:t>
-            </a:r>
-            <a:r>
-              <a:rPr lang="pt-BR" baseline="0" dirty="0" smtClean="0"/>
-              <a:t>.</a:t>
+              <a:t>Como crescimento é exponencial, aumentou em muito o valor total da métrica</a:t>
             </a:r>
             <a:endParaRPr lang="en-US" dirty="0"/>
           </a:p>
@@ -2252,7 +6864,7 @@
     </p:spTree>
     <p:extLst>
       <p:ext uri="{BB962C8B-B14F-4D97-AF65-F5344CB8AC3E}">
-        <p14:creationId xmlns:p14="http://schemas.microsoft.com/office/powerpoint/2010/main" val="3008353733"/>
+        <p14:creationId xmlns:p14="http://schemas.microsoft.com/office/powerpoint/2010/main" val="3196992164"/>
       </p:ext>
     </p:extLst>
   </p:cSld>
@@ -2306,13 +6918,65 @@
           <a:bodyPr/>
           <a:lstStyle/>
           <a:p>
+            <a:pPr marL="171450" indent="-171450">
+              <a:buFont typeface="Arial" panose="020B0604020202020204" pitchFamily="34" charset="0"/>
+              <a:buChar char="•"/>
+            </a:pPr>
             <a:r>
               <a:rPr lang="pt-BR" dirty="0" smtClean="0"/>
-              <a:t>Trabalho</a:t>
+              <a:t>Podemos</a:t>
             </a:r>
             <a:r>
               <a:rPr lang="pt-BR" baseline="0" dirty="0" smtClean="0"/>
-              <a:t> futuro mais importante: acompanhamento do processo produtivo.</a:t>
+              <a:t> identificar aqui a composição da métrica por cada critério.</a:t>
+            </a:r>
+          </a:p>
+          <a:p>
+            <a:pPr marL="171450" indent="-171450">
+              <a:buFont typeface="Arial" panose="020B0604020202020204" pitchFamily="34" charset="0"/>
+              <a:buChar char="•"/>
+            </a:pPr>
+            <a:r>
+              <a:rPr lang="pt-BR" baseline="0" dirty="0" smtClean="0"/>
+              <a:t>Podemos ver uma mudança na contribuição de alguns critérios.</a:t>
+            </a:r>
+          </a:p>
+          <a:p>
+            <a:pPr marL="171450" indent="-171450">
+              <a:buFont typeface="Arial" panose="020B0604020202020204" pitchFamily="34" charset="0"/>
+              <a:buChar char="•"/>
+            </a:pPr>
+            <a:r>
+              <a:rPr lang="pt-BR" baseline="0" dirty="0" smtClean="0"/>
+              <a:t>Os critérios que mais contribuem até antes da mudança de layout = tamanho do seletor e </a:t>
+            </a:r>
+            <a:r>
+              <a:rPr lang="pt-BR" baseline="0" dirty="0" err="1" smtClean="0"/>
+              <a:t>Pseudo</a:t>
+            </a:r>
+            <a:r>
+              <a:rPr lang="pt-BR" baseline="0" dirty="0" smtClean="0"/>
+              <a:t> Elementos</a:t>
+            </a:r>
+          </a:p>
+          <a:p>
+            <a:pPr marL="171450" indent="-171450">
+              <a:buFont typeface="Arial" panose="020B0604020202020204" pitchFamily="34" charset="0"/>
+              <a:buChar char="•"/>
+            </a:pPr>
+            <a:r>
+              <a:rPr lang="pt-BR" baseline="0" dirty="0" smtClean="0"/>
+              <a:t>Após a mudança de layout outro critério passou a ter participação expressiva = complexidade do seletor</a:t>
+            </a:r>
+          </a:p>
+          <a:p>
+            <a:pPr marL="171450" indent="-171450">
+              <a:buFont typeface="Arial" panose="020B0604020202020204" pitchFamily="34" charset="0"/>
+              <a:buChar char="•"/>
+            </a:pPr>
+            <a:r>
+              <a:rPr lang="pt-BR" baseline="0" dirty="0" smtClean="0"/>
+              <a:t>Essa análise é interessante pois nos permite identificar possíveis desbalanceamentos nos pesos de cada critério -&gt; verificar balanceamento da métrica</a:t>
             </a:r>
             <a:endParaRPr lang="en-US" dirty="0"/>
           </a:p>
@@ -2336,6 +7000,240 @@
             <a:fld id="{D1C64832-D1BC-4FD8-A8DE-C8445AF5DE87}" type="slidenum">
               <a:rPr lang="en-US" smtClean="0"/>
               <a:t>24</a:t>
+            </a:fld>
+            <a:endParaRPr lang="en-US"/>
+          </a:p>
+        </p:txBody>
+      </p:sp>
+    </p:spTree>
+    <p:extLst>
+      <p:ext uri="{BB962C8B-B14F-4D97-AF65-F5344CB8AC3E}">
+        <p14:creationId xmlns:p14="http://schemas.microsoft.com/office/powerpoint/2010/main" val="4232763528"/>
+      </p:ext>
+    </p:extLst>
+  </p:cSld>
+  <p:clrMapOvr>
+    <a:masterClrMapping/>
+  </p:clrMapOvr>
+</p:notes>
+</file>
+
+<file path=ppt/notesSlides/notesSlide24.xml><?xml version="1.0" encoding="utf-8"?>
+<p:notes xmlns:a="http://schemas.openxmlformats.org/drawingml/2006/main" xmlns:r="http://schemas.openxmlformats.org/officeDocument/2006/relationships" xmlns:p="http://schemas.openxmlformats.org/presentationml/2006/main">
+  <p:cSld>
+    <p:spTree>
+      <p:nvGrpSpPr>
+        <p:cNvPr id="1" name=""/>
+        <p:cNvGrpSpPr/>
+        <p:nvPr/>
+      </p:nvGrpSpPr>
+      <p:grpSpPr>
+        <a:xfrm>
+          <a:off x="0" y="0"/>
+          <a:ext cx="0" cy="0"/>
+          <a:chOff x="0" y="0"/>
+          <a:chExt cx="0" cy="0"/>
+        </a:xfrm>
+      </p:grpSpPr>
+      <p:sp>
+        <p:nvSpPr>
+          <p:cNvPr id="2" name="Espaço Reservado para Imagem de Slide 1"/>
+          <p:cNvSpPr>
+            <a:spLocks noGrp="1" noRot="1" noChangeAspect="1"/>
+          </p:cNvSpPr>
+          <p:nvPr>
+            <p:ph type="sldImg"/>
+          </p:nvPr>
+        </p:nvSpPr>
+        <p:spPr/>
+      </p:sp>
+      <p:sp>
+        <p:nvSpPr>
+          <p:cNvPr id="3" name="Espaço Reservado para Anotações 2"/>
+          <p:cNvSpPr>
+            <a:spLocks noGrp="1"/>
+          </p:cNvSpPr>
+          <p:nvPr>
+            <p:ph type="body" idx="1"/>
+          </p:nvPr>
+        </p:nvSpPr>
+        <p:spPr/>
+        <p:txBody>
+          <a:bodyPr/>
+          <a:lstStyle/>
+          <a:p>
+            <a:pPr marL="171450" indent="-171450">
+              <a:buFont typeface="Arial" panose="020B0604020202020204" pitchFamily="34" charset="0"/>
+              <a:buChar char="•"/>
+            </a:pPr>
+            <a:r>
+              <a:rPr lang="pt-BR" baseline="0" dirty="0" smtClean="0"/>
+              <a:t>Este trabalho representa um avanço na definição de qualidade de código CSS</a:t>
+            </a:r>
+          </a:p>
+          <a:p>
+            <a:pPr marL="171450" indent="-171450">
+              <a:buFont typeface="Arial" panose="020B0604020202020204" pitchFamily="34" charset="0"/>
+              <a:buChar char="•"/>
+            </a:pPr>
+            <a:r>
+              <a:rPr lang="pt-BR" baseline="0" dirty="0" smtClean="0"/>
+              <a:t>Não chegamos à uma definição de qualidade CSS, mas fomos capazes de identificar que a legibilidade e a complexidade do código a compõem.</a:t>
+            </a:r>
+          </a:p>
+          <a:p>
+            <a:pPr marL="171450" indent="-171450">
+              <a:buFont typeface="Arial" panose="020B0604020202020204" pitchFamily="34" charset="0"/>
+              <a:buChar char="•"/>
+            </a:pPr>
+            <a:r>
+              <a:rPr lang="pt-BR" baseline="0" dirty="0" smtClean="0"/>
+              <a:t>Um passo em direção à definição da métrica -&gt; teste de convergência com outro indicador de manutenibilidade (tempo de correção)</a:t>
+            </a:r>
+          </a:p>
+          <a:p>
+            <a:pPr marL="171450" indent="-171450">
+              <a:buFont typeface="Arial" panose="020B0604020202020204" pitchFamily="34" charset="0"/>
+              <a:buChar char="•"/>
+            </a:pPr>
+            <a:r>
+              <a:rPr lang="pt-BR" baseline="0" dirty="0" smtClean="0"/>
+              <a:t>Arcabouço para teste da qualidade de CSS, utilizando novas tecnologias e independente da aplicação. </a:t>
+            </a:r>
+          </a:p>
+          <a:p>
+            <a:pPr marL="171450" indent="-171450">
+              <a:buFont typeface="Arial" panose="020B0604020202020204" pitchFamily="34" charset="0"/>
+              <a:buChar char="•"/>
+            </a:pPr>
+            <a:r>
+              <a:rPr lang="pt-BR" baseline="0" dirty="0" smtClean="0"/>
+              <a:t>O arcabouço pode ser utilizado para avaliar outros aspectos de qualidade, além da manutenibilidade.</a:t>
+            </a:r>
+          </a:p>
+          <a:p>
+            <a:pPr marL="171450" indent="-171450">
+              <a:buFont typeface="Arial" panose="020B0604020202020204" pitchFamily="34" charset="0"/>
+              <a:buChar char="•"/>
+            </a:pPr>
+            <a:r>
+              <a:rPr lang="pt-BR" baseline="0" dirty="0" smtClean="0"/>
+              <a:t>Os critérios propostos também são uma contribuição, pois identificamos que são relevantes na definição de manutenibilidade de código CSS.</a:t>
+            </a:r>
+            <a:endParaRPr lang="en-US" dirty="0"/>
+          </a:p>
+        </p:txBody>
+      </p:sp>
+      <p:sp>
+        <p:nvSpPr>
+          <p:cNvPr id="4" name="Espaço Reservado para Número de Slide 3"/>
+          <p:cNvSpPr>
+            <a:spLocks noGrp="1"/>
+          </p:cNvSpPr>
+          <p:nvPr>
+            <p:ph type="sldNum" sz="quarter" idx="10"/>
+          </p:nvPr>
+        </p:nvSpPr>
+        <p:spPr/>
+        <p:txBody>
+          <a:bodyPr/>
+          <a:lstStyle/>
+          <a:p>
+            <a:fld id="{D1C64832-D1BC-4FD8-A8DE-C8445AF5DE87}" type="slidenum">
+              <a:rPr lang="en-US" smtClean="0"/>
+              <a:t>25</a:t>
+            </a:fld>
+            <a:endParaRPr lang="en-US"/>
+          </a:p>
+        </p:txBody>
+      </p:sp>
+    </p:spTree>
+    <p:extLst>
+      <p:ext uri="{BB962C8B-B14F-4D97-AF65-F5344CB8AC3E}">
+        <p14:creationId xmlns:p14="http://schemas.microsoft.com/office/powerpoint/2010/main" val="3008353733"/>
+      </p:ext>
+    </p:extLst>
+  </p:cSld>
+  <p:clrMapOvr>
+    <a:masterClrMapping/>
+  </p:clrMapOvr>
+</p:notes>
+</file>
+
+<file path=ppt/notesSlides/notesSlide25.xml><?xml version="1.0" encoding="utf-8"?>
+<p:notes xmlns:a="http://schemas.openxmlformats.org/drawingml/2006/main" xmlns:r="http://schemas.openxmlformats.org/officeDocument/2006/relationships" xmlns:p="http://schemas.openxmlformats.org/presentationml/2006/main">
+  <p:cSld>
+    <p:spTree>
+      <p:nvGrpSpPr>
+        <p:cNvPr id="1" name=""/>
+        <p:cNvGrpSpPr/>
+        <p:nvPr/>
+      </p:nvGrpSpPr>
+      <p:grpSpPr>
+        <a:xfrm>
+          <a:off x="0" y="0"/>
+          <a:ext cx="0" cy="0"/>
+          <a:chOff x="0" y="0"/>
+          <a:chExt cx="0" cy="0"/>
+        </a:xfrm>
+      </p:grpSpPr>
+      <p:sp>
+        <p:nvSpPr>
+          <p:cNvPr id="2" name="Espaço Reservado para Imagem de Slide 1"/>
+          <p:cNvSpPr>
+            <a:spLocks noGrp="1" noRot="1" noChangeAspect="1"/>
+          </p:cNvSpPr>
+          <p:nvPr>
+            <p:ph type="sldImg"/>
+          </p:nvPr>
+        </p:nvSpPr>
+        <p:spPr/>
+      </p:sp>
+      <p:sp>
+        <p:nvSpPr>
+          <p:cNvPr id="3" name="Espaço Reservado para Anotações 2"/>
+          <p:cNvSpPr>
+            <a:spLocks noGrp="1"/>
+          </p:cNvSpPr>
+          <p:nvPr>
+            <p:ph type="body" idx="1"/>
+          </p:nvPr>
+        </p:nvSpPr>
+        <p:spPr/>
+        <p:txBody>
+          <a:bodyPr/>
+          <a:lstStyle/>
+          <a:p>
+            <a:r>
+              <a:rPr lang="pt-BR" dirty="0" smtClean="0"/>
+              <a:t>Trabalho</a:t>
+            </a:r>
+            <a:r>
+              <a:rPr lang="pt-BR" baseline="0" dirty="0" smtClean="0"/>
+              <a:t> futuro mais importante: acompanhamento do processo produtivo.</a:t>
+            </a:r>
+            <a:endParaRPr lang="en-US" dirty="0"/>
+          </a:p>
+        </p:txBody>
+      </p:sp>
+      <p:sp>
+        <p:nvSpPr>
+          <p:cNvPr id="4" name="Espaço Reservado para Número de Slide 3"/>
+          <p:cNvSpPr>
+            <a:spLocks noGrp="1"/>
+          </p:cNvSpPr>
+          <p:nvPr>
+            <p:ph type="sldNum" sz="quarter" idx="10"/>
+          </p:nvPr>
+        </p:nvSpPr>
+        <p:spPr/>
+        <p:txBody>
+          <a:bodyPr/>
+          <a:lstStyle/>
+          <a:p>
+            <a:fld id="{D1C64832-D1BC-4FD8-A8DE-C8445AF5DE87}" type="slidenum">
+              <a:rPr lang="en-US" smtClean="0"/>
+              <a:t>26</a:t>
             </a:fld>
             <a:endParaRPr lang="en-US"/>
           </a:p>
@@ -2398,33 +7296,38 @@
           <a:bodyPr/>
           <a:lstStyle/>
           <a:p>
+            <a:pPr marL="171450" indent="-171450">
+              <a:buFont typeface="Arial" panose="020B0604020202020204" pitchFamily="34" charset="0"/>
+              <a:buChar char="•"/>
+            </a:pPr>
+            <a:r>
+              <a:rPr lang="pt-BR" dirty="0" smtClean="0"/>
+              <a:t>CSS</a:t>
+            </a:r>
             <a:r>
               <a:rPr lang="pt-BR" baseline="0" dirty="0" smtClean="0"/>
-              <a:t>O CSS possui sintaxe simples. Mas a simplicidade na codificação não significa que a construção do estilo seja simples.</a:t>
-            </a:r>
-          </a:p>
-          <a:p>
-            <a:r>
-              <a:rPr lang="pt-BR" dirty="0" smtClean="0"/>
-              <a:t>Como</a:t>
-            </a:r>
+              <a:t> não é linguagem de programação</a:t>
+            </a:r>
+            <a:endParaRPr lang="en-US" baseline="0" dirty="0" smtClean="0"/>
+          </a:p>
+          <a:p>
+            <a:pPr marL="171450" indent="-171450">
+              <a:buFont typeface="Arial" panose="020B0604020202020204" pitchFamily="34" charset="0"/>
+              <a:buChar char="•"/>
+            </a:pPr>
             <a:r>
               <a:rPr lang="pt-BR" baseline="0" dirty="0" smtClean="0"/>
-              <a:t> o CSS não possui escopo delimitado, as suas regras podem causar efeitos colaterais inesperados, uma vez que podem ser causar modificações não desejadas em outros lugares na aplicação</a:t>
-            </a:r>
+              <a:t>CSS tem sintaxe simples, mas isso não significa que é fácil de projetar e desenvolver</a:t>
+            </a:r>
+          </a:p>
+          <a:p>
+            <a:pPr marL="171450" indent="-171450">
+              <a:buFont typeface="Arial" panose="020B0604020202020204" pitchFamily="34" charset="0"/>
+              <a:buChar char="•"/>
+            </a:pPr>
             <a:r>
               <a:rPr lang="pt-BR" baseline="0" dirty="0" smtClean="0"/>
-              <a:t>.</a:t>
-            </a:r>
-          </a:p>
-          <a:p>
-            <a:r>
-              <a:rPr lang="pt-BR" baseline="0" dirty="0" smtClean="0"/>
-              <a:t>Exemplificar com o .</a:t>
-            </a:r>
-            <a:r>
-              <a:rPr lang="pt-BR" baseline="0" dirty="0" err="1" smtClean="0"/>
-              <a:t>button</a:t>
+              <a:t>O CSS se aplica à todo o HTML no qual for incluído -&gt; apesar de ser ter sido projetado para isso pode causar efeitos colaterais indesejados</a:t>
             </a:r>
             <a:endParaRPr lang="en-US" dirty="0"/>
           </a:p>
@@ -2510,27 +7413,57 @@
           <a:bodyPr/>
           <a:lstStyle/>
           <a:p>
-            <a:r>
-              <a:rPr lang="pt-BR" dirty="0" err="1" smtClean="0"/>
-              <a:t>Mesbah</a:t>
+            <a:pPr marL="171450" indent="-171450">
+              <a:buFont typeface="Arial" panose="020B0604020202020204" pitchFamily="34" charset="0"/>
+              <a:buChar char="•"/>
+            </a:pPr>
+            <a:r>
+              <a:rPr lang="pt-BR" dirty="0" smtClean="0"/>
+              <a:t>Não encontramos</a:t>
             </a:r>
             <a:r>
               <a:rPr lang="pt-BR" baseline="0" dirty="0" smtClean="0"/>
-              <a:t> e </a:t>
+              <a:t> trabalhos que definem qualidade de código CSS</a:t>
+            </a:r>
+          </a:p>
+          <a:p>
+            <a:pPr marL="171450" indent="-171450">
+              <a:buFont typeface="Arial" panose="020B0604020202020204" pitchFamily="34" charset="0"/>
+              <a:buChar char="•"/>
+            </a:pPr>
+            <a:r>
+              <a:rPr lang="pt-BR" baseline="0" dirty="0" smtClean="0"/>
+              <a:t>Não encontramos métrica de qualidade</a:t>
+            </a:r>
+          </a:p>
+          <a:p>
+            <a:pPr marL="171450" indent="-171450">
+              <a:buFont typeface="Arial" panose="020B0604020202020204" pitchFamily="34" charset="0"/>
+              <a:buChar char="•"/>
+            </a:pPr>
+            <a:r>
+              <a:rPr lang="pt-BR" baseline="0" dirty="0" smtClean="0"/>
+              <a:t>2014 relatório sobre uso do CSS </a:t>
             </a:r>
             <a:r>
               <a:rPr lang="pt-BR" baseline="0" dirty="0" err="1" smtClean="0"/>
-              <a:t>Misrshokraie</a:t>
+              <a:t>on</a:t>
             </a:r>
             <a:r>
               <a:rPr lang="pt-BR" baseline="0" dirty="0" smtClean="0"/>
-              <a:t>, em seu trabalho (análise automática de regras CSS para suporte na manutenção do estilo) de 2012, identificaram que avaliar o código CSS em função de sua manutenibilidade não foi explorado em nenhum trabalho científico. E não foi encontrado nenhum trabalho publicado com este objetivo, além do esforço da ferramenta proposta por eles.</a:t>
-            </a:r>
-          </a:p>
-          <a:p>
+              <a:t> </a:t>
+            </a:r>
+            <a:r>
+              <a:rPr lang="pt-BR" baseline="0" dirty="0" err="1" smtClean="0"/>
+              <a:t>the</a:t>
+            </a:r>
             <a:r>
               <a:rPr lang="pt-BR" baseline="0" dirty="0" smtClean="0"/>
-              <a:t>Para a avaliação de qualidade de um sistema de software é necessário se calcular a qualidade de todos os componentes deste. Portanto é necessário que identifiquemos uma forma de se medir o código CSS, que é um componente de todo software com interface web.</a:t>
+              <a:t> </a:t>
+            </a:r>
+            <a:r>
+              <a:rPr lang="pt-BR" baseline="0" dirty="0" err="1" smtClean="0"/>
+              <a:t>wild</a:t>
             </a:r>
             <a:endParaRPr lang="en-US" dirty="0"/>
           </a:p>
@@ -2730,16 +7663,6 @@
           <a:lstStyle/>
           <a:p>
             <a:r>
-              <a:rPr lang="pt-BR" dirty="0" smtClean="0"/>
-              <a:t>O</a:t>
-            </a:r>
-            <a:r>
-              <a:rPr lang="pt-BR" baseline="0" dirty="0" smtClean="0"/>
-              <a:t> CSS não possui controles de fluxo ou condicionais (originalmente, atualmente conta com as @media).</a:t>
-            </a:r>
-          </a:p>
-          <a:p>
-            <a:r>
               <a:rPr lang="pt-BR" baseline="0" dirty="0" smtClean="0"/>
               <a:t>Sua construção é simples Regra -&gt; Seletor -&gt; </a:t>
             </a:r>
@@ -2751,61 +7674,18 @@
           </a:p>
           <a:p>
             <a:r>
+              <a:rPr lang="pt-BR" dirty="0" smtClean="0"/>
+              <a:t>A ordem de</a:t>
+            </a:r>
+            <a:r>
               <a:rPr lang="pt-BR" baseline="0" dirty="0" smtClean="0"/>
-              <a:t>As regras são interpretadas e aplicadas somente aos elementos (</a:t>
-            </a:r>
-            <a:r>
-              <a:rPr lang="pt-BR" baseline="0" dirty="0" err="1" smtClean="0"/>
-              <a:t>html</a:t>
-            </a:r>
+              <a:t> precedência de aplicação -&gt; Efeito Cascata</a:t>
+            </a:r>
+          </a:p>
+          <a:p>
             <a:r>
               <a:rPr lang="pt-BR" baseline="0" dirty="0" smtClean="0"/>
-              <a:t>, dom) que satisfazem o seletor (matches)</a:t>
-            </a:r>
-          </a:p>
-          <a:p>
-            <a:r>
-              <a:rPr lang="pt-BR" dirty="0" smtClean="0"/>
-              <a:t>Um</a:t>
-            </a:r>
-            <a:r>
-              <a:rPr lang="pt-BR" baseline="0" dirty="0" smtClean="0"/>
-              <a:t> elemento pode ser referenciado de formas diferentes, por tanto, duas regras distintas podem se aplicar a ele.</a:t>
-            </a:r>
-          </a:p>
-          <a:p>
-            <a:r>
-              <a:rPr lang="pt-BR" baseline="0" dirty="0" smtClean="0"/>
-              <a:t>A ordem de precedência dessas regras é o que determina o efeito cascata: importância, localização, especificidade, posição no arquivo</a:t>
-            </a:r>
-          </a:p>
-          <a:p>
-            <a:r>
-              <a:rPr lang="pt-BR" baseline="0" dirty="0" smtClean="0"/>
-              <a:t>Esta ‘</a:t>
-            </a:r>
-            <a:r>
-              <a:rPr lang="pt-BR" baseline="0" dirty="0" err="1" smtClean="0"/>
-              <a:t>feature</a:t>
-            </a:r>
-            <a:r>
-              <a:rPr lang="pt-BR" baseline="0" dirty="0" smtClean="0"/>
-              <a:t>’ pode causar sobreposição de valores de uma propriedade do elemento, e as vezes isso pode não ter sido planejado -&gt; os efeitos colaterais</a:t>
-            </a:r>
-          </a:p>
-          <a:p>
-            <a:endParaRPr lang="pt-BR" baseline="0" dirty="0" smtClean="0"/>
-          </a:p>
-          <a:p>
-            <a:r>
-              <a:rPr lang="pt-BR" baseline="0" dirty="0" smtClean="0"/>
-              <a:t>Qualidade de software clássica: iremos considerar somente os conceitos de tamanho do código, legibilidade e complexidade*</a:t>
-            </a:r>
-          </a:p>
-          <a:p>
-            <a:r>
-              <a:rPr lang="pt-BR" baseline="0" dirty="0" smtClean="0"/>
-              <a:t>*complexidade adaptada ao CSS, já que não tem controle de fluxo, nem condicionantes.</a:t>
+              <a:t>Da qualidade de software clássica encontramos equivalência para os seguintes parâmetros</a:t>
             </a:r>
             <a:endParaRPr lang="en-US" dirty="0"/>
           </a:p>
@@ -2891,99 +7771,82 @@
           <a:bodyPr/>
           <a:lstStyle/>
           <a:p>
+            <a:pPr marL="171450" indent="-171450">
+              <a:buFont typeface="Arial" panose="020B0604020202020204" pitchFamily="34" charset="0"/>
+              <a:buChar char="•"/>
+            </a:pPr>
             <a:r>
               <a:rPr lang="pt-BR" dirty="0" smtClean="0"/>
-              <a:t>ISSO 9126 </a:t>
+              <a:t>ISO 9126 </a:t>
             </a:r>
             <a:r>
               <a:rPr lang="pt-BR" baseline="0" dirty="0" smtClean="0"/>
-              <a:t>– funcionalidade, confiabilidade, usabilidade, eficiência, manutenibilidade, portabilidade. Para este trabalho focamos somente na manutenibilidade do CSS, para identificar uma métrica e comparar este resultado com os dados encontrados no momento de manutenção do código, mais especificamente na situação de correção de bugs.</a:t>
-            </a:r>
-          </a:p>
-          <a:p>
-            <a:r>
-              <a:rPr lang="pt-BR" baseline="0" dirty="0" smtClean="0"/>
-              <a:t>Encontramos poucos trabalhos que abordam qualidade de código CSS.</a:t>
+              <a:t>– define manutenibilidade como atributo de qualidade. </a:t>
+            </a:r>
+          </a:p>
+          <a:p>
+            <a:pPr marL="171450" indent="-171450">
+              <a:buFont typeface="Arial" panose="020B0604020202020204" pitchFamily="34" charset="0"/>
+              <a:buChar char="•"/>
+            </a:pPr>
+            <a:r>
+              <a:rPr lang="pt-BR" u="none" baseline="0" dirty="0" err="1" smtClean="0"/>
+              <a:t>Hakon</a:t>
             </a:r>
             <a:r>
               <a:rPr lang="pt-BR" u="none" baseline="0" dirty="0" smtClean="0"/>
-              <a:t> </a:t>
-            </a:r>
+              <a:t> Lie, o fundador do CSS -&gt; construção do CSS -&gt; necessidade -&gt; </a:t>
+            </a:r>
+            <a:r>
+              <a:rPr lang="pt-BR" u="none" baseline="0" smtClean="0"/>
+              <a:t>erros conhecidos.</a:t>
+            </a:r>
+            <a:endParaRPr lang="pt-BR" u="none" baseline="0" dirty="0" smtClean="0"/>
+          </a:p>
+          <a:p>
+            <a:pPr marL="171450" indent="-171450">
+              <a:buFont typeface="Arial" panose="020B0604020202020204" pitchFamily="34" charset="0"/>
+              <a:buChar char="•"/>
+            </a:pPr>
+            <a:r>
+              <a:rPr lang="pt-BR" u="none" baseline="0" dirty="0" smtClean="0"/>
+              <a:t>Keller -&gt; </a:t>
+            </a:r>
+            <a:r>
+              <a:rPr lang="pt-BR" u="none" baseline="0" dirty="0" err="1" smtClean="0"/>
+              <a:t>Abstractness</a:t>
+            </a:r>
+            <a:r>
+              <a:rPr lang="pt-BR" u="none" baseline="0" dirty="0" smtClean="0"/>
+              <a:t> (ou abstração)</a:t>
+            </a:r>
+          </a:p>
+          <a:p>
+            <a:pPr marL="171450" marR="0" indent="-171450" algn="l" defTabSz="914400" rtl="0" eaLnBrk="1" fontAlgn="auto" latinLnBrk="0" hangingPunct="1">
+              <a:lnSpc>
+                <a:spcPct val="100000"/>
+              </a:lnSpc>
+              <a:spcBef>
+                <a:spcPts val="0"/>
+              </a:spcBef>
+              <a:spcAft>
+                <a:spcPts val="0"/>
+              </a:spcAft>
+              <a:buClrTx/>
+              <a:buSzTx/>
+              <a:buFont typeface="Arial" panose="020B0604020202020204" pitchFamily="34" charset="0"/>
+              <a:buChar char="•"/>
+              <a:tabLst/>
+              <a:defRPr/>
+            </a:pPr>
             <a:r>
               <a:rPr lang="pt-BR" u="none" baseline="0" dirty="0" err="1" smtClean="0"/>
               <a:t>Mesbah</a:t>
             </a:r>
             <a:r>
               <a:rPr lang="pt-BR" u="none" baseline="0" dirty="0" smtClean="0"/>
-              <a:t> e Keller avaliam qualidade de código de formas diferenciadas. </a:t>
-            </a:r>
-            <a:r>
-              <a:rPr lang="pt-BR" u="none" baseline="0" dirty="0" err="1" smtClean="0"/>
-              <a:t>Mesbah</a:t>
-            </a:r>
-            <a:r>
-              <a:rPr lang="pt-BR" u="none" baseline="0" dirty="0" smtClean="0"/>
-              <a:t> propõe a construção de uma ferramenta de analise automática para auxiliar durante a fase de manutenção de código CSS, identificando principalmente porções de código que não são efetivamente </a:t>
-            </a:r>
-            <a:r>
-              <a:rPr lang="pt-BR" u="none" baseline="0" dirty="0" err="1" smtClean="0"/>
-              <a:t>renderizadas</a:t>
-            </a:r>
-            <a:r>
-              <a:rPr lang="pt-BR" u="none" baseline="0" dirty="0" smtClean="0"/>
-              <a:t> no documento.</a:t>
-            </a:r>
-          </a:p>
-          <a:p>
-            <a:r>
-              <a:rPr lang="pt-BR" u="none" baseline="0" dirty="0" smtClean="0"/>
-              <a:t>Keller por sua vez propôs uma medida que chamou de </a:t>
-            </a:r>
-            <a:r>
-              <a:rPr lang="pt-BR" u="none" baseline="0" dirty="0" err="1" smtClean="0"/>
-              <a:t>Abstractness</a:t>
-            </a:r>
-            <a:r>
-              <a:rPr lang="pt-BR" u="none" baseline="0" dirty="0" smtClean="0"/>
-              <a:t> (ou abstração), argumentando que código CSS deve ser reutilizável. Não chegou a uma conclusão forte, mas discutiu que o código gerado pelos </a:t>
-            </a:r>
-            <a:r>
-              <a:rPr lang="pt-BR" u="none" baseline="0" dirty="0" err="1" smtClean="0"/>
-              <a:t>preprocessadores</a:t>
-            </a:r>
-            <a:r>
-              <a:rPr lang="pt-BR" u="none" baseline="0" dirty="0" smtClean="0"/>
-              <a:t> ou ferramentas geradoras de CSS (</a:t>
-            </a:r>
-            <a:r>
-              <a:rPr lang="pt-BR" u="none" baseline="0" dirty="0" err="1" smtClean="0"/>
-              <a:t>dreamweaver</a:t>
-            </a:r>
-            <a:r>
-              <a:rPr lang="pt-BR" u="none" baseline="0" dirty="0" smtClean="0"/>
-              <a:t>, etc.) possuem baixo nível de abstração, o que os torna pior (no ponto de vista dele).</a:t>
-            </a:r>
-          </a:p>
-          <a:p>
-            <a:r>
-              <a:rPr lang="pt-BR" u="none" baseline="0" dirty="0" err="1" smtClean="0"/>
-              <a:t>Hakon</a:t>
-            </a:r>
-            <a:r>
-              <a:rPr lang="pt-BR" u="none" baseline="0" dirty="0" smtClean="0"/>
-              <a:t> Lie, o fundador do CSS, apresenta em seu trabalho de pós doutorado o CSS em sua versão mais nova, apontando também os possíveis ‘</a:t>
-            </a:r>
-            <a:r>
-              <a:rPr lang="pt-BR" u="none" baseline="0" dirty="0" err="1" smtClean="0"/>
-              <a:t>pitfalls</a:t>
-            </a:r>
-            <a:r>
-              <a:rPr lang="pt-BR" u="none" baseline="0" dirty="0" smtClean="0"/>
-              <a:t>’ encontrados durante a construção de uma folha de estilo em CSS.</a:t>
-            </a:r>
-          </a:p>
-          <a:p>
-            <a:endParaRPr lang="en-US" dirty="0"/>
+              <a:t> -&gt; construção de uma ferramenta de analise automática</a:t>
+            </a:r>
           </a:p>
         </p:txBody>
       </p:sp>
@@ -3068,82 +7931,15 @@
           <a:lstStyle/>
           <a:p>
             <a:r>
-              <a:rPr lang="pt-BR" dirty="0" smtClean="0"/>
-              <a:t>Para</a:t>
-            </a:r>
-            <a:r>
               <a:rPr lang="pt-BR" baseline="0" dirty="0" smtClean="0"/>
-              <a:t> identificação dos aspectos de qualidade do CSS utilizamos um questionário exploratório, com o intuito de adquirir dados para balizar as hipóteses levantadas durante os estudos do CSS</a:t>
-            </a:r>
+              <a:t>Trabalho executado em 3 etapas.</a:t>
+            </a:r>
+          </a:p>
+          <a:p>
             <a:r>
               <a:rPr lang="pt-BR" baseline="0" dirty="0" smtClean="0"/>
-              <a:t>.</a:t>
-            </a:r>
-          </a:p>
-          <a:p>
-            <a:r>
-              <a:rPr lang="pt-BR" baseline="0" dirty="0" smtClean="0"/>
-              <a:t>Montar este questionário foi um desafio subestimado durante a montagem do cronograma inicial e tomou mais tempo que o planejado.</a:t>
-            </a:r>
-          </a:p>
-          <a:p>
-            <a:r>
-              <a:rPr lang="pt-BR" baseline="0" dirty="0" smtClean="0"/>
-              <a:t>O questionário teve um total de 27 respondentes, esse número de respostas foi a quem do esperado, talvez pela veiculação do questionário não ter sido feita nos canais apropriados. Em grande parte por eu não participar de grupos de discussão sobre CSS e por ser em português e os grupos de discussão que encontrei serem todos estrangeiros.</a:t>
-            </a:r>
-          </a:p>
-          <a:p>
-            <a:r>
-              <a:rPr lang="pt-BR" baseline="0" dirty="0" smtClean="0"/>
-              <a:t>O Questionário foi veiculado no </a:t>
-            </a:r>
-            <a:r>
-              <a:rPr lang="pt-BR" baseline="0" dirty="0" err="1" smtClean="0"/>
-              <a:t>facebook</a:t>
-            </a:r>
-            <a:r>
-              <a:rPr lang="pt-BR" baseline="0" dirty="0" smtClean="0"/>
-              <a:t>, </a:t>
-            </a:r>
-            <a:r>
-              <a:rPr lang="pt-BR" baseline="0" dirty="0" err="1" smtClean="0"/>
-              <a:t>google</a:t>
-            </a:r>
-            <a:r>
-              <a:rPr lang="pt-BR" baseline="0" dirty="0" smtClean="0"/>
-              <a:t> </a:t>
-            </a:r>
-            <a:r>
-              <a:rPr lang="pt-BR" baseline="0" dirty="0" err="1" smtClean="0"/>
-              <a:t>plus</a:t>
-            </a:r>
-            <a:r>
-              <a:rPr lang="pt-BR" baseline="0" dirty="0" smtClean="0"/>
-              <a:t> e via </a:t>
-            </a:r>
-            <a:r>
-              <a:rPr lang="pt-BR" baseline="0" dirty="0" err="1" smtClean="0"/>
-              <a:t>email</a:t>
-            </a:r>
-            <a:r>
-              <a:rPr lang="pt-BR" baseline="0" dirty="0" smtClean="0"/>
-              <a:t> para colegas e </a:t>
-            </a:r>
-            <a:r>
-              <a:rPr lang="pt-BR" baseline="0" dirty="0" err="1" smtClean="0"/>
-              <a:t>ex</a:t>
-            </a:r>
-            <a:r>
-              <a:rPr lang="pt-BR" baseline="0" dirty="0" smtClean="0"/>
-              <a:t> colegas de trabalho.</a:t>
-            </a:r>
-          </a:p>
-          <a:p>
-            <a:r>
-              <a:rPr lang="pt-BR" baseline="0" dirty="0" smtClean="0"/>
-              <a:t>O questionário foi dividido em 3 partes</a:t>
-            </a:r>
-            <a:endParaRPr lang="pt-BR" baseline="0" dirty="0" smtClean="0"/>
+              <a:t>1ª -&gt; para identificar os aspectos de qualidade -&gt; construção do questionário com 3 seções</a:t>
+            </a:r>
           </a:p>
         </p:txBody>
       </p:sp>
@@ -3227,33 +8023,38 @@
           <a:bodyPr/>
           <a:lstStyle/>
           <a:p>
+            <a:pPr marL="171450" indent="-171450">
+              <a:buFont typeface="Arial" panose="020B0604020202020204" pitchFamily="34" charset="0"/>
+              <a:buChar char="•"/>
+            </a:pPr>
             <a:r>
               <a:rPr lang="pt-BR" dirty="0" smtClean="0"/>
-              <a:t>A primeira parte do questionário</a:t>
+              <a:t>Primeira seção do questionário -&gt;</a:t>
             </a:r>
             <a:r>
               <a:rPr lang="pt-BR" baseline="0" dirty="0" smtClean="0"/>
-              <a:t> contava com uma questão para identificar o perfil dos respondentes, em função da proficiência no CSS.</a:t>
-            </a:r>
-          </a:p>
-          <a:p>
+              <a:t> identificar o nível de proficiência do respondente</a:t>
+            </a:r>
+          </a:p>
+          <a:p>
+            <a:pPr marL="171450" indent="-171450">
+              <a:buFont typeface="Arial" panose="020B0604020202020204" pitchFamily="34" charset="0"/>
+              <a:buChar char="•"/>
+            </a:pPr>
             <a:r>
               <a:rPr lang="pt-BR" baseline="0" dirty="0" smtClean="0"/>
-              <a:t>A questão era de escolhas múltiplas, contendo aspectos do CSS que forma classificados da seguinte forma (ler quadro)</a:t>
-            </a:r>
-          </a:p>
-          <a:p>
+              <a:t>Tivemos que escolher entre: perguntar diretamente, tempo de experiência e identificar aspectos da linguagem que estão familiarizados</a:t>
+            </a:r>
+          </a:p>
+          <a:p>
+            <a:pPr marL="171450" indent="-171450">
+              <a:buFont typeface="Arial" panose="020B0604020202020204" pitchFamily="34" charset="0"/>
+              <a:buChar char="•"/>
+            </a:pPr>
             <a:r>
               <a:rPr lang="pt-BR" baseline="0" dirty="0" smtClean="0"/>
-              <a:t>Cada questão possuía uma pontuação e o nível de proficiência era medido pela pontuação de cada resposta.</a:t>
-            </a:r>
-          </a:p>
-          <a:p>
-            <a:r>
-              <a:rPr lang="pt-BR" baseline="0" dirty="0" smtClean="0"/>
-              <a:t>Isso não excluía a possibilidade de conhecer alguns aspectos avançados sem conhecer alguns intermediários e o respondente continuar sendo considerado avançado.</a:t>
-            </a:r>
-            <a:endParaRPr lang="en-US" dirty="0"/>
+              <a:t>Nível de proficiência = Somatório dos pontos dos aspectos conhecidos</a:t>
+            </a:r>
           </a:p>
         </p:txBody>
       </p:sp>
@@ -3424,7 +8225,7 @@
           <a:p>
             <a:fld id="{2153479B-2DFB-48BA-983C-D5FD7F71DED4}" type="datetimeFigureOut">
               <a:rPr lang="en-US" smtClean="0"/>
-              <a:t>11/25/2015</a:t>
+              <a:t>11/27/2015</a:t>
             </a:fld>
             <a:endParaRPr lang="en-US"/>
           </a:p>
@@ -3594,7 +8395,7 @@
           <a:p>
             <a:fld id="{2153479B-2DFB-48BA-983C-D5FD7F71DED4}" type="datetimeFigureOut">
               <a:rPr lang="en-US" smtClean="0"/>
-              <a:t>11/25/2015</a:t>
+              <a:t>11/27/2015</a:t>
             </a:fld>
             <a:endParaRPr lang="en-US"/>
           </a:p>
@@ -3774,7 +8575,7 @@
           <a:p>
             <a:fld id="{2153479B-2DFB-48BA-983C-D5FD7F71DED4}" type="datetimeFigureOut">
               <a:rPr lang="en-US" smtClean="0"/>
-              <a:t>11/25/2015</a:t>
+              <a:t>11/27/2015</a:t>
             </a:fld>
             <a:endParaRPr lang="en-US"/>
           </a:p>
@@ -3944,7 +8745,7 @@
           <a:p>
             <a:fld id="{2153479B-2DFB-48BA-983C-D5FD7F71DED4}" type="datetimeFigureOut">
               <a:rPr lang="en-US" smtClean="0"/>
-              <a:t>11/25/2015</a:t>
+              <a:t>11/27/2015</a:t>
             </a:fld>
             <a:endParaRPr lang="en-US"/>
           </a:p>
@@ -4190,7 +8991,7 @@
           <a:p>
             <a:fld id="{2153479B-2DFB-48BA-983C-D5FD7F71DED4}" type="datetimeFigureOut">
               <a:rPr lang="en-US" smtClean="0"/>
-              <a:t>11/25/2015</a:t>
+              <a:t>11/27/2015</a:t>
             </a:fld>
             <a:endParaRPr lang="en-US"/>
           </a:p>
@@ -4422,7 +9223,7 @@
           <a:p>
             <a:fld id="{2153479B-2DFB-48BA-983C-D5FD7F71DED4}" type="datetimeFigureOut">
               <a:rPr lang="en-US" smtClean="0"/>
-              <a:t>11/25/2015</a:t>
+              <a:t>11/27/2015</a:t>
             </a:fld>
             <a:endParaRPr lang="en-US"/>
           </a:p>
@@ -4789,7 +9590,7 @@
           <a:p>
             <a:fld id="{2153479B-2DFB-48BA-983C-D5FD7F71DED4}" type="datetimeFigureOut">
               <a:rPr lang="en-US" smtClean="0"/>
-              <a:t>11/25/2015</a:t>
+              <a:t>11/27/2015</a:t>
             </a:fld>
             <a:endParaRPr lang="en-US"/>
           </a:p>
@@ -4907,7 +9708,7 @@
           <a:p>
             <a:fld id="{2153479B-2DFB-48BA-983C-D5FD7F71DED4}" type="datetimeFigureOut">
               <a:rPr lang="en-US" smtClean="0"/>
-              <a:t>11/25/2015</a:t>
+              <a:t>11/27/2015</a:t>
             </a:fld>
             <a:endParaRPr lang="en-US"/>
           </a:p>
@@ -5002,7 +9803,7 @@
           <a:p>
             <a:fld id="{2153479B-2DFB-48BA-983C-D5FD7F71DED4}" type="datetimeFigureOut">
               <a:rPr lang="en-US" smtClean="0"/>
-              <a:t>11/25/2015</a:t>
+              <a:t>11/27/2015</a:t>
             </a:fld>
             <a:endParaRPr lang="en-US"/>
           </a:p>
@@ -5279,7 +10080,7 @@
           <a:p>
             <a:fld id="{2153479B-2DFB-48BA-983C-D5FD7F71DED4}" type="datetimeFigureOut">
               <a:rPr lang="en-US" smtClean="0"/>
-              <a:t>11/25/2015</a:t>
+              <a:t>11/27/2015</a:t>
             </a:fld>
             <a:endParaRPr lang="en-US"/>
           </a:p>
@@ -5532,7 +10333,7 @@
           <a:p>
             <a:fld id="{2153479B-2DFB-48BA-983C-D5FD7F71DED4}" type="datetimeFigureOut">
               <a:rPr lang="en-US" smtClean="0"/>
-              <a:t>11/25/2015</a:t>
+              <a:t>11/27/2015</a:t>
             </a:fld>
             <a:endParaRPr lang="en-US"/>
           </a:p>
@@ -5745,7 +10546,7 @@
           <a:p>
             <a:fld id="{2153479B-2DFB-48BA-983C-D5FD7F71DED4}" type="datetimeFigureOut">
               <a:rPr lang="en-US" smtClean="0"/>
-              <a:t>11/25/2015</a:t>
+              <a:t>11/27/2015</a:t>
             </a:fld>
             <a:endParaRPr lang="en-US"/>
           </a:p>
@@ -6336,7 +11137,7 @@
             </a:pPr>
             <a:r>
               <a:rPr lang="pt-BR" dirty="0" smtClean="0"/>
-              <a:t>Iniciante</a:t>
+              <a:t>Iniciante ≤ 12</a:t>
             </a:r>
           </a:p>
           <a:p>
@@ -6348,7 +11149,7 @@
             </a:pPr>
             <a:r>
               <a:rPr lang="pt-BR" dirty="0" smtClean="0"/>
-              <a:t>Intermediário</a:t>
+              <a:t>Intermediário ≤ 20</a:t>
             </a:r>
           </a:p>
           <a:p>
@@ -6360,7 +11161,7 @@
             </a:pPr>
             <a:r>
               <a:rPr lang="pt-BR" dirty="0" smtClean="0"/>
-              <a:t>Avançado</a:t>
+              <a:t>Avançado &gt; 21</a:t>
             </a:r>
           </a:p>
           <a:p>
@@ -6574,10 +11375,10 @@
         </p:nvGrpSpPr>
         <p:grpSpPr>
           <a:xfrm>
-            <a:off x="4786903" y="1613937"/>
-            <a:ext cx="6179542" cy="2845076"/>
-            <a:chOff x="4786903" y="1613937"/>
-            <a:chExt cx="6179542" cy="2845076"/>
+            <a:off x="5113638" y="995701"/>
+            <a:ext cx="6029737" cy="2845076"/>
+            <a:chOff x="4861805" y="1613937"/>
+            <a:chExt cx="6029737" cy="2845076"/>
           </a:xfrm>
         </p:grpSpPr>
         <p:pic>
@@ -6602,8 +11403,8 @@
           </p:blipFill>
           <p:spPr>
             <a:xfrm>
-              <a:off x="4786903" y="1944752"/>
-              <a:ext cx="6179542" cy="2153478"/>
+              <a:off x="4861805" y="1944752"/>
+              <a:ext cx="6029737" cy="2153478"/>
             </a:xfrm>
             <a:prstGeom prst="rect">
               <a:avLst/>
@@ -7325,25 +12126,8 @@
                   </a:schemeClr>
                 </a:solidFill>
               </a:rPr>
-              <a:t>Questionário </a:t>
-            </a:r>
-            <a:r>
-              <a:rPr lang="pt-BR" dirty="0" smtClean="0">
-                <a:solidFill>
-                  <a:schemeClr val="bg1">
-                    <a:lumMod val="85000"/>
-                  </a:schemeClr>
-                </a:solidFill>
-              </a:rPr>
-              <a:t>Exploratório: 27 respondentes</a:t>
-            </a:r>
-            <a:endParaRPr lang="pt-BR" dirty="0" smtClean="0">
-              <a:solidFill>
-                <a:schemeClr val="bg1">
-                  <a:lumMod val="85000"/>
-                </a:schemeClr>
-              </a:solidFill>
-            </a:endParaRPr>
+              <a:t>Questionário Exploratório: 27 respondentes</a:t>
+            </a:r>
           </a:p>
           <a:p>
             <a:pPr marL="457200" lvl="1" indent="0">
@@ -7360,23 +12144,25 @@
           <a:p>
             <a:pPr lvl="1"/>
             <a:r>
+              <a:rPr lang="pt-BR" b="1" dirty="0" smtClean="0"/>
+              <a:t>Definição dos critérios</a:t>
+            </a:r>
+            <a:r>
               <a:rPr lang="pt-BR" dirty="0" smtClean="0"/>
-              <a:t>Análise do questionário</a:t>
+              <a:t> de manutenibilidade</a:t>
             </a:r>
           </a:p>
           <a:p>
             <a:pPr lvl="1"/>
             <a:r>
               <a:rPr lang="pt-BR" dirty="0" smtClean="0"/>
-              <a:t>Identificação dos critérios de avaliação </a:t>
-            </a:r>
-          </a:p>
-          <a:p>
-            <a:pPr lvl="1"/>
-            <a:r>
-              <a:rPr lang="pt-BR" dirty="0" smtClean="0"/>
-              <a:t>Construção da ferramenta de cálculo automático.</a:t>
-            </a:r>
+              <a:t>Construção da </a:t>
+            </a:r>
+            <a:r>
+              <a:rPr lang="pt-BR" b="1" dirty="0" smtClean="0"/>
+              <a:t>ferramenta de cálculo automático</a:t>
+            </a:r>
+            <a:endParaRPr lang="pt-BR" dirty="0" smtClean="0"/>
           </a:p>
           <a:p>
             <a:pPr marL="457200" lvl="1" indent="0">
@@ -7553,16 +12339,7 @@
           <a:p>
             <a:r>
               <a:rPr lang="pt-BR" dirty="0" smtClean="0"/>
-              <a:t>Identificação dos Critérios de </a:t>
-            </a:r>
-          </a:p>
-          <a:p>
-            <a:pPr marL="0" indent="0">
-              <a:buNone/>
-            </a:pPr>
-            <a:r>
-              <a:rPr lang="pt-BR" dirty="0" smtClean="0"/>
-              <a:t>Avaliação</a:t>
+              <a:t>Critérios de manutenibilidade</a:t>
             </a:r>
           </a:p>
           <a:p>
@@ -9658,6 +14435,117 @@
           </a:prstGeom>
         </p:spPr>
       </p:pic>
+      <p:pic>
+        <p:nvPicPr>
+          <p:cNvPr id="8" name="Imagem 7"/>
+          <p:cNvPicPr>
+            <a:picLocks noChangeAspect="1"/>
+          </p:cNvPicPr>
+          <p:nvPr/>
+        </p:nvPicPr>
+        <p:blipFill>
+          <a:blip r:embed="rId5" cstate="print">
+            <a:duotone>
+              <a:schemeClr val="accent6">
+                <a:shade val="45000"/>
+                <a:satMod val="135000"/>
+              </a:schemeClr>
+              <a:prstClr val="white"/>
+            </a:duotone>
+            <a:extLst>
+              <a:ext uri="{28A0092B-C50C-407E-A947-70E740481C1C}">
+                <a14:useLocalDpi xmlns:a14="http://schemas.microsoft.com/office/drawing/2010/main" val="0"/>
+              </a:ext>
+            </a:extLst>
+          </a:blip>
+          <a:stretch>
+            <a:fillRect/>
+          </a:stretch>
+        </p:blipFill>
+        <p:spPr>
+          <a:xfrm>
+            <a:off x="5553171" y="5153768"/>
+            <a:ext cx="462619" cy="462619"/>
+          </a:xfrm>
+          <a:prstGeom prst="rect">
+            <a:avLst/>
+          </a:prstGeom>
+        </p:spPr>
+      </p:pic>
+      <p:pic>
+        <p:nvPicPr>
+          <p:cNvPr id="11" name="Imagem 10"/>
+          <p:cNvPicPr>
+            <a:picLocks noChangeAspect="1"/>
+          </p:cNvPicPr>
+          <p:nvPr/>
+        </p:nvPicPr>
+        <p:blipFill>
+          <a:blip r:embed="rId5" cstate="print">
+            <a:duotone>
+              <a:schemeClr val="accent5">
+                <a:shade val="45000"/>
+                <a:satMod val="135000"/>
+              </a:schemeClr>
+              <a:prstClr val="white"/>
+            </a:duotone>
+            <a:extLst>
+              <a:ext uri="{28A0092B-C50C-407E-A947-70E740481C1C}">
+                <a14:useLocalDpi xmlns:a14="http://schemas.microsoft.com/office/drawing/2010/main" val="0"/>
+              </a:ext>
+            </a:extLst>
+          </a:blip>
+          <a:stretch>
+            <a:fillRect/>
+          </a:stretch>
+        </p:blipFill>
+        <p:spPr>
+          <a:xfrm>
+            <a:off x="7678306" y="5155408"/>
+            <a:ext cx="448417" cy="448417"/>
+          </a:xfrm>
+          <a:prstGeom prst="rect">
+            <a:avLst/>
+          </a:prstGeom>
+        </p:spPr>
+      </p:pic>
+      <p:pic>
+        <p:nvPicPr>
+          <p:cNvPr id="12" name="Imagem 11"/>
+          <p:cNvPicPr>
+            <a:picLocks noChangeAspect="1"/>
+          </p:cNvPicPr>
+          <p:nvPr/>
+        </p:nvPicPr>
+        <p:blipFill>
+          <a:blip r:embed="rId5" cstate="print">
+            <a:duotone>
+              <a:schemeClr val="accent4">
+                <a:shade val="45000"/>
+                <a:satMod val="135000"/>
+              </a:schemeClr>
+              <a:prstClr val="white"/>
+            </a:duotone>
+            <a:extLst>
+              <a:ext uri="{28A0092B-C50C-407E-A947-70E740481C1C}">
+                <a14:useLocalDpi xmlns:a14="http://schemas.microsoft.com/office/drawing/2010/main" val="0"/>
+              </a:ext>
+            </a:extLst>
+          </a:blip>
+          <a:stretch>
+            <a:fillRect/>
+          </a:stretch>
+        </p:blipFill>
+        <p:spPr>
+          <a:xfrm>
+            <a:off x="9604763" y="5169748"/>
+            <a:ext cx="430657" cy="430657"/>
+          </a:xfrm>
+          <a:prstGeom prst="rect">
+            <a:avLst/>
+          </a:prstGeom>
+        </p:spPr>
+      </p:pic>
     </p:spTree>
     <p:extLst>
       <p:ext uri="{BB962C8B-B14F-4D97-AF65-F5344CB8AC3E}">
@@ -9868,8 +14756,303 @@
                 <a:endParaRPr lang="en-US" dirty="0" smtClean="0"/>
               </a:p>
               <a:p>
+                <a:pPr>
+                  <a:lnSpc>
+                    <a:spcPct val="200000"/>
+                  </a:lnSpc>
+                </a:pPr>
                 <a:r>
                   <a:rPr lang="pt-BR" dirty="0" smtClean="0"/>
+                  <a:t>Caso Geral</a:t>
+                </a:r>
+              </a:p>
+              <a:p>
+                <a:pPr marL="0" indent="0">
+                  <a:buNone/>
+                </a:pPr>
+                <a14:m>
+                  <m:oMathPara xmlns:m="http://schemas.openxmlformats.org/officeDocument/2006/math">
+                    <m:oMathParaPr>
+                      <m:jc m:val="centerGroup"/>
+                    </m:oMathParaPr>
+                    <m:oMath xmlns:m="http://schemas.openxmlformats.org/officeDocument/2006/math">
+                      <m:r>
+                        <a:rPr lang="pt-BR" b="0" i="1" smtClean="0">
+                          <a:latin typeface="Cambria Math" panose="02040503050406030204" pitchFamily="18" charset="0"/>
+                        </a:rPr>
+                        <m:t>𝑐𝑟𝑖𝑡</m:t>
+                      </m:r>
+                      <m:r>
+                        <a:rPr lang="pt-BR" b="0" i="1" smtClean="0">
+                          <a:latin typeface="Cambria Math" panose="02040503050406030204" pitchFamily="18" charset="0"/>
+                        </a:rPr>
+                        <m:t>é</m:t>
+                      </m:r>
+                      <m:r>
+                        <a:rPr lang="pt-BR" b="0" i="1" smtClean="0">
+                          <a:latin typeface="Cambria Math" panose="02040503050406030204" pitchFamily="18" charset="0"/>
+                        </a:rPr>
+                        <m:t>𝑟𝑖𝑜</m:t>
+                      </m:r>
+                      <m:d>
+                        <m:dPr>
+                          <m:ctrlPr>
+                            <a:rPr lang="pt-BR" b="0" i="1" smtClean="0">
+                              <a:latin typeface="Cambria Math" panose="02040503050406030204" pitchFamily="18" charset="0"/>
+                            </a:rPr>
+                          </m:ctrlPr>
+                        </m:dPr>
+                        <m:e>
+                          <m:r>
+                            <a:rPr lang="pt-BR" b="0" i="1" smtClean="0">
+                              <a:latin typeface="Cambria Math" panose="02040503050406030204" pitchFamily="18" charset="0"/>
+                            </a:rPr>
+                            <m:t>𝑟𝑒𝑔𝑟𝑎</m:t>
+                          </m:r>
+                        </m:e>
+                      </m:d>
+                      <m:r>
+                        <a:rPr lang="pt-BR" b="0" i="1" smtClean="0">
+                          <a:latin typeface="Cambria Math" panose="02040503050406030204" pitchFamily="18" charset="0"/>
+                          <a:ea typeface="Cambria Math" panose="02040503050406030204" pitchFamily="18" charset="0"/>
+                        </a:rPr>
+                        <m:t>→#</m:t>
+                      </m:r>
+                      <m:r>
+                        <a:rPr lang="pt-BR" b="0" i="1" smtClean="0">
+                          <a:latin typeface="Cambria Math" panose="02040503050406030204" pitchFamily="18" charset="0"/>
+                          <a:ea typeface="Cambria Math" panose="02040503050406030204" pitchFamily="18" charset="0"/>
+                        </a:rPr>
+                        <m:t>𝑜𝑐𝑜𝑟𝑟</m:t>
+                      </m:r>
+                      <m:r>
+                        <a:rPr lang="pt-BR" b="0" i="1" smtClean="0">
+                          <a:latin typeface="Cambria Math" panose="02040503050406030204" pitchFamily="18" charset="0"/>
+                          <a:ea typeface="Cambria Math" panose="02040503050406030204" pitchFamily="18" charset="0"/>
+                        </a:rPr>
+                        <m:t>ê</m:t>
+                      </m:r>
+                      <m:r>
+                        <a:rPr lang="pt-BR" b="0" i="1" smtClean="0">
+                          <a:latin typeface="Cambria Math" panose="02040503050406030204" pitchFamily="18" charset="0"/>
+                          <a:ea typeface="Cambria Math" panose="02040503050406030204" pitchFamily="18" charset="0"/>
+                        </a:rPr>
+                        <m:t>𝑛𝑐𝑖𝑎𝑠</m:t>
+                      </m:r>
+                      <m:r>
+                        <a:rPr lang="pt-BR" b="0" i="1" smtClean="0">
+                          <a:latin typeface="Cambria Math" panose="02040503050406030204" pitchFamily="18" charset="0"/>
+                          <a:ea typeface="Cambria Math" panose="02040503050406030204" pitchFamily="18" charset="0"/>
+                        </a:rPr>
+                        <m:t>∗</m:t>
+                      </m:r>
+                      <m:r>
+                        <a:rPr lang="pt-BR" b="0" i="1" smtClean="0">
+                          <a:latin typeface="Cambria Math" panose="02040503050406030204" pitchFamily="18" charset="0"/>
+                          <a:ea typeface="Cambria Math" panose="02040503050406030204" pitchFamily="18" charset="0"/>
+                        </a:rPr>
+                        <m:t>𝑝𝑒𝑠𝑜</m:t>
+                      </m:r>
+                    </m:oMath>
+                  </m:oMathPara>
+                </a14:m>
+                <a:endParaRPr lang="pt-BR" dirty="0" smtClean="0"/>
+              </a:p>
+            </p:txBody>
+          </p:sp>
+        </mc:Choice>
+        <mc:Fallback xmlns="">
+          <p:sp>
+            <p:nvSpPr>
+              <p:cNvPr id="5" name="Espaço Reservado para Conteúdo 2"/>
+              <p:cNvSpPr>
+                <a:spLocks noGrp="1" noRot="1" noChangeAspect="1" noMove="1" noResize="1" noEditPoints="1" noAdjustHandles="1" noChangeArrowheads="1" noChangeShapeType="1" noTextEdit="1"/>
+              </p:cNvSpPr>
+              <p:nvPr>
+                <p:ph idx="1"/>
+              </p:nvPr>
+            </p:nvSpPr>
+            <p:spPr>
+              <a:xfrm>
+                <a:off x="886326" y="670594"/>
+                <a:ext cx="10515600" cy="4351338"/>
+              </a:xfrm>
+              <a:blipFill>
+                <a:blip r:embed="rId3"/>
+                <a:stretch>
+                  <a:fillRect l="-1043" t="-2241"/>
+                </a:stretch>
+              </a:blipFill>
+            </p:spPr>
+            <p:txBody>
+              <a:bodyPr/>
+              <a:lstStyle/>
+              <a:p>
+                <a:r>
+                  <a:rPr lang="en-US">
+                    <a:noFill/>
+                  </a:rPr>
+                  <a:t> </a:t>
+                </a:r>
+              </a:p>
+            </p:txBody>
+          </p:sp>
+        </mc:Fallback>
+      </mc:AlternateContent>
+      <p:sp>
+        <p:nvSpPr>
+          <p:cNvPr id="6" name="Retângulo 5"/>
+          <p:cNvSpPr/>
+          <p:nvPr/>
+        </p:nvSpPr>
+        <p:spPr>
+          <a:xfrm>
+            <a:off x="0" y="5829693"/>
+            <a:ext cx="12192000" cy="904875"/>
+          </a:xfrm>
+          <a:prstGeom prst="rect">
+            <a:avLst/>
+          </a:prstGeom>
+        </p:spPr>
+        <p:style>
+          <a:lnRef idx="2">
+            <a:schemeClr val="dk1">
+              <a:shade val="50000"/>
+            </a:schemeClr>
+          </a:lnRef>
+          <a:fillRef idx="1">
+            <a:schemeClr val="dk1"/>
+          </a:fillRef>
+          <a:effectRef idx="0">
+            <a:schemeClr val="dk1"/>
+          </a:effectRef>
+          <a:fontRef idx="minor">
+            <a:schemeClr val="lt1"/>
+          </a:fontRef>
+        </p:style>
+        <p:txBody>
+          <a:bodyPr rtlCol="0" anchor="ctr"/>
+          <a:lstStyle/>
+          <a:p>
+            <a:r>
+              <a:rPr lang="pt-BR" sz="4400" dirty="0" smtClean="0"/>
+              <a:t>          Criação </a:t>
+            </a:r>
+            <a:r>
+              <a:rPr lang="pt-BR" sz="4400" dirty="0"/>
+              <a:t>da Métrica</a:t>
+            </a:r>
+            <a:endParaRPr lang="en-US" sz="4400" dirty="0"/>
+          </a:p>
+        </p:txBody>
+      </p:sp>
+      <p:pic>
+        <p:nvPicPr>
+          <p:cNvPr id="7" name="Imagem 6"/>
+          <p:cNvPicPr>
+            <a:picLocks noChangeAspect="1"/>
+          </p:cNvPicPr>
+          <p:nvPr/>
+        </p:nvPicPr>
+        <p:blipFill>
+          <a:blip r:embed="rId4" cstate="print">
+            <a:extLst>
+              <a:ext uri="{28A0092B-C50C-407E-A947-70E740481C1C}">
+                <a14:useLocalDpi xmlns:a14="http://schemas.microsoft.com/office/drawing/2010/main" val="0"/>
+              </a:ext>
+            </a:extLst>
+          </a:blip>
+          <a:stretch>
+            <a:fillRect/>
+          </a:stretch>
+        </p:blipFill>
+        <p:spPr>
+          <a:xfrm>
+            <a:off x="208547" y="5800866"/>
+            <a:ext cx="962527" cy="962527"/>
+          </a:xfrm>
+          <a:prstGeom prst="rect">
+            <a:avLst/>
+          </a:prstGeom>
+        </p:spPr>
+      </p:pic>
+    </p:spTree>
+    <p:extLst>
+      <p:ext uri="{BB962C8B-B14F-4D97-AF65-F5344CB8AC3E}">
+        <p14:creationId xmlns:p14="http://schemas.microsoft.com/office/powerpoint/2010/main" val="1841434438"/>
+      </p:ext>
+    </p:extLst>
+  </p:cSld>
+  <p:clrMapOvr>
+    <a:masterClrMapping/>
+  </p:clrMapOvr>
+  <p:timing>
+    <p:tnLst>
+      <p:par>
+        <p:cTn id="1" dur="indefinite" restart="never" nodeType="tmRoot"/>
+      </p:par>
+    </p:tnLst>
+  </p:timing>
+</p:sld>
+</file>
+
+<file path=ppt/slides/slide17.xml><?xml version="1.0" encoding="utf-8"?>
+<p:sld xmlns:a="http://schemas.openxmlformats.org/drawingml/2006/main" xmlns:r="http://schemas.openxmlformats.org/officeDocument/2006/relationships" xmlns:p="http://schemas.openxmlformats.org/presentationml/2006/main">
+  <p:cSld>
+    <p:spTree>
+      <p:nvGrpSpPr>
+        <p:cNvPr id="1" name=""/>
+        <p:cNvGrpSpPr/>
+        <p:nvPr/>
+      </p:nvGrpSpPr>
+      <p:grpSpPr>
+        <a:xfrm>
+          <a:off x="0" y="0"/>
+          <a:ext cx="0" cy="0"/>
+          <a:chOff x="0" y="0"/>
+          <a:chExt cx="0" cy="0"/>
+        </a:xfrm>
+      </p:grpSpPr>
+      <mc:AlternateContent xmlns:mc="http://schemas.openxmlformats.org/markup-compatibility/2006" xmlns:a14="http://schemas.microsoft.com/office/drawing/2010/main">
+        <mc:Choice Requires="a14">
+          <p:sp>
+            <p:nvSpPr>
+              <p:cNvPr id="5" name="Espaço Reservado para Conteúdo 2"/>
+              <p:cNvSpPr>
+                <a:spLocks noGrp="1"/>
+              </p:cNvSpPr>
+              <p:nvPr>
+                <p:ph idx="1"/>
+              </p:nvPr>
+            </p:nvSpPr>
+            <p:spPr>
+              <a:xfrm>
+                <a:off x="886326" y="670594"/>
+                <a:ext cx="10515600" cy="5130272"/>
+              </a:xfrm>
+            </p:spPr>
+            <p:txBody>
+              <a:bodyPr>
+                <a:normAutofit/>
+              </a:bodyPr>
+              <a:lstStyle/>
+              <a:p>
+                <a:r>
+                  <a:rPr lang="pt-BR" dirty="0" smtClean="0"/>
+                  <a:t>Casos especiais:</a:t>
+                </a:r>
+                <a:endParaRPr lang="en-US" dirty="0" smtClean="0"/>
+              </a:p>
+              <a:p>
+                <a:pPr lvl="1">
+                  <a:lnSpc>
+                    <a:spcPct val="100000"/>
+                  </a:lnSpc>
+                  <a:buFont typeface="Courier New" panose="02070309020205020404" pitchFamily="49" charset="0"/>
+                  <a:buChar char="o"/>
+                </a:pPr>
+                <a:r>
+                  <a:rPr lang="pt-BR" sz="2800" dirty="0" smtClean="0"/>
                   <a:t>Seletores aninhados e Agrupamento de elementos</a:t>
                 </a:r>
               </a:p>
@@ -10008,8 +15191,15 @@
                 <a:endParaRPr lang="pt-BR" dirty="0" smtClean="0"/>
               </a:p>
               <a:p>
+                <a:pPr lvl="1">
+                  <a:lnSpc>
+                    <a:spcPct val="100000"/>
+                  </a:lnSpc>
+                  <a:buFont typeface="Courier New" panose="02070309020205020404" pitchFamily="49" charset="0"/>
+                  <a:buChar char="o"/>
+                </a:pPr>
                 <a:r>
-                  <a:rPr lang="pt-BR" dirty="0" smtClean="0"/>
+                  <a:rPr lang="pt-BR" sz="2800" dirty="0" smtClean="0"/>
                   <a:t>Complexidade do Seletor</a:t>
                 </a:r>
               </a:p>
@@ -10128,6 +15318,186 @@
                 </a14:m>
                 <a:endParaRPr lang="pt-BR" dirty="0" smtClean="0"/>
               </a:p>
+              <a:p>
+                <a:pPr lvl="1">
+                  <a:lnSpc>
+                    <a:spcPct val="150000"/>
+                  </a:lnSpc>
+                  <a:buFont typeface="Courier New" panose="02070309020205020404" pitchFamily="49" charset="0"/>
+                  <a:buChar char="o"/>
+                </a:pPr>
+                <a:r>
+                  <a:rPr lang="pt-BR" sz="2800" dirty="0" smtClean="0"/>
+                  <a:t>Seletores com 35 ou mais caracteres</a:t>
+                </a:r>
+              </a:p>
+              <a:p>
+                <a:pPr marL="457200" lvl="1" indent="0">
+                  <a:buNone/>
+                </a:pPr>
+                <a14:m>
+                  <m:oMathPara xmlns:m="http://schemas.openxmlformats.org/officeDocument/2006/math">
+                    <m:oMathParaPr>
+                      <m:jc m:val="centerGroup"/>
+                    </m:oMathParaPr>
+                    <m:oMath xmlns:m="http://schemas.openxmlformats.org/officeDocument/2006/math">
+                      <m:r>
+                        <a:rPr lang="pt-BR" b="0" i="1" smtClean="0">
+                          <a:latin typeface="Cambria Math" panose="02040503050406030204" pitchFamily="18" charset="0"/>
+                        </a:rPr>
+                        <m:t>𝑐𝑟𝑖𝑡</m:t>
+                      </m:r>
+                      <m:r>
+                        <a:rPr lang="pt-BR" b="0" i="1" smtClean="0">
+                          <a:latin typeface="Cambria Math" panose="02040503050406030204" pitchFamily="18" charset="0"/>
+                        </a:rPr>
+                        <m:t>é</m:t>
+                      </m:r>
+                      <m:r>
+                        <a:rPr lang="pt-BR" b="0" i="1" smtClean="0">
+                          <a:latin typeface="Cambria Math" panose="02040503050406030204" pitchFamily="18" charset="0"/>
+                        </a:rPr>
+                        <m:t>𝑟𝑖𝑜</m:t>
+                      </m:r>
+                      <m:r>
+                        <a:rPr lang="pt-BR" b="0" i="1" smtClean="0">
+                          <a:latin typeface="Cambria Math" panose="02040503050406030204" pitchFamily="18" charset="0"/>
+                        </a:rPr>
+                        <m:t>(</m:t>
+                      </m:r>
+                      <m:r>
+                        <a:rPr lang="pt-BR" b="0" i="1" smtClean="0">
+                          <a:latin typeface="Cambria Math" panose="02040503050406030204" pitchFamily="18" charset="0"/>
+                        </a:rPr>
+                        <m:t>𝑟𝑒𝑔𝑟𝑎</m:t>
+                      </m:r>
+                      <m:r>
+                        <a:rPr lang="pt-BR" b="0" i="1" smtClean="0">
+                          <a:latin typeface="Cambria Math" panose="02040503050406030204" pitchFamily="18" charset="0"/>
+                        </a:rPr>
+                        <m:t>)→</m:t>
+                      </m:r>
+                      <m:d>
+                        <m:dPr>
+                          <m:begChr m:val="{"/>
+                          <m:endChr m:val=""/>
+                          <m:ctrlPr>
+                            <a:rPr lang="pt-BR" b="0" i="1" smtClean="0">
+                              <a:latin typeface="Cambria Math" panose="02040503050406030204" pitchFamily="18" charset="0"/>
+                            </a:rPr>
+                          </m:ctrlPr>
+                        </m:dPr>
+                        <m:e>
+                          <m:m>
+                            <m:mPr>
+                              <m:mcs>
+                                <m:mc>
+                                  <m:mcPr>
+                                    <m:count m:val="1"/>
+                                    <m:mcJc m:val="center"/>
+                                  </m:mcPr>
+                                </m:mc>
+                              </m:mcs>
+                              <m:ctrlPr>
+                                <a:rPr lang="pt-BR" b="0" i="1" smtClean="0">
+                                  <a:latin typeface="Cambria Math" panose="02040503050406030204" pitchFamily="18" charset="0"/>
+                                </a:rPr>
+                              </m:ctrlPr>
+                            </m:mPr>
+                            <m:mr>
+                              <m:e>
+                                <m:r>
+                                  <a:rPr lang="pt-BR" b="0" i="1" smtClean="0">
+                                    <a:latin typeface="Cambria Math" panose="02040503050406030204" pitchFamily="18" charset="0"/>
+                                  </a:rPr>
+                                  <m:t>𝑝𝑒𝑠𝑜</m:t>
+                                </m:r>
+                                <m:r>
+                                  <a:rPr lang="pt-BR" i="1">
+                                    <a:latin typeface="Cambria Math" panose="02040503050406030204" pitchFamily="18" charset="0"/>
+                                  </a:rPr>
+                                  <m:t>, </m:t>
+                                </m:r>
+                                <m:r>
+                                  <a:rPr lang="pt-BR" b="0" i="1" smtClean="0">
+                                    <a:latin typeface="Cambria Math" panose="02040503050406030204" pitchFamily="18" charset="0"/>
+                                  </a:rPr>
+                                  <m:t> </m:t>
+                                </m:r>
+                                <m:r>
+                                  <a:rPr lang="pt-BR" i="1">
+                                    <a:latin typeface="Cambria Math" panose="02040503050406030204" pitchFamily="18" charset="0"/>
+                                  </a:rPr>
+                                  <m:t>𝑠𝑒</m:t>
+                                </m:r>
+                                <m:r>
+                                  <a:rPr lang="pt-BR" b="0" i="1" smtClean="0">
+                                    <a:latin typeface="Cambria Math" panose="02040503050406030204" pitchFamily="18" charset="0"/>
+                                  </a:rPr>
+                                  <m:t> </m:t>
+                                </m:r>
+                                <m:r>
+                                  <a:rPr lang="pt-BR" i="1">
+                                    <a:latin typeface="Cambria Math" panose="02040503050406030204" pitchFamily="18" charset="0"/>
+                                  </a:rPr>
+                                  <m:t>𝑥</m:t>
+                                </m:r>
+                                <m:r>
+                                  <a:rPr lang="pt-BR" i="1">
+                                    <a:latin typeface="Cambria Math" panose="02040503050406030204" pitchFamily="18" charset="0"/>
+                                  </a:rPr>
+                                  <m:t>≥35</m:t>
+                                </m:r>
+                              </m:e>
+                            </m:mr>
+                            <m:mr>
+                              <m:e>
+                                <m:r>
+                                  <a:rPr lang="pt-BR" i="1">
+                                    <a:latin typeface="Cambria Math" panose="02040503050406030204" pitchFamily="18" charset="0"/>
+                                  </a:rPr>
+                                  <m:t>0, </m:t>
+                                </m:r>
+                                <m:r>
+                                  <a:rPr lang="pt-BR" b="0" i="1" smtClean="0">
+                                    <a:latin typeface="Cambria Math" panose="02040503050406030204" pitchFamily="18" charset="0"/>
+                                  </a:rPr>
+                                  <m:t> </m:t>
+                                </m:r>
+                                <m:r>
+                                  <a:rPr lang="pt-BR" i="1">
+                                    <a:latin typeface="Cambria Math" panose="02040503050406030204" pitchFamily="18" charset="0"/>
+                                  </a:rPr>
+                                  <m:t>𝑠𝑒</m:t>
+                                </m:r>
+                                <m:r>
+                                  <a:rPr lang="pt-BR" b="0" i="1" smtClean="0">
+                                    <a:latin typeface="Cambria Math" panose="02040503050406030204" pitchFamily="18" charset="0"/>
+                                  </a:rPr>
+                                  <m:t> </m:t>
+                                </m:r>
+                                <m:r>
+                                  <a:rPr lang="pt-BR" i="1">
+                                    <a:latin typeface="Cambria Math" panose="02040503050406030204" pitchFamily="18" charset="0"/>
+                                  </a:rPr>
+                                  <m:t>𝑥</m:t>
+                                </m:r>
+                                <m:r>
+                                  <a:rPr lang="pt-BR" i="1">
+                                    <a:latin typeface="Cambria Math" panose="02040503050406030204" pitchFamily="18" charset="0"/>
+                                  </a:rPr>
+                                  <m:t>&lt;35</m:t>
+                                </m:r>
+                              </m:e>
+                            </m:mr>
+                          </m:m>
+                        </m:e>
+                      </m:d>
+                    </m:oMath>
+                  </m:oMathPara>
+                </a14:m>
+                <a:endParaRPr lang="pt-BR" dirty="0" smtClean="0"/>
+              </a:p>
             </p:txBody>
           </p:sp>
         </mc:Choice>
@@ -10145,12 +15515,12 @@
             <p:spPr>
               <a:xfrm>
                 <a:off x="886326" y="670594"/>
-                <a:ext cx="10515600" cy="4351338"/>
+                <a:ext cx="10515600" cy="5130272"/>
               </a:xfrm>
               <a:blipFill>
                 <a:blip r:embed="rId3"/>
                 <a:stretch>
-                  <a:fillRect l="-1043" t="-2241" b="-840"/>
+                  <a:fillRect l="-1043" t="-1900"/>
                 </a:stretch>
               </a:blipFill>
             </p:spPr>
@@ -10249,7 +15619,7 @@
     </p:spTree>
     <p:extLst>
       <p:ext uri="{BB962C8B-B14F-4D97-AF65-F5344CB8AC3E}">
-        <p14:creationId xmlns:p14="http://schemas.microsoft.com/office/powerpoint/2010/main" val="1841434438"/>
+        <p14:creationId xmlns:p14="http://schemas.microsoft.com/office/powerpoint/2010/main" val="1226292897"/>
       </p:ext>
     </p:extLst>
   </p:cSld>
@@ -10266,7 +15636,7 @@
 </p:sld>
 </file>
 
-<file path=ppt/slides/slide17.xml><?xml version="1.0" encoding="utf-8"?>
+<file path=ppt/slides/slide18.xml><?xml version="1.0" encoding="utf-8"?>
 <p:sld xmlns:a="http://schemas.openxmlformats.org/drawingml/2006/main" xmlns:r="http://schemas.openxmlformats.org/officeDocument/2006/relationships" xmlns:p="http://schemas.openxmlformats.org/presentationml/2006/main">
   <p:cSld>
     <p:spTree>
@@ -10384,65 +15754,80 @@
           </a:p>
         </p:txBody>
       </p:sp>
-      <p:pic>
-        <p:nvPicPr>
-          <p:cNvPr id="2" name="Imagem 1"/>
-          <p:cNvPicPr>
-            <a:picLocks noChangeAspect="1"/>
-          </p:cNvPicPr>
+      <p:grpSp>
+        <p:nvGrpSpPr>
+          <p:cNvPr id="7" name="Agrupar 6"/>
+          <p:cNvGrpSpPr/>
           <p:nvPr/>
-        </p:nvPicPr>
-        <p:blipFill>
-          <a:blip r:embed="rId3" cstate="print">
-            <a:extLst>
-              <a:ext uri="{28A0092B-C50C-407E-A947-70E740481C1C}">
-                <a14:useLocalDpi xmlns:a14="http://schemas.microsoft.com/office/drawing/2010/main" val="0"/>
-              </a:ext>
-            </a:extLst>
-          </a:blip>
-          <a:stretch>
-            <a:fillRect/>
-          </a:stretch>
-        </p:blipFill>
-        <p:spPr>
+        </p:nvGrpSpPr>
+        <p:grpSpPr>
           <a:xfrm>
             <a:off x="5063063" y="578612"/>
-            <a:ext cx="6824135" cy="4086787"/>
+            <a:ext cx="6824135" cy="4815880"/>
+            <a:chOff x="5063063" y="578612"/>
+            <a:chExt cx="6824135" cy="4815880"/>
           </a:xfrm>
-          <a:prstGeom prst="rect">
-            <a:avLst/>
-          </a:prstGeom>
-        </p:spPr>
-      </p:pic>
-      <p:sp>
-        <p:nvSpPr>
-          <p:cNvPr id="6" name="CaixaDeTexto 5"/>
-          <p:cNvSpPr txBox="1"/>
-          <p:nvPr/>
-        </p:nvSpPr>
-        <p:spPr>
-          <a:xfrm>
-            <a:off x="7641921" y="5086715"/>
-            <a:ext cx="1666418" cy="307777"/>
-          </a:xfrm>
-          <a:prstGeom prst="rect">
-            <a:avLst/>
-          </a:prstGeom>
-          <a:noFill/>
-        </p:spPr>
-        <p:txBody>
-          <a:bodyPr wrap="none" rtlCol="0">
-            <a:spAutoFit/>
-          </a:bodyPr>
-          <a:lstStyle/>
-          <a:p>
-            <a:r>
-              <a:rPr lang="pt-BR" sz="1400" dirty="0" smtClean="0"/>
-              <a:t>Fonte: Próprio autor</a:t>
-            </a:r>
-          </a:p>
-        </p:txBody>
-      </p:sp>
+        </p:grpSpPr>
+        <p:pic>
+          <p:nvPicPr>
+            <p:cNvPr id="2" name="Imagem 1"/>
+            <p:cNvPicPr>
+              <a:picLocks noChangeAspect="1"/>
+            </p:cNvPicPr>
+            <p:nvPr/>
+          </p:nvPicPr>
+          <p:blipFill>
+            <a:blip r:embed="rId3" cstate="print">
+              <a:extLst>
+                <a:ext uri="{28A0092B-C50C-407E-A947-70E740481C1C}">
+                  <a14:useLocalDpi xmlns:a14="http://schemas.microsoft.com/office/drawing/2010/main" val="0"/>
+                </a:ext>
+              </a:extLst>
+            </a:blip>
+            <a:stretch>
+              <a:fillRect/>
+            </a:stretch>
+          </p:blipFill>
+          <p:spPr>
+            <a:xfrm>
+              <a:off x="5063063" y="578612"/>
+              <a:ext cx="6824135" cy="4086787"/>
+            </a:xfrm>
+            <a:prstGeom prst="rect">
+              <a:avLst/>
+            </a:prstGeom>
+          </p:spPr>
+        </p:pic>
+        <p:sp>
+          <p:nvSpPr>
+            <p:cNvPr id="6" name="CaixaDeTexto 5"/>
+            <p:cNvSpPr txBox="1"/>
+            <p:nvPr/>
+          </p:nvSpPr>
+          <p:spPr>
+            <a:xfrm>
+              <a:off x="7641921" y="5086715"/>
+              <a:ext cx="1666418" cy="307777"/>
+            </a:xfrm>
+            <a:prstGeom prst="rect">
+              <a:avLst/>
+            </a:prstGeom>
+            <a:noFill/>
+          </p:spPr>
+          <p:txBody>
+            <a:bodyPr wrap="none" rtlCol="0">
+              <a:spAutoFit/>
+            </a:bodyPr>
+            <a:lstStyle/>
+            <a:p>
+              <a:r>
+                <a:rPr lang="pt-BR" sz="1400" dirty="0" smtClean="0"/>
+                <a:t>Fonte: Próprio autor</a:t>
+              </a:r>
+            </a:p>
+          </p:txBody>
+        </p:sp>
+      </p:grpSp>
       <p:pic>
         <p:nvPicPr>
           <p:cNvPr id="3" name="Imagem 2"/>
@@ -10486,14 +15871,95 @@
   <p:timing>
     <p:tnLst>
       <p:par>
-        <p:cTn id="1" dur="indefinite" restart="never" nodeType="tmRoot"/>
+        <p:cTn id="1" dur="indefinite" restart="never" nodeType="tmRoot">
+          <p:childTnLst>
+            <p:seq concurrent="1" nextAc="seek">
+              <p:cTn id="2" dur="indefinite" nodeType="mainSeq">
+                <p:childTnLst>
+                  <p:par>
+                    <p:cTn id="3" fill="hold">
+                      <p:stCondLst>
+                        <p:cond delay="indefinite"/>
+                      </p:stCondLst>
+                      <p:childTnLst>
+                        <p:par>
+                          <p:cTn id="4" fill="hold">
+                            <p:stCondLst>
+                              <p:cond delay="0"/>
+                            </p:stCondLst>
+                            <p:childTnLst>
+                              <p:par>
+                                <p:cTn id="5" presetID="42" presetClass="path" presetSubtype="0" accel="50000" decel="50000" fill="hold" nodeType="clickEffect">
+                                  <p:stCondLst>
+                                    <p:cond delay="0"/>
+                                  </p:stCondLst>
+                                  <p:childTnLst>
+                                    <p:animMotion origin="layout" path="M -2.08333E-6 3.33333E-6 L -0.17942 0.00023 " pathEditMode="relative" rAng="0" ptsTypes="AA">
+                                      <p:cBhvr>
+                                        <p:cTn id="6" dur="2000" fill="hold"/>
+                                        <p:tgtEl>
+                                          <p:spTgt spid="7"/>
+                                        </p:tgtEl>
+                                        <p:attrNameLst>
+                                          <p:attrName>ppt_x</p:attrName>
+                                          <p:attrName>ppt_y</p:attrName>
+                                        </p:attrNameLst>
+                                      </p:cBhvr>
+                                      <p:rCtr x="-8971" y="0"/>
+                                    </p:animMotion>
+                                  </p:childTnLst>
+                                </p:cTn>
+                              </p:par>
+                              <p:par>
+                                <p:cTn id="7" presetID="6" presetClass="emph" presetSubtype="0" fill="hold" nodeType="withEffect">
+                                  <p:stCondLst>
+                                    <p:cond delay="0"/>
+                                  </p:stCondLst>
+                                  <p:childTnLst>
+                                    <p:animScale>
+                                      <p:cBhvr>
+                                        <p:cTn id="8" dur="2000" fill="hold"/>
+                                        <p:tgtEl>
+                                          <p:spTgt spid="7"/>
+                                        </p:tgtEl>
+                                      </p:cBhvr>
+                                      <p:by x="150000" y="150000"/>
+                                    </p:animScale>
+                                  </p:childTnLst>
+                                </p:cTn>
+                              </p:par>
+                            </p:childTnLst>
+                          </p:cTn>
+                        </p:par>
+                      </p:childTnLst>
+                    </p:cTn>
+                  </p:par>
+                </p:childTnLst>
+              </p:cTn>
+              <p:prevCondLst>
+                <p:cond evt="onPrev" delay="0">
+                  <p:tgtEl>
+                    <p:sldTgt/>
+                  </p:tgtEl>
+                </p:cond>
+              </p:prevCondLst>
+              <p:nextCondLst>
+                <p:cond evt="onNext" delay="0">
+                  <p:tgtEl>
+                    <p:sldTgt/>
+                  </p:tgtEl>
+                </p:cond>
+              </p:nextCondLst>
+            </p:seq>
+          </p:childTnLst>
+        </p:cTn>
       </p:par>
     </p:tnLst>
   </p:timing>
 </p:sld>
 </file>
 
-<file path=ppt/slides/slide18.xml><?xml version="1.0" encoding="utf-8"?>
+<file path=ppt/slides/slide19.xml><?xml version="1.0" encoding="utf-8"?>
 <p:sld xmlns:a="http://schemas.openxmlformats.org/drawingml/2006/main" xmlns:r="http://schemas.openxmlformats.org/officeDocument/2006/relationships" xmlns:p="http://schemas.openxmlformats.org/presentationml/2006/main">
   <p:cSld>
     <p:spTree>
@@ -10531,52 +15997,89 @@
           <a:lstStyle/>
           <a:p>
             <a:r>
-              <a:rPr lang="pt-BR" dirty="0" smtClean="0"/>
+              <a:rPr lang="pt-BR" dirty="0">
+                <a:solidFill>
+                  <a:schemeClr val="bg1">
+                    <a:lumMod val="85000"/>
+                  </a:schemeClr>
+                </a:solidFill>
+              </a:rPr>
               <a:t>Identificação dos aspectos de qualidade:</a:t>
             </a:r>
           </a:p>
           <a:p>
             <a:pPr lvl="1"/>
             <a:r>
-              <a:rPr lang="pt-BR" dirty="0" smtClean="0"/>
-              <a:t>Questionário </a:t>
-            </a:r>
-            <a:r>
-              <a:rPr lang="pt-BR" dirty="0" smtClean="0"/>
-              <a:t>Exploratório: 27 respondentes</a:t>
-            </a:r>
-            <a:endParaRPr lang="pt-BR" dirty="0" smtClean="0"/>
+              <a:rPr lang="pt-BR" sz="2800" dirty="0">
+                <a:solidFill>
+                  <a:schemeClr val="bg1">
+                    <a:lumMod val="85000"/>
+                  </a:schemeClr>
+                </a:solidFill>
+              </a:rPr>
+              <a:t>Questionário Exploratório: 27 respondentes</a:t>
+            </a:r>
           </a:p>
           <a:p>
             <a:pPr marL="457200" lvl="1" indent="0">
               <a:buNone/>
             </a:pPr>
-            <a:endParaRPr lang="pt-BR" dirty="0" smtClean="0"/>
-          </a:p>
-          <a:p>
-            <a:r>
-              <a:rPr lang="pt-BR" dirty="0" smtClean="0"/>
+            <a:endParaRPr lang="pt-BR" sz="2800" dirty="0">
+              <a:solidFill>
+                <a:schemeClr val="bg1">
+                  <a:lumMod val="85000"/>
+                </a:schemeClr>
+              </a:solidFill>
+            </a:endParaRPr>
+          </a:p>
+          <a:p>
+            <a:r>
+              <a:rPr lang="pt-BR" dirty="0">
+                <a:solidFill>
+                  <a:schemeClr val="bg1">
+                    <a:lumMod val="85000"/>
+                  </a:schemeClr>
+                </a:solidFill>
+              </a:rPr>
               <a:t>Proposta da Métrica:</a:t>
             </a:r>
           </a:p>
           <a:p>
             <a:pPr lvl="1"/>
             <a:r>
-              <a:rPr lang="pt-BR" dirty="0" smtClean="0"/>
+              <a:rPr lang="pt-BR" sz="2800" dirty="0">
+                <a:solidFill>
+                  <a:schemeClr val="bg1">
+                    <a:lumMod val="85000"/>
+                  </a:schemeClr>
+                </a:solidFill>
+              </a:rPr>
               <a:t>Análise do questionário</a:t>
             </a:r>
           </a:p>
           <a:p>
             <a:pPr lvl="1"/>
             <a:r>
-              <a:rPr lang="pt-BR" dirty="0" smtClean="0"/>
+              <a:rPr lang="pt-BR" sz="2800" dirty="0">
+                <a:solidFill>
+                  <a:schemeClr val="bg1">
+                    <a:lumMod val="85000"/>
+                  </a:schemeClr>
+                </a:solidFill>
+              </a:rPr>
               <a:t>Identificação dos critérios de avaliação </a:t>
             </a:r>
           </a:p>
           <a:p>
             <a:pPr lvl="1"/>
             <a:r>
-              <a:rPr lang="pt-BR" dirty="0" smtClean="0"/>
+              <a:rPr lang="pt-BR" sz="2800" dirty="0">
+                <a:solidFill>
+                  <a:schemeClr val="bg1">
+                    <a:lumMod val="85000"/>
+                  </a:schemeClr>
+                </a:solidFill>
+              </a:rPr>
               <a:t>Construção da ferramenta de cálculo automático.</a:t>
             </a:r>
           </a:p>
@@ -10698,7 +16201,7 @@
 </p:sld>
 </file>
 
-<file path=ppt/slides/slide19.xml><?xml version="1.0" encoding="utf-8"?>
+<file path=ppt/slides/slide2.xml><?xml version="1.0" encoding="utf-8"?>
 <p:sld xmlns:a="http://schemas.openxmlformats.org/drawingml/2006/main" xmlns:r="http://schemas.openxmlformats.org/officeDocument/2006/relationships" xmlns:p="http://schemas.openxmlformats.org/presentationml/2006/main">
   <p:cSld>
     <p:spTree>
@@ -10717,6 +16220,348 @@
       </p:grpSpPr>
       <p:sp>
         <p:nvSpPr>
+          <p:cNvPr id="4" name="Retângulo 3"/>
+          <p:cNvSpPr/>
+          <p:nvPr/>
+        </p:nvSpPr>
+        <p:spPr>
+          <a:xfrm>
+            <a:off x="0" y="5812665"/>
+            <a:ext cx="12192000" cy="904875"/>
+          </a:xfrm>
+          <a:prstGeom prst="rect">
+            <a:avLst/>
+          </a:prstGeom>
+        </p:spPr>
+        <p:style>
+          <a:lnRef idx="2">
+            <a:schemeClr val="dk1">
+              <a:shade val="50000"/>
+            </a:schemeClr>
+          </a:lnRef>
+          <a:fillRef idx="1">
+            <a:schemeClr val="dk1"/>
+          </a:fillRef>
+          <a:effectRef idx="0">
+            <a:schemeClr val="dk1"/>
+          </a:effectRef>
+          <a:fontRef idx="minor">
+            <a:schemeClr val="lt1"/>
+          </a:fontRef>
+        </p:style>
+        <p:txBody>
+          <a:bodyPr rtlCol="0" anchor="ctr"/>
+          <a:lstStyle/>
+          <a:p>
+            <a:r>
+              <a:rPr lang="pt-BR" sz="4400" dirty="0" smtClean="0"/>
+              <a:t>        Contextualização</a:t>
+            </a:r>
+            <a:endParaRPr lang="en-US" sz="4400" dirty="0"/>
+          </a:p>
+        </p:txBody>
+      </p:sp>
+      <p:sp>
+        <p:nvSpPr>
+          <p:cNvPr id="3" name="Espaço Reservado para Conteúdo 2"/>
+          <p:cNvSpPr>
+            <a:spLocks noGrp="1"/>
+          </p:cNvSpPr>
+          <p:nvPr>
+            <p:ph idx="1"/>
+          </p:nvPr>
+        </p:nvSpPr>
+        <p:spPr>
+          <a:xfrm>
+            <a:off x="570605" y="801633"/>
+            <a:ext cx="10515600" cy="4351338"/>
+          </a:xfrm>
+        </p:spPr>
+        <p:txBody>
+          <a:bodyPr/>
+          <a:lstStyle/>
+          <a:p>
+            <a:r>
+              <a:rPr lang="pt-BR" dirty="0" smtClean="0"/>
+              <a:t>Surgimento da </a:t>
+            </a:r>
+            <a:r>
+              <a:rPr lang="pt-BR" b="1" i="1" dirty="0" smtClean="0"/>
+              <a:t>Web</a:t>
+            </a:r>
+            <a:r>
+              <a:rPr lang="pt-BR" i="1" dirty="0" smtClean="0"/>
+              <a:t>:</a:t>
+            </a:r>
+          </a:p>
+          <a:p>
+            <a:pPr lvl="1"/>
+            <a:r>
+              <a:rPr lang="pt-BR" dirty="0" smtClean="0"/>
+              <a:t>HTML</a:t>
+            </a:r>
+          </a:p>
+          <a:p>
+            <a:pPr lvl="1"/>
+            <a:r>
+              <a:rPr lang="pt-BR" dirty="0" smtClean="0"/>
+              <a:t>HTTP</a:t>
+            </a:r>
+          </a:p>
+          <a:p>
+            <a:pPr lvl="1"/>
+            <a:r>
+              <a:rPr lang="pt-BR" dirty="0" smtClean="0"/>
+              <a:t>Navegadores</a:t>
+            </a:r>
+          </a:p>
+          <a:p>
+            <a:pPr lvl="1"/>
+            <a:r>
+              <a:rPr lang="pt-BR" dirty="0" smtClean="0"/>
+              <a:t>Servidor</a:t>
+            </a:r>
+          </a:p>
+          <a:p>
+            <a:r>
+              <a:rPr lang="pt-BR" b="1" dirty="0"/>
+              <a:t>Padrões fundamentais</a:t>
+            </a:r>
+            <a:r>
+              <a:rPr lang="pt-BR" dirty="0"/>
+              <a:t> da </a:t>
+            </a:r>
+            <a:r>
+              <a:rPr lang="pt-BR" dirty="0" smtClean="0"/>
+              <a:t>W3C:</a:t>
+            </a:r>
+          </a:p>
+          <a:p>
+            <a:pPr lvl="1"/>
+            <a:r>
+              <a:rPr lang="pt-BR" dirty="0" smtClean="0"/>
+              <a:t>HTML</a:t>
+            </a:r>
+          </a:p>
+          <a:p>
+            <a:pPr lvl="1"/>
+            <a:r>
+              <a:rPr lang="pt-BR" dirty="0" err="1" smtClean="0"/>
+              <a:t>JavaScript</a:t>
+            </a:r>
+            <a:endParaRPr lang="pt-BR" dirty="0" smtClean="0"/>
+          </a:p>
+          <a:p>
+            <a:pPr lvl="1"/>
+            <a:r>
+              <a:rPr lang="pt-BR" dirty="0" smtClean="0"/>
+              <a:t>CSS</a:t>
+            </a:r>
+            <a:endParaRPr lang="pt-BR" dirty="0"/>
+          </a:p>
+        </p:txBody>
+      </p:sp>
+      <p:pic>
+        <p:nvPicPr>
+          <p:cNvPr id="5" name="Imagem 4"/>
+          <p:cNvPicPr>
+            <a:picLocks noChangeAspect="1"/>
+          </p:cNvPicPr>
+          <p:nvPr/>
+        </p:nvPicPr>
+        <p:blipFill>
+          <a:blip r:embed="rId3" cstate="print">
+            <a:extLst>
+              <a:ext uri="{28A0092B-C50C-407E-A947-70E740481C1C}">
+                <a14:useLocalDpi xmlns:a14="http://schemas.microsoft.com/office/drawing/2010/main" val="0"/>
+              </a:ext>
+            </a:extLst>
+          </a:blip>
+          <a:stretch>
+            <a:fillRect/>
+          </a:stretch>
+        </p:blipFill>
+        <p:spPr>
+          <a:xfrm>
+            <a:off x="6345440" y="1426853"/>
+            <a:ext cx="2336796" cy="3190310"/>
+          </a:xfrm>
+          <a:prstGeom prst="rect">
+            <a:avLst/>
+          </a:prstGeom>
+        </p:spPr>
+      </p:pic>
+      <p:pic>
+        <p:nvPicPr>
+          <p:cNvPr id="6" name="Imagem 5"/>
+          <p:cNvPicPr>
+            <a:picLocks noChangeAspect="1"/>
+          </p:cNvPicPr>
+          <p:nvPr/>
+        </p:nvPicPr>
+        <p:blipFill>
+          <a:blip r:embed="rId4" cstate="print">
+            <a:extLst>
+              <a:ext uri="{28A0092B-C50C-407E-A947-70E740481C1C}">
+                <a14:useLocalDpi xmlns:a14="http://schemas.microsoft.com/office/drawing/2010/main" val="0"/>
+              </a:ext>
+            </a:extLst>
+          </a:blip>
+          <a:stretch>
+            <a:fillRect/>
+          </a:stretch>
+        </p:blipFill>
+        <p:spPr>
+          <a:xfrm>
+            <a:off x="9469647" y="1426853"/>
+            <a:ext cx="2151748" cy="3226480"/>
+          </a:xfrm>
+          <a:prstGeom prst="rect">
+            <a:avLst/>
+          </a:prstGeom>
+        </p:spPr>
+      </p:pic>
+      <p:sp>
+        <p:nvSpPr>
+          <p:cNvPr id="9" name="CaixaDeTexto 8"/>
+          <p:cNvSpPr txBox="1"/>
+          <p:nvPr/>
+        </p:nvSpPr>
+        <p:spPr>
+          <a:xfrm>
+            <a:off x="6727055" y="4653333"/>
+            <a:ext cx="1709045" cy="369332"/>
+          </a:xfrm>
+          <a:prstGeom prst="rect">
+            <a:avLst/>
+          </a:prstGeom>
+          <a:noFill/>
+        </p:spPr>
+        <p:txBody>
+          <a:bodyPr wrap="square" rtlCol="0">
+            <a:spAutoFit/>
+          </a:bodyPr>
+          <a:lstStyle/>
+          <a:p>
+            <a:r>
+              <a:rPr lang="pt-BR" dirty="0" smtClean="0"/>
+              <a:t>Tim Berners-Lee</a:t>
+            </a:r>
+            <a:endParaRPr lang="en-US" dirty="0"/>
+          </a:p>
+        </p:txBody>
+      </p:sp>
+      <p:sp>
+        <p:nvSpPr>
+          <p:cNvPr id="10" name="CaixaDeTexto 9"/>
+          <p:cNvSpPr txBox="1"/>
+          <p:nvPr/>
+        </p:nvSpPr>
+        <p:spPr>
+          <a:xfrm>
+            <a:off x="9887256" y="4653333"/>
+            <a:ext cx="1709045" cy="369332"/>
+          </a:xfrm>
+          <a:prstGeom prst="rect">
+            <a:avLst/>
+          </a:prstGeom>
+          <a:noFill/>
+        </p:spPr>
+        <p:txBody>
+          <a:bodyPr wrap="square" rtlCol="0">
+            <a:spAutoFit/>
+          </a:bodyPr>
+          <a:lstStyle/>
+          <a:p>
+            <a:r>
+              <a:rPr lang="pt-BR" dirty="0" err="1"/>
+              <a:t>Håkon</a:t>
+            </a:r>
+            <a:r>
+              <a:rPr lang="pt-BR" dirty="0"/>
+              <a:t> </a:t>
+            </a:r>
+            <a:r>
+              <a:rPr lang="pt-BR" dirty="0" err="1"/>
+              <a:t>Wium</a:t>
+            </a:r>
+            <a:r>
+              <a:rPr lang="pt-BR" dirty="0"/>
+              <a:t> Lie</a:t>
+            </a:r>
+            <a:endParaRPr lang="en-US" dirty="0"/>
+          </a:p>
+        </p:txBody>
+      </p:sp>
+      <p:pic>
+        <p:nvPicPr>
+          <p:cNvPr id="11" name="Imagem 10"/>
+          <p:cNvPicPr>
+            <a:picLocks noChangeAspect="1"/>
+          </p:cNvPicPr>
+          <p:nvPr/>
+        </p:nvPicPr>
+        <p:blipFill>
+          <a:blip r:embed="rId5" cstate="print">
+            <a:extLst>
+              <a:ext uri="{28A0092B-C50C-407E-A947-70E740481C1C}">
+                <a14:useLocalDpi xmlns:a14="http://schemas.microsoft.com/office/drawing/2010/main" val="0"/>
+              </a:ext>
+            </a:extLst>
+          </a:blip>
+          <a:stretch>
+            <a:fillRect/>
+          </a:stretch>
+        </p:blipFill>
+        <p:spPr>
+          <a:xfrm>
+            <a:off x="167645" y="5865822"/>
+            <a:ext cx="805920" cy="798560"/>
+          </a:xfrm>
+          <a:prstGeom prst="rect">
+            <a:avLst/>
+          </a:prstGeom>
+        </p:spPr>
+      </p:pic>
+    </p:spTree>
+    <p:extLst>
+      <p:ext uri="{BB962C8B-B14F-4D97-AF65-F5344CB8AC3E}">
+        <p14:creationId xmlns:p14="http://schemas.microsoft.com/office/powerpoint/2010/main" val="2943936271"/>
+      </p:ext>
+    </p:extLst>
+  </p:cSld>
+  <p:clrMapOvr>
+    <a:masterClrMapping/>
+  </p:clrMapOvr>
+  <p:timing>
+    <p:tnLst>
+      <p:par>
+        <p:cTn id="1" dur="indefinite" restart="never" nodeType="tmRoot"/>
+      </p:par>
+    </p:tnLst>
+  </p:timing>
+</p:sld>
+</file>
+
+<file path=ppt/slides/slide20.xml><?xml version="1.0" encoding="utf-8"?>
+<p:sld xmlns:a="http://schemas.openxmlformats.org/drawingml/2006/main" xmlns:r="http://schemas.openxmlformats.org/officeDocument/2006/relationships" xmlns:p="http://schemas.openxmlformats.org/presentationml/2006/main">
+  <p:cSld>
+    <p:spTree>
+      <p:nvGrpSpPr>
+        <p:cNvPr id="1" name=""/>
+        <p:cNvGrpSpPr/>
+        <p:nvPr/>
+      </p:nvGrpSpPr>
+      <p:grpSpPr>
+        <a:xfrm>
+          <a:off x="0" y="0"/>
+          <a:ext cx="0" cy="0"/>
+          <a:chOff x="0" y="0"/>
+          <a:chExt cx="0" cy="0"/>
+        </a:xfrm>
+      </p:grpSpPr>
+      <p:sp>
+        <p:nvSpPr>
           <p:cNvPr id="5" name="Espaço Reservado para Conteúdo 2"/>
           <p:cNvSpPr>
             <a:spLocks noGrp="1"/>
@@ -10757,6 +16602,21 @@
               </a:rPr>
               <a:t>Jenkins</a:t>
             </a:r>
+          </a:p>
+          <a:p>
+            <a:pPr marL="971550" lvl="1" indent="-514350">
+              <a:buFont typeface="+mj-lt"/>
+              <a:buAutoNum type="arabicPeriod"/>
+            </a:pPr>
+            <a:r>
+              <a:rPr lang="pt-BR" dirty="0" smtClean="0"/>
+              <a:t>Open </a:t>
+            </a:r>
+            <a:r>
+              <a:rPr lang="pt-BR" dirty="0" err="1" smtClean="0"/>
+              <a:t>Source</a:t>
+            </a:r>
+            <a:endParaRPr lang="pt-BR" dirty="0" smtClean="0"/>
           </a:p>
           <a:p>
             <a:pPr marL="971550" lvl="1" indent="-514350">
@@ -10962,7 +16822,7 @@
 </p:sld>
 </file>
 
-<file path=ppt/slides/slide2.xml><?xml version="1.0" encoding="utf-8"?>
+<file path=ppt/slides/slide21.xml><?xml version="1.0" encoding="utf-8"?>
 <p:sld xmlns:a="http://schemas.openxmlformats.org/drawingml/2006/main" xmlns:r="http://schemas.openxmlformats.org/officeDocument/2006/relationships" xmlns:p="http://schemas.openxmlformats.org/presentationml/2006/main">
   <p:cSld>
     <p:spTree>
@@ -10981,298 +16841,6 @@
       </p:grpSpPr>
       <p:sp>
         <p:nvSpPr>
-          <p:cNvPr id="4" name="Retângulo 3"/>
-          <p:cNvSpPr/>
-          <p:nvPr/>
-        </p:nvSpPr>
-        <p:spPr>
-          <a:xfrm>
-            <a:off x="0" y="5812665"/>
-            <a:ext cx="12192000" cy="904875"/>
-          </a:xfrm>
-          <a:prstGeom prst="rect">
-            <a:avLst/>
-          </a:prstGeom>
-        </p:spPr>
-        <p:style>
-          <a:lnRef idx="2">
-            <a:schemeClr val="dk1">
-              <a:shade val="50000"/>
-            </a:schemeClr>
-          </a:lnRef>
-          <a:fillRef idx="1">
-            <a:schemeClr val="dk1"/>
-          </a:fillRef>
-          <a:effectRef idx="0">
-            <a:schemeClr val="dk1"/>
-          </a:effectRef>
-          <a:fontRef idx="minor">
-            <a:schemeClr val="lt1"/>
-          </a:fontRef>
-        </p:style>
-        <p:txBody>
-          <a:bodyPr rtlCol="0" anchor="ctr"/>
-          <a:lstStyle/>
-          <a:p>
-            <a:r>
-              <a:rPr lang="pt-BR" sz="4400" dirty="0" smtClean="0"/>
-              <a:t>        Contextualização</a:t>
-            </a:r>
-            <a:endParaRPr lang="en-US" sz="4400" dirty="0"/>
-          </a:p>
-        </p:txBody>
-      </p:sp>
-      <p:sp>
-        <p:nvSpPr>
-          <p:cNvPr id="3" name="Espaço Reservado para Conteúdo 2"/>
-          <p:cNvSpPr>
-            <a:spLocks noGrp="1"/>
-          </p:cNvSpPr>
-          <p:nvPr>
-            <p:ph idx="1"/>
-          </p:nvPr>
-        </p:nvSpPr>
-        <p:spPr>
-          <a:xfrm>
-            <a:off x="570605" y="801633"/>
-            <a:ext cx="10515600" cy="4351338"/>
-          </a:xfrm>
-        </p:spPr>
-        <p:txBody>
-          <a:bodyPr/>
-          <a:lstStyle/>
-          <a:p>
-            <a:r>
-              <a:rPr lang="pt-BR" dirty="0" smtClean="0"/>
-              <a:t>Surgimento da </a:t>
-            </a:r>
-            <a:r>
-              <a:rPr lang="pt-BR" b="1" i="1" dirty="0" smtClean="0"/>
-              <a:t>Web</a:t>
-            </a:r>
-            <a:r>
-              <a:rPr lang="pt-BR" i="1" dirty="0" smtClean="0"/>
-              <a:t>;</a:t>
-            </a:r>
-          </a:p>
-          <a:p>
-            <a:r>
-              <a:rPr lang="pt-BR" b="1" dirty="0"/>
-              <a:t>Padrões fundamentais</a:t>
-            </a:r>
-            <a:r>
-              <a:rPr lang="pt-BR" dirty="0"/>
-              <a:t> da W3C</a:t>
-            </a:r>
-            <a:r>
-              <a:rPr lang="pt-BR" dirty="0" smtClean="0"/>
-              <a:t>;</a:t>
-            </a:r>
-            <a:endParaRPr lang="pt-BR" dirty="0"/>
-          </a:p>
-        </p:txBody>
-      </p:sp>
-      <p:pic>
-        <p:nvPicPr>
-          <p:cNvPr id="5" name="Imagem 4"/>
-          <p:cNvPicPr>
-            <a:picLocks noChangeAspect="1"/>
-          </p:cNvPicPr>
-          <p:nvPr/>
-        </p:nvPicPr>
-        <p:blipFill>
-          <a:blip r:embed="rId3" cstate="print">
-            <a:extLst>
-              <a:ext uri="{28A0092B-C50C-407E-A947-70E740481C1C}">
-                <a14:useLocalDpi xmlns:a14="http://schemas.microsoft.com/office/drawing/2010/main" val="0"/>
-              </a:ext>
-            </a:extLst>
-          </a:blip>
-          <a:stretch>
-            <a:fillRect/>
-          </a:stretch>
-        </p:blipFill>
-        <p:spPr>
-          <a:xfrm>
-            <a:off x="6345440" y="1426853"/>
-            <a:ext cx="2336796" cy="3190310"/>
-          </a:xfrm>
-          <a:prstGeom prst="rect">
-            <a:avLst/>
-          </a:prstGeom>
-        </p:spPr>
-      </p:pic>
-      <p:pic>
-        <p:nvPicPr>
-          <p:cNvPr id="6" name="Imagem 5"/>
-          <p:cNvPicPr>
-            <a:picLocks noChangeAspect="1"/>
-          </p:cNvPicPr>
-          <p:nvPr/>
-        </p:nvPicPr>
-        <p:blipFill>
-          <a:blip r:embed="rId4" cstate="print">
-            <a:extLst>
-              <a:ext uri="{28A0092B-C50C-407E-A947-70E740481C1C}">
-                <a14:useLocalDpi xmlns:a14="http://schemas.microsoft.com/office/drawing/2010/main" val="0"/>
-              </a:ext>
-            </a:extLst>
-          </a:blip>
-          <a:stretch>
-            <a:fillRect/>
-          </a:stretch>
-        </p:blipFill>
-        <p:spPr>
-          <a:xfrm>
-            <a:off x="9469647" y="1426853"/>
-            <a:ext cx="2151748" cy="3226480"/>
-          </a:xfrm>
-          <a:prstGeom prst="rect">
-            <a:avLst/>
-          </a:prstGeom>
-        </p:spPr>
-      </p:pic>
-      <p:sp>
-        <p:nvSpPr>
-          <p:cNvPr id="9" name="CaixaDeTexto 8"/>
-          <p:cNvSpPr txBox="1"/>
-          <p:nvPr/>
-        </p:nvSpPr>
-        <p:spPr>
-          <a:xfrm>
-            <a:off x="6727055" y="4653333"/>
-            <a:ext cx="1709045" cy="369332"/>
-          </a:xfrm>
-          <a:prstGeom prst="rect">
-            <a:avLst/>
-          </a:prstGeom>
-          <a:noFill/>
-        </p:spPr>
-        <p:txBody>
-          <a:bodyPr wrap="square" rtlCol="0">
-            <a:spAutoFit/>
-          </a:bodyPr>
-          <a:lstStyle/>
-          <a:p>
-            <a:r>
-              <a:rPr lang="pt-BR" dirty="0" smtClean="0"/>
-              <a:t>Tim Berners-Lee</a:t>
-            </a:r>
-            <a:endParaRPr lang="en-US" dirty="0"/>
-          </a:p>
-        </p:txBody>
-      </p:sp>
-      <p:sp>
-        <p:nvSpPr>
-          <p:cNvPr id="10" name="CaixaDeTexto 9"/>
-          <p:cNvSpPr txBox="1"/>
-          <p:nvPr/>
-        </p:nvSpPr>
-        <p:spPr>
-          <a:xfrm>
-            <a:off x="9887256" y="4653333"/>
-            <a:ext cx="1709045" cy="369332"/>
-          </a:xfrm>
-          <a:prstGeom prst="rect">
-            <a:avLst/>
-          </a:prstGeom>
-          <a:noFill/>
-        </p:spPr>
-        <p:txBody>
-          <a:bodyPr wrap="square" rtlCol="0">
-            <a:spAutoFit/>
-          </a:bodyPr>
-          <a:lstStyle/>
-          <a:p>
-            <a:r>
-              <a:rPr lang="pt-BR" dirty="0" err="1"/>
-              <a:t>Håkon</a:t>
-            </a:r>
-            <a:r>
-              <a:rPr lang="pt-BR" dirty="0"/>
-              <a:t> </a:t>
-            </a:r>
-            <a:r>
-              <a:rPr lang="pt-BR" dirty="0" err="1"/>
-              <a:t>Wium</a:t>
-            </a:r>
-            <a:r>
-              <a:rPr lang="pt-BR" dirty="0"/>
-              <a:t> Lie</a:t>
-            </a:r>
-            <a:endParaRPr lang="en-US" dirty="0"/>
-          </a:p>
-        </p:txBody>
-      </p:sp>
-      <p:pic>
-        <p:nvPicPr>
-          <p:cNvPr id="11" name="Imagem 10"/>
-          <p:cNvPicPr>
-            <a:picLocks noChangeAspect="1"/>
-          </p:cNvPicPr>
-          <p:nvPr/>
-        </p:nvPicPr>
-        <p:blipFill>
-          <a:blip r:embed="rId5" cstate="print">
-            <a:extLst>
-              <a:ext uri="{28A0092B-C50C-407E-A947-70E740481C1C}">
-                <a14:useLocalDpi xmlns:a14="http://schemas.microsoft.com/office/drawing/2010/main" val="0"/>
-              </a:ext>
-            </a:extLst>
-          </a:blip>
-          <a:stretch>
-            <a:fillRect/>
-          </a:stretch>
-        </p:blipFill>
-        <p:spPr>
-          <a:xfrm>
-            <a:off x="167645" y="5865822"/>
-            <a:ext cx="805920" cy="798560"/>
-          </a:xfrm>
-          <a:prstGeom prst="rect">
-            <a:avLst/>
-          </a:prstGeom>
-        </p:spPr>
-      </p:pic>
-    </p:spTree>
-    <p:extLst>
-      <p:ext uri="{BB962C8B-B14F-4D97-AF65-F5344CB8AC3E}">
-        <p14:creationId xmlns:p14="http://schemas.microsoft.com/office/powerpoint/2010/main" val="2943936271"/>
-      </p:ext>
-    </p:extLst>
-  </p:cSld>
-  <p:clrMapOvr>
-    <a:masterClrMapping/>
-  </p:clrMapOvr>
-  <p:timing>
-    <p:tnLst>
-      <p:par>
-        <p:cTn id="1" dur="indefinite" restart="never" nodeType="tmRoot"/>
-      </p:par>
-    </p:tnLst>
-  </p:timing>
-</p:sld>
-</file>
-
-<file path=ppt/slides/slide20.xml><?xml version="1.0" encoding="utf-8"?>
-<p:sld xmlns:a="http://schemas.openxmlformats.org/drawingml/2006/main" xmlns:r="http://schemas.openxmlformats.org/officeDocument/2006/relationships" xmlns:p="http://schemas.openxmlformats.org/presentationml/2006/main">
-  <p:cSld>
-    <p:spTree>
-      <p:nvGrpSpPr>
-        <p:cNvPr id="1" name=""/>
-        <p:cNvGrpSpPr/>
-        <p:nvPr/>
-      </p:nvGrpSpPr>
-      <p:grpSpPr>
-        <a:xfrm>
-          <a:off x="0" y="0"/>
-          <a:ext cx="0" cy="0"/>
-          <a:chOff x="0" y="0"/>
-          <a:chExt cx="0" cy="0"/>
-        </a:xfrm>
-      </p:grpSpPr>
-      <p:sp>
-        <p:nvSpPr>
           <p:cNvPr id="5" name="Espaço Reservado para Conteúdo 2"/>
           <p:cNvSpPr>
             <a:spLocks noGrp="1"/>
@@ -11284,7 +16852,7 @@
         <p:spPr>
           <a:xfrm>
             <a:off x="308811" y="555123"/>
-            <a:ext cx="10515600" cy="4351338"/>
+            <a:ext cx="10515600" cy="5237672"/>
           </a:xfrm>
         </p:spPr>
         <p:txBody>
@@ -11306,7 +16874,11 @@
             </a:r>
           </a:p>
           <a:p>
-            <a:pPr lvl="1"/>
+            <a:pPr lvl="1">
+              <a:lnSpc>
+                <a:spcPct val="150000"/>
+              </a:lnSpc>
+            </a:pPr>
             <a:r>
               <a:rPr lang="pt-BR" dirty="0" smtClean="0"/>
               <a:t>Evolução do número de defeitos</a:t>
@@ -11323,22 +16895,118 @@
             </a:r>
           </a:p>
           <a:p>
-            <a:pPr lvl="1"/>
+            <a:pPr lvl="1">
+              <a:lnSpc>
+                <a:spcPct val="100000"/>
+              </a:lnSpc>
+            </a:pPr>
             <a:r>
               <a:rPr lang="pt-BR" dirty="0" smtClean="0"/>
               <a:t>2 versões por ano</a:t>
             </a:r>
           </a:p>
           <a:p>
-            <a:pPr lvl="1"/>
+            <a:pPr lvl="1">
+              <a:lnSpc>
+                <a:spcPct val="150000"/>
+              </a:lnSpc>
+            </a:pPr>
             <a:r>
               <a:rPr lang="pt-BR" i="1" dirty="0" smtClean="0"/>
               <a:t>Query </a:t>
             </a:r>
             <a:r>
               <a:rPr lang="pt-BR" dirty="0" smtClean="0"/>
-              <a:t>para encontrar os defeitos no JIRA</a:t>
-            </a:r>
+              <a:t>para encontrar os defeitos no JIRA:</a:t>
+            </a:r>
+          </a:p>
+          <a:p>
+            <a:pPr marL="457200" lvl="1" indent="0">
+              <a:buNone/>
+            </a:pPr>
+            <a:endParaRPr lang="en-US" dirty="0" smtClean="0"/>
+          </a:p>
+          <a:p>
+            <a:pPr marL="914400" lvl="2" indent="0">
+              <a:lnSpc>
+                <a:spcPct val="100000"/>
+              </a:lnSpc>
+              <a:buNone/>
+            </a:pPr>
+            <a:r>
+              <a:rPr lang="en-US" sz="2400" dirty="0" err="1" smtClean="0"/>
+              <a:t>issuetype</a:t>
+            </a:r>
+            <a:r>
+              <a:rPr lang="en-US" sz="2400" dirty="0" smtClean="0"/>
+              <a:t> </a:t>
+            </a:r>
+            <a:r>
+              <a:rPr lang="en-US" sz="2400" dirty="0"/>
+              <a:t>= Bug </a:t>
+            </a:r>
+            <a:r>
+              <a:rPr lang="en-US" sz="2400" dirty="0" smtClean="0"/>
+              <a:t>AND </a:t>
+            </a:r>
+            <a:r>
+              <a:rPr lang="en-US" sz="2400" dirty="0"/>
+              <a:t>(labels = </a:t>
+            </a:r>
+            <a:r>
+              <a:rPr lang="en-US" sz="2400" dirty="0" err="1"/>
+              <a:t>css</a:t>
+            </a:r>
+            <a:r>
+              <a:rPr lang="en-US" sz="2400" dirty="0"/>
+              <a:t> </a:t>
+            </a:r>
+            <a:r>
+              <a:rPr lang="en-US" sz="2400" dirty="0" smtClean="0"/>
+              <a:t>OR </a:t>
+            </a:r>
+            <a:r>
+              <a:rPr lang="en-US" sz="2400" dirty="0"/>
+              <a:t>text ~ CSS) </a:t>
+            </a:r>
+            <a:endParaRPr lang="en-US" sz="2400" dirty="0" smtClean="0"/>
+          </a:p>
+          <a:p>
+            <a:pPr marL="914400" lvl="2" indent="0">
+              <a:lnSpc>
+                <a:spcPct val="100000"/>
+              </a:lnSpc>
+              <a:buNone/>
+            </a:pPr>
+            <a:r>
+              <a:rPr lang="en-US" sz="2400" dirty="0" smtClean="0"/>
+              <a:t>AND </a:t>
+            </a:r>
+            <a:r>
+              <a:rPr lang="en-US" sz="2400" dirty="0"/>
+              <a:t>(</a:t>
+            </a:r>
+            <a:r>
+              <a:rPr lang="en-US" sz="2400" dirty="0" err="1"/>
+              <a:t>createdDate</a:t>
+            </a:r>
+            <a:r>
+              <a:rPr lang="en-US" sz="2400" dirty="0"/>
+              <a:t> &gt;= "2014/01/26" AND </a:t>
+            </a:r>
+            <a:r>
+              <a:rPr lang="en-US" sz="2400" dirty="0" err="1"/>
+              <a:t>createdDate</a:t>
+            </a:r>
+            <a:r>
+              <a:rPr lang="en-US" sz="2400" dirty="0"/>
+              <a:t> &lt;= "2014/07/27</a:t>
+            </a:r>
+            <a:r>
+              <a:rPr lang="en-US" sz="2400" dirty="0" smtClean="0"/>
+              <a:t>")</a:t>
+            </a:r>
+            <a:endParaRPr lang="pt-BR" sz="2400" dirty="0" smtClean="0"/>
           </a:p>
         </p:txBody>
       </p:sp>
@@ -11562,7 +17230,7 @@
 </p:sld>
 </file>
 
-<file path=ppt/slides/slide21.xml><?xml version="1.0" encoding="utf-8"?>
+<file path=ppt/slides/slide22.xml><?xml version="1.0" encoding="utf-8"?>
 <p:sld xmlns:a="http://schemas.openxmlformats.org/drawingml/2006/main" xmlns:r="http://schemas.openxmlformats.org/officeDocument/2006/relationships" xmlns:p="http://schemas.openxmlformats.org/presentationml/2006/main">
   <p:cSld>
     <p:spTree>
@@ -11628,54 +17296,62 @@
         </p:blipFill>
         <p:spPr>
           <a:xfrm>
-            <a:off x="6476999" y="1546864"/>
-            <a:ext cx="5197204" cy="3218394"/>
+            <a:off x="2797840" y="1162951"/>
+            <a:ext cx="6915083" cy="4282198"/>
           </a:xfrm>
           <a:prstGeom prst="rect">
             <a:avLst/>
           </a:prstGeom>
         </p:spPr>
       </p:pic>
-      <p:pic>
-        <p:nvPicPr>
-          <p:cNvPr id="3" name="Imagem 2"/>
-          <p:cNvPicPr>
-            <a:picLocks noChangeAspect="1"/>
-          </p:cNvPicPr>
+      <p:sp>
+        <p:nvSpPr>
+          <p:cNvPr id="7" name="CaixaDeTexto 6"/>
+          <p:cNvSpPr txBox="1"/>
           <p:nvPr/>
-        </p:nvPicPr>
-        <p:blipFill>
-          <a:blip r:embed="rId4" cstate="print">
-            <a:extLst>
-              <a:ext uri="{28A0092B-C50C-407E-A947-70E740481C1C}">
-                <a14:useLocalDpi xmlns:a14="http://schemas.microsoft.com/office/drawing/2010/main" val="0"/>
-              </a:ext>
-            </a:extLst>
-          </a:blip>
-          <a:stretch>
-            <a:fillRect/>
-          </a:stretch>
-        </p:blipFill>
+        </p:nvSpPr>
         <p:spPr>
           <a:xfrm>
-            <a:off x="838200" y="1546864"/>
-            <a:ext cx="5210662" cy="3218394"/>
+            <a:off x="3273851" y="855174"/>
+            <a:ext cx="5963063" cy="369332"/>
           </a:xfrm>
           <a:prstGeom prst="rect">
             <a:avLst/>
           </a:prstGeom>
+          <a:noFill/>
         </p:spPr>
-      </p:pic>
-      <p:sp>
-        <p:nvSpPr>
-          <p:cNvPr id="6" name="CaixaDeTexto 5"/>
+        <p:txBody>
+          <a:bodyPr wrap="square" rtlCol="0">
+            <a:spAutoFit/>
+          </a:bodyPr>
+          <a:lstStyle/>
+          <a:p>
+            <a:r>
+              <a:rPr lang="pt-BR" sz="1400" dirty="0" smtClean="0"/>
+              <a:t>Resultado da métrica do style.css em relação ao número de </a:t>
+            </a:r>
+            <a:r>
+              <a:rPr lang="pt-BR" dirty="0" smtClean="0"/>
+              <a:t>defeitos</a:t>
+            </a:r>
+            <a:r>
+              <a:rPr lang="pt-BR" sz="1400" dirty="0" smtClean="0"/>
+              <a:t> criados</a:t>
+            </a:r>
+            <a:endParaRPr lang="en-US" sz="1400" dirty="0"/>
+          </a:p>
+        </p:txBody>
+      </p:sp>
+      <p:sp>
+        <p:nvSpPr>
+          <p:cNvPr id="9" name="CaixaDeTexto 8"/>
           <p:cNvSpPr txBox="1"/>
           <p:nvPr/>
         </p:nvSpPr>
         <p:spPr>
           <a:xfrm>
-            <a:off x="837755" y="1239087"/>
-            <a:ext cx="5211107" cy="307777"/>
+            <a:off x="5262791" y="5445149"/>
+            <a:ext cx="1722266" cy="338554"/>
           </a:xfrm>
           <a:prstGeom prst="rect">
             <a:avLst/>
@@ -11690,82 +17366,13 @@
           <a:p>
             <a:r>
               <a:rPr lang="pt-BR" sz="1400" dirty="0" smtClean="0"/>
-              <a:t>Resultado </a:t>
-            </a:r>
-            <a:r>
-              <a:rPr lang="pt-BR" sz="1400" dirty="0"/>
-              <a:t>total da métrica em relação ao número de defeitos </a:t>
-            </a:r>
-            <a:r>
-              <a:rPr lang="pt-BR" sz="1400" dirty="0" smtClean="0"/>
-              <a:t>criados</a:t>
-            </a:r>
-            <a:endParaRPr lang="en-US" sz="1400" dirty="0"/>
-          </a:p>
-        </p:txBody>
-      </p:sp>
-      <p:sp>
-        <p:nvSpPr>
-          <p:cNvPr id="7" name="CaixaDeTexto 6"/>
-          <p:cNvSpPr txBox="1"/>
-          <p:nvPr/>
-        </p:nvSpPr>
-        <p:spPr>
-          <a:xfrm>
-            <a:off x="6476999" y="1023644"/>
-            <a:ext cx="5177764" cy="523220"/>
-          </a:xfrm>
-          <a:prstGeom prst="rect">
-            <a:avLst/>
-          </a:prstGeom>
-          <a:noFill/>
-        </p:spPr>
-        <p:txBody>
-          <a:bodyPr wrap="none" rtlCol="0">
-            <a:spAutoFit/>
-          </a:bodyPr>
-          <a:lstStyle/>
-          <a:p>
-            <a:r>
-              <a:rPr lang="pt-BR" sz="1400" dirty="0" smtClean="0"/>
-              <a:t>Resultado da métrica do style.css em relação ao número de defeitos </a:t>
-            </a:r>
-          </a:p>
-          <a:p>
-            <a:r>
-              <a:rPr lang="pt-BR" sz="1400" dirty="0" smtClean="0"/>
-              <a:t>criados</a:t>
-            </a:r>
-            <a:endParaRPr lang="en-US" sz="1400" dirty="0"/>
-          </a:p>
-        </p:txBody>
-      </p:sp>
-      <p:sp>
-        <p:nvSpPr>
-          <p:cNvPr id="9" name="CaixaDeTexto 8"/>
-          <p:cNvSpPr txBox="1"/>
-          <p:nvPr/>
-        </p:nvSpPr>
-        <p:spPr>
-          <a:xfrm>
-            <a:off x="5262791" y="4919146"/>
-            <a:ext cx="1666418" cy="307777"/>
-          </a:xfrm>
-          <a:prstGeom prst="rect">
-            <a:avLst/>
-          </a:prstGeom>
-          <a:noFill/>
-        </p:spPr>
-        <p:txBody>
-          <a:bodyPr wrap="none" rtlCol="0">
-            <a:spAutoFit/>
-          </a:bodyPr>
-          <a:lstStyle/>
-          <a:p>
-            <a:r>
-              <a:rPr lang="pt-BR" sz="1400" dirty="0" smtClean="0"/>
-              <a:t>Fonte: Próprio autor</a:t>
-            </a:r>
+              <a:t>Fonte: Próprio </a:t>
+            </a:r>
+            <a:r>
+              <a:rPr lang="pt-BR" sz="1600" dirty="0" smtClean="0"/>
+              <a:t>autor</a:t>
+            </a:r>
+            <a:endParaRPr lang="pt-BR" sz="1400" dirty="0" smtClean="0"/>
           </a:p>
         </p:txBody>
       </p:sp>
@@ -11821,7 +17428,7 @@
           <p:nvPr/>
         </p:nvPicPr>
         <p:blipFill>
-          <a:blip r:embed="rId5" cstate="print">
+          <a:blip r:embed="rId4" cstate="print">
             <a:duotone>
               <a:prstClr val="black"/>
               <a:schemeClr val="accent3">
@@ -11869,7 +17476,7 @@
 </p:sld>
 </file>
 
-<file path=ppt/slides/slide22.xml><?xml version="1.0" encoding="utf-8"?>
+<file path=ppt/slides/slide23.xml><?xml version="1.0" encoding="utf-8"?>
 <p:sld xmlns:a="http://schemas.openxmlformats.org/drawingml/2006/main" xmlns:r="http://schemas.openxmlformats.org/officeDocument/2006/relationships" xmlns:p="http://schemas.openxmlformats.org/presentationml/2006/main">
   <p:cSld>
     <p:spTree>
@@ -11913,36 +17520,6 @@
           </a:p>
         </p:txBody>
       </p:sp>
-      <p:pic>
-        <p:nvPicPr>
-          <p:cNvPr id="2" name="Imagem 1"/>
-          <p:cNvPicPr>
-            <a:picLocks noChangeAspect="1"/>
-          </p:cNvPicPr>
-          <p:nvPr/>
-        </p:nvPicPr>
-        <p:blipFill>
-          <a:blip r:embed="rId3" cstate="print">
-            <a:extLst>
-              <a:ext uri="{28A0092B-C50C-407E-A947-70E740481C1C}">
-                <a14:useLocalDpi xmlns:a14="http://schemas.microsoft.com/office/drawing/2010/main" val="0"/>
-              </a:ext>
-            </a:extLst>
-          </a:blip>
-          <a:stretch>
-            <a:fillRect/>
-          </a:stretch>
-        </p:blipFill>
-        <p:spPr>
-          <a:xfrm>
-            <a:off x="4538135" y="654550"/>
-            <a:ext cx="7501466" cy="4633326"/>
-          </a:xfrm>
-          <a:prstGeom prst="rect">
-            <a:avLst/>
-          </a:prstGeom>
-        </p:spPr>
-      </p:pic>
       <p:sp>
         <p:nvSpPr>
           <p:cNvPr id="6" name="CaixaDeTexto 5"/>
@@ -11980,8 +17557,8 @@
         </p:nvSpPr>
         <p:spPr>
           <a:xfrm>
-            <a:off x="6150430" y="315996"/>
-            <a:ext cx="4276876" cy="338554"/>
+            <a:off x="5397819" y="500661"/>
+            <a:ext cx="5782096" cy="338554"/>
           </a:xfrm>
           <a:prstGeom prst="rect">
             <a:avLst/>
@@ -11994,13 +17571,62 @@
           </a:bodyPr>
           <a:lstStyle/>
           <a:p>
-            <a:r>
-              <a:rPr lang="pt-BR" sz="1600" dirty="0"/>
-              <a:t>Composição do valor da métrica por cada </a:t>
-            </a:r>
-            <a:r>
-              <a:rPr lang="pt-BR" sz="1600" dirty="0" smtClean="0"/>
-              <a:t>critério</a:t>
+            <a:pPr algn="ctr">
+              <a:defRPr sz="1400" b="0" i="0" u="none" strike="noStrike" kern="1200" spc="0" baseline="0">
+                <a:solidFill>
+                  <a:prstClr val="black">
+                    <a:lumMod val="65000"/>
+                    <a:lumOff val="35000"/>
+                  </a:prstClr>
+                </a:solidFill>
+                <a:latin typeface="+mn-lt"/>
+                <a:ea typeface="+mn-ea"/>
+                <a:cs typeface="+mn-cs"/>
+              </a:defRPr>
+            </a:pPr>
+            <a:r>
+              <a:rPr lang="en-US" sz="1600" dirty="0" err="1"/>
+              <a:t>Resultado</a:t>
+            </a:r>
+            <a:r>
+              <a:rPr lang="en-US" sz="1600" dirty="0"/>
+              <a:t> das </a:t>
+            </a:r>
+            <a:r>
+              <a:rPr lang="en-US" sz="1600" dirty="0" err="1"/>
+              <a:t>métricas</a:t>
+            </a:r>
+            <a:r>
+              <a:rPr lang="en-US" sz="1600" dirty="0"/>
+              <a:t> para </a:t>
+            </a:r>
+            <a:r>
+              <a:rPr lang="en-US" sz="1600" dirty="0" err="1"/>
+              <a:t>cada</a:t>
+            </a:r>
+            <a:r>
+              <a:rPr lang="en-US" sz="1600" dirty="0"/>
+              <a:t> </a:t>
+            </a:r>
+            <a:r>
+              <a:rPr lang="en-US" sz="1600" dirty="0" err="1"/>
+              <a:t>versão</a:t>
+            </a:r>
+            <a:r>
+              <a:rPr lang="en-US" sz="1600" dirty="0"/>
+              <a:t> com </a:t>
+            </a:r>
+            <a:r>
+              <a:rPr lang="en-US" sz="1600" dirty="0" err="1"/>
+              <a:t>perfil</a:t>
+            </a:r>
+            <a:r>
+              <a:rPr lang="en-US" sz="1600" dirty="0"/>
+              <a:t> de </a:t>
+            </a:r>
+            <a:r>
+              <a:rPr lang="en-US" sz="1600" dirty="0" err="1"/>
+              <a:t>contribuição</a:t>
             </a:r>
             <a:endParaRPr lang="en-US" sz="1600" dirty="0"/>
           </a:p>
@@ -12058,7 +17684,7 @@
           <p:nvPr/>
         </p:nvPicPr>
         <p:blipFill>
-          <a:blip r:embed="rId4" cstate="print">
+          <a:blip r:embed="rId3" cstate="print">
             <a:duotone>
               <a:prstClr val="black"/>
               <a:schemeClr val="accent3">
@@ -12086,6 +17712,261 @@
           </a:prstGeom>
         </p:spPr>
       </p:pic>
+      <p:graphicFrame>
+        <p:nvGraphicFramePr>
+          <p:cNvPr id="9" name="Gráfico 8"/>
+          <p:cNvGraphicFramePr>
+            <a:graphicFrameLocks noGrp="1"/>
+          </p:cNvGraphicFramePr>
+          <p:nvPr>
+            <p:extLst>
+              <p:ext uri="{D42A27DB-BD31-4B8C-83A1-F6EECF244321}">
+                <p14:modId xmlns:p14="http://schemas.microsoft.com/office/powerpoint/2010/main" val="517723818"/>
+              </p:ext>
+            </p:extLst>
+          </p:nvPr>
+        </p:nvGraphicFramePr>
+        <p:xfrm>
+          <a:off x="4821573" y="905761"/>
+          <a:ext cx="6934589" cy="4284011"/>
+        </p:xfrm>
+        <a:graphic>
+          <a:graphicData uri="http://schemas.openxmlformats.org/drawingml/2006/chart">
+            <c:chart xmlns:c="http://schemas.openxmlformats.org/drawingml/2006/chart" xmlns:r="http://schemas.openxmlformats.org/officeDocument/2006/relationships" r:id="rId4"/>
+          </a:graphicData>
+        </a:graphic>
+      </p:graphicFrame>
+    </p:spTree>
+    <p:extLst>
+      <p:ext uri="{BB962C8B-B14F-4D97-AF65-F5344CB8AC3E}">
+        <p14:creationId xmlns:p14="http://schemas.microsoft.com/office/powerpoint/2010/main" val="3956862341"/>
+      </p:ext>
+    </p:extLst>
+  </p:cSld>
+  <p:clrMapOvr>
+    <a:masterClrMapping/>
+  </p:clrMapOvr>
+  <p:timing>
+    <p:tnLst>
+      <p:par>
+        <p:cTn id="1" dur="indefinite" restart="never" nodeType="tmRoot"/>
+      </p:par>
+    </p:tnLst>
+  </p:timing>
+</p:sld>
+</file>
+
+<file path=ppt/slides/slide24.xml><?xml version="1.0" encoding="utf-8"?>
+<p:sld xmlns:a="http://schemas.openxmlformats.org/drawingml/2006/main" xmlns:r="http://schemas.openxmlformats.org/officeDocument/2006/relationships" xmlns:p="http://schemas.openxmlformats.org/presentationml/2006/main">
+  <p:cSld>
+    <p:spTree>
+      <p:nvGrpSpPr>
+        <p:cNvPr id="1" name=""/>
+        <p:cNvGrpSpPr/>
+        <p:nvPr/>
+      </p:nvGrpSpPr>
+      <p:grpSpPr>
+        <a:xfrm>
+          <a:off x="0" y="0"/>
+          <a:ext cx="0" cy="0"/>
+          <a:chOff x="0" y="0"/>
+          <a:chExt cx="0" cy="0"/>
+        </a:xfrm>
+      </p:grpSpPr>
+      <p:sp>
+        <p:nvSpPr>
+          <p:cNvPr id="5" name="Espaço Reservado para Conteúdo 2"/>
+          <p:cNvSpPr>
+            <a:spLocks noGrp="1"/>
+          </p:cNvSpPr>
+          <p:nvPr>
+            <p:ph idx="1"/>
+          </p:nvPr>
+        </p:nvSpPr>
+        <p:spPr>
+          <a:xfrm>
+            <a:off x="838200" y="654550"/>
+            <a:ext cx="10515600" cy="4351338"/>
+          </a:xfrm>
+        </p:spPr>
+        <p:txBody>
+          <a:bodyPr/>
+          <a:lstStyle/>
+          <a:p>
+            <a:r>
+              <a:rPr lang="pt-BR" dirty="0" smtClean="0"/>
+              <a:t>Apreciação da Métrica</a:t>
+            </a:r>
+          </a:p>
+        </p:txBody>
+      </p:sp>
+      <p:sp>
+        <p:nvSpPr>
+          <p:cNvPr id="6" name="CaixaDeTexto 5"/>
+          <p:cNvSpPr txBox="1"/>
+          <p:nvPr/>
+        </p:nvSpPr>
+        <p:spPr>
+          <a:xfrm>
+            <a:off x="7455659" y="5287876"/>
+            <a:ext cx="1666418" cy="307777"/>
+          </a:xfrm>
+          <a:prstGeom prst="rect">
+            <a:avLst/>
+          </a:prstGeom>
+          <a:noFill/>
+        </p:spPr>
+        <p:txBody>
+          <a:bodyPr wrap="none" rtlCol="0">
+            <a:spAutoFit/>
+          </a:bodyPr>
+          <a:lstStyle/>
+          <a:p>
+            <a:r>
+              <a:rPr lang="pt-BR" sz="1400" dirty="0" smtClean="0"/>
+              <a:t>Fonte: Próprio autor</a:t>
+            </a:r>
+          </a:p>
+        </p:txBody>
+      </p:sp>
+      <p:sp>
+        <p:nvSpPr>
+          <p:cNvPr id="8" name="CaixaDeTexto 7"/>
+          <p:cNvSpPr txBox="1"/>
+          <p:nvPr/>
+        </p:nvSpPr>
+        <p:spPr>
+          <a:xfrm>
+            <a:off x="6150430" y="315996"/>
+            <a:ext cx="4276876" cy="338554"/>
+          </a:xfrm>
+          <a:prstGeom prst="rect">
+            <a:avLst/>
+          </a:prstGeom>
+          <a:noFill/>
+        </p:spPr>
+        <p:txBody>
+          <a:bodyPr wrap="none" rtlCol="0">
+            <a:spAutoFit/>
+          </a:bodyPr>
+          <a:lstStyle/>
+          <a:p>
+            <a:r>
+              <a:rPr lang="pt-BR" sz="1600" dirty="0"/>
+              <a:t>Composição do valor da métrica por cada </a:t>
+            </a:r>
+            <a:r>
+              <a:rPr lang="pt-BR" sz="1600" dirty="0" smtClean="0"/>
+              <a:t>critério</a:t>
+            </a:r>
+            <a:endParaRPr lang="en-US" sz="1600" dirty="0"/>
+          </a:p>
+        </p:txBody>
+      </p:sp>
+      <p:sp>
+        <p:nvSpPr>
+          <p:cNvPr id="10" name="Retângulo 9"/>
+          <p:cNvSpPr/>
+          <p:nvPr/>
+        </p:nvSpPr>
+        <p:spPr>
+          <a:xfrm>
+            <a:off x="0" y="5820777"/>
+            <a:ext cx="12192000" cy="904875"/>
+          </a:xfrm>
+          <a:prstGeom prst="rect">
+            <a:avLst/>
+          </a:prstGeom>
+        </p:spPr>
+        <p:style>
+          <a:lnRef idx="2">
+            <a:schemeClr val="dk1">
+              <a:shade val="50000"/>
+            </a:schemeClr>
+          </a:lnRef>
+          <a:fillRef idx="1">
+            <a:schemeClr val="dk1"/>
+          </a:fillRef>
+          <a:effectRef idx="0">
+            <a:schemeClr val="dk1"/>
+          </a:effectRef>
+          <a:fontRef idx="minor">
+            <a:schemeClr val="lt1"/>
+          </a:fontRef>
+        </p:style>
+        <p:txBody>
+          <a:bodyPr rtlCol="0" anchor="ctr"/>
+          <a:lstStyle/>
+          <a:p>
+            <a:r>
+              <a:rPr lang="pt-BR" sz="4400" dirty="0" smtClean="0"/>
+              <a:t>        Resultados</a:t>
+            </a:r>
+            <a:endParaRPr lang="en-US" sz="4400" dirty="0"/>
+          </a:p>
+        </p:txBody>
+      </p:sp>
+      <p:pic>
+        <p:nvPicPr>
+          <p:cNvPr id="11" name="Imagem 10"/>
+          <p:cNvPicPr>
+            <a:picLocks noChangeAspect="1"/>
+          </p:cNvPicPr>
+          <p:nvPr/>
+        </p:nvPicPr>
+        <p:blipFill>
+          <a:blip r:embed="rId3" cstate="print">
+            <a:duotone>
+              <a:prstClr val="black"/>
+              <a:schemeClr val="accent3">
+                <a:tint val="45000"/>
+                <a:satMod val="400000"/>
+              </a:schemeClr>
+            </a:duotone>
+            <a:extLst>
+              <a:ext uri="{28A0092B-C50C-407E-A947-70E740481C1C}">
+                <a14:useLocalDpi xmlns:a14="http://schemas.microsoft.com/office/drawing/2010/main" val="0"/>
+              </a:ext>
+            </a:extLst>
+          </a:blip>
+          <a:stretch>
+            <a:fillRect/>
+          </a:stretch>
+        </p:blipFill>
+        <p:spPr>
+          <a:xfrm>
+            <a:off x="173094" y="5935579"/>
+            <a:ext cx="646042" cy="647289"/>
+          </a:xfrm>
+          <a:prstGeom prst="rect">
+            <a:avLst/>
+          </a:prstGeom>
+        </p:spPr>
+      </p:pic>
+      <p:graphicFrame>
+        <p:nvGraphicFramePr>
+          <p:cNvPr id="12" name="Gráfico 11"/>
+          <p:cNvGraphicFramePr>
+            <a:graphicFrameLocks noGrp="1"/>
+          </p:cNvGraphicFramePr>
+          <p:nvPr>
+            <p:extLst>
+              <p:ext uri="{D42A27DB-BD31-4B8C-83A1-F6EECF244321}">
+                <p14:modId xmlns:p14="http://schemas.microsoft.com/office/powerpoint/2010/main" val="3324634759"/>
+              </p:ext>
+            </p:extLst>
+          </p:nvPr>
+        </p:nvGraphicFramePr>
+        <p:xfrm>
+          <a:off x="4634551" y="654550"/>
+          <a:ext cx="7289971" cy="4576462"/>
+        </p:xfrm>
+        <a:graphic>
+          <a:graphicData uri="http://schemas.openxmlformats.org/drawingml/2006/chart">
+            <c:chart xmlns:c="http://schemas.openxmlformats.org/drawingml/2006/chart" xmlns:r="http://schemas.openxmlformats.org/officeDocument/2006/relationships" r:id="rId4"/>
+          </a:graphicData>
+        </a:graphic>
+      </p:graphicFrame>
     </p:spTree>
     <p:extLst>
       <p:ext uri="{BB962C8B-B14F-4D97-AF65-F5344CB8AC3E}">
@@ -12106,7 +17987,7 @@
 </p:sld>
 </file>
 
-<file path=ppt/slides/slide23.xml><?xml version="1.0" encoding="utf-8"?>
+<file path=ppt/slides/slide25.xml><?xml version="1.0" encoding="utf-8"?>
 <p:sld xmlns:a="http://schemas.openxmlformats.org/drawingml/2006/main" xmlns:r="http://schemas.openxmlformats.org/officeDocument/2006/relationships" xmlns:p="http://schemas.openxmlformats.org/presentationml/2006/main">
   <p:cSld>
     <p:spTree>
@@ -12140,7 +18021,9 @@
           </a:xfrm>
         </p:spPr>
         <p:txBody>
-          <a:bodyPr/>
+          <a:bodyPr>
+            <a:normAutofit lnSpcReduction="10000"/>
+          </a:bodyPr>
           <a:lstStyle/>
           <a:p>
             <a:pPr>
@@ -12149,58 +18032,8 @@
               </a:lnSpc>
             </a:pPr>
             <a:r>
-              <a:rPr lang="pt-BR" b="1" dirty="0" smtClean="0"/>
-              <a:t>Codificação</a:t>
-            </a:r>
-            <a:r>
-              <a:rPr lang="pt-BR" dirty="0" smtClean="0"/>
-              <a:t> de CSS deve ser tratada de forma mais </a:t>
-            </a:r>
-            <a:r>
-              <a:rPr lang="pt-BR" b="1" dirty="0" smtClean="0"/>
-              <a:t>profissional</a:t>
-            </a:r>
-          </a:p>
-          <a:p>
-            <a:pPr>
-              <a:lnSpc>
-                <a:spcPct val="150000"/>
-              </a:lnSpc>
-            </a:pPr>
-            <a:r>
-              <a:rPr lang="pt-BR" dirty="0" smtClean="0"/>
-              <a:t>É </a:t>
-            </a:r>
-            <a:r>
-              <a:rPr lang="pt-BR" b="1" dirty="0" smtClean="0"/>
-              <a:t>necessário</a:t>
-            </a:r>
-            <a:r>
-              <a:rPr lang="pt-BR" dirty="0" smtClean="0"/>
-              <a:t> uma </a:t>
-            </a:r>
-            <a:r>
-              <a:rPr lang="pt-BR" b="1" dirty="0" smtClean="0"/>
-              <a:t>métrica</a:t>
-            </a:r>
-            <a:r>
-              <a:rPr lang="pt-BR" dirty="0" smtClean="0"/>
-              <a:t> para o </a:t>
-            </a:r>
-            <a:r>
-              <a:rPr lang="pt-BR" b="1" dirty="0" smtClean="0"/>
-              <a:t>auxílio no desenvolvimento</a:t>
-            </a:r>
-          </a:p>
-          <a:p>
-            <a:pPr>
-              <a:lnSpc>
-                <a:spcPct val="150000"/>
-              </a:lnSpc>
-            </a:pPr>
-            <a:r>
-              <a:rPr lang="pt-BR" dirty="0" smtClean="0"/>
-              <a:t>Contribuições:</a:t>
+              <a:rPr lang="pt-BR" sz="3200" dirty="0" smtClean="0"/>
+              <a:t>Principais Contribuições:</a:t>
             </a:r>
           </a:p>
           <a:p>
@@ -12210,20 +18043,20 @@
               </a:lnSpc>
             </a:pPr>
             <a:r>
-              <a:rPr lang="pt-BR" b="1" dirty="0" smtClean="0"/>
+              <a:rPr lang="pt-BR" sz="2800" b="1" dirty="0" smtClean="0"/>
               <a:t>Avanço na definição</a:t>
             </a:r>
             <a:r>
-              <a:rPr lang="pt-BR" dirty="0" smtClean="0"/>
+              <a:rPr lang="pt-BR" sz="2800" dirty="0" smtClean="0"/>
               <a:t> de uma </a:t>
             </a:r>
             <a:r>
-              <a:rPr lang="pt-BR" b="1" dirty="0" smtClean="0"/>
+              <a:rPr lang="pt-BR" sz="2800" b="1" dirty="0" smtClean="0"/>
               <a:t>métrica</a:t>
             </a:r>
             <a:r>
-              <a:rPr lang="pt-BR" dirty="0" smtClean="0"/>
-              <a:t> de qualidade para CSS;</a:t>
+              <a:rPr lang="pt-BR" sz="2800" dirty="0" smtClean="0"/>
+              <a:t> de manutenibilidade de código CSS;</a:t>
             </a:r>
           </a:p>
           <a:p>
@@ -12233,21 +18066,53 @@
               </a:lnSpc>
             </a:pPr>
             <a:r>
-              <a:rPr lang="pt-BR" b="1" dirty="0" smtClean="0"/>
+              <a:rPr lang="pt-BR" sz="2800" b="1" dirty="0" smtClean="0"/>
               <a:t>Arcabouço</a:t>
             </a:r>
             <a:r>
-              <a:rPr lang="pt-BR" dirty="0" smtClean="0"/>
+              <a:rPr lang="pt-BR" sz="2800" dirty="0" smtClean="0"/>
               <a:t> </a:t>
             </a:r>
             <a:r>
-              <a:rPr lang="pt-BR" b="1" dirty="0" smtClean="0"/>
+              <a:rPr lang="pt-BR" sz="2800" b="1" dirty="0" smtClean="0"/>
               <a:t>de testes </a:t>
             </a:r>
             <a:r>
-              <a:rPr lang="pt-BR" dirty="0" smtClean="0"/>
+              <a:rPr lang="pt-BR" sz="2800" dirty="0" smtClean="0"/>
               <a:t>de qualidade do CSS;</a:t>
             </a:r>
+          </a:p>
+          <a:p>
+            <a:pPr lvl="1">
+              <a:lnSpc>
+                <a:spcPct val="200000"/>
+              </a:lnSpc>
+            </a:pPr>
+            <a:r>
+              <a:rPr lang="pt-BR" sz="2800" b="1" dirty="0" smtClean="0"/>
+              <a:t>Critérios</a:t>
+            </a:r>
+            <a:r>
+              <a:rPr lang="pt-BR" sz="2800" dirty="0" smtClean="0"/>
+              <a:t> que determinam o </a:t>
+            </a:r>
+            <a:r>
+              <a:rPr lang="pt-BR" sz="2800" b="1" dirty="0" smtClean="0"/>
+              <a:t>cálculo da métrica</a:t>
+            </a:r>
+            <a:r>
+              <a:rPr lang="pt-BR" sz="2800" dirty="0" smtClean="0"/>
+              <a:t>;</a:t>
+            </a:r>
+            <a:endParaRPr lang="pt-BR" sz="2800" b="1" dirty="0" smtClean="0"/>
+          </a:p>
+          <a:p>
+            <a:pPr lvl="1">
+              <a:lnSpc>
+                <a:spcPct val="200000"/>
+              </a:lnSpc>
+            </a:pPr>
+            <a:endParaRPr lang="pt-BR" sz="2800" dirty="0" smtClean="0"/>
           </a:p>
         </p:txBody>
       </p:sp>
@@ -12345,7 +18210,7 @@
 </p:sld>
 </file>
 
-<file path=ppt/slides/slide24.xml><?xml version="1.0" encoding="utf-8"?>
+<file path=ppt/slides/slide26.xml><?xml version="1.0" encoding="utf-8"?>
 <p:sld xmlns:a="http://schemas.openxmlformats.org/drawingml/2006/main" xmlns:r="http://schemas.openxmlformats.org/officeDocument/2006/relationships" xmlns:p="http://schemas.openxmlformats.org/presentationml/2006/main">
   <p:cSld>
     <p:spTree>
@@ -12482,16 +18347,20 @@
               </a:lnSpc>
             </a:pPr>
             <a:r>
+              <a:rPr lang="pt-BR" b="1" dirty="0" smtClean="0"/>
+              <a:t>Balanceamento dos pesos</a:t>
+            </a:r>
+            <a:r>
               <a:rPr lang="pt-BR" dirty="0" smtClean="0"/>
-              <a:t>Identificação de </a:t>
+              <a:t> dos </a:t>
             </a:r>
             <a:r>
               <a:rPr lang="pt-BR" b="1" dirty="0" smtClean="0"/>
-              <a:t>novos critérios </a:t>
+              <a:t>critérios</a:t>
             </a:r>
             <a:r>
               <a:rPr lang="pt-BR" dirty="0" smtClean="0"/>
-              <a:t>de avaliação</a:t>
+              <a:t> propostos;</a:t>
             </a:r>
           </a:p>
           <a:p>
@@ -12597,7 +18466,7 @@
 </p:sld>
 </file>
 
-<file path=ppt/slides/slide25.xml><?xml version="1.0" encoding="utf-8"?>
+<file path=ppt/slides/slide27.xml><?xml version="1.0" encoding="utf-8"?>
 <p:sld xmlns:a="http://schemas.openxmlformats.org/drawingml/2006/main" xmlns:r="http://schemas.openxmlformats.org/officeDocument/2006/relationships" xmlns:p="http://schemas.openxmlformats.org/presentationml/2006/main">
   <p:cSld>
     <p:spTree>
@@ -12876,11 +18745,7 @@
           <a:p>
             <a:r>
               <a:rPr lang="pt-BR" sz="4400" dirty="0" smtClean="0"/>
-              <a:t>         </a:t>
-            </a:r>
-            <a:r>
-              <a:rPr lang="pt-BR" sz="4400" dirty="0" smtClean="0"/>
-              <a:t>Bibliografia</a:t>
+              <a:t>         Bibliografia</a:t>
             </a:r>
             <a:endParaRPr lang="en-US" sz="4400" dirty="0"/>
           </a:p>
@@ -12921,6 +18786,149 @@
     <p:extLst>
       <p:ext uri="{BB962C8B-B14F-4D97-AF65-F5344CB8AC3E}">
         <p14:creationId xmlns:p14="http://schemas.microsoft.com/office/powerpoint/2010/main" val="4012501801"/>
+      </p:ext>
+    </p:extLst>
+  </p:cSld>
+  <p:clrMapOvr>
+    <a:masterClrMapping/>
+  </p:clrMapOvr>
+  <p:timing>
+    <p:tnLst>
+      <p:par>
+        <p:cTn id="1" dur="indefinite" restart="never" nodeType="tmRoot"/>
+      </p:par>
+    </p:tnLst>
+  </p:timing>
+</p:sld>
+</file>
+
+<file path=ppt/slides/slide28.xml><?xml version="1.0" encoding="utf-8"?>
+<p:sld xmlns:a="http://schemas.openxmlformats.org/drawingml/2006/main" xmlns:r="http://schemas.openxmlformats.org/officeDocument/2006/relationships" xmlns:p="http://schemas.openxmlformats.org/presentationml/2006/main">
+  <p:cSld>
+    <p:spTree>
+      <p:nvGrpSpPr>
+        <p:cNvPr id="1" name=""/>
+        <p:cNvGrpSpPr/>
+        <p:nvPr/>
+      </p:nvGrpSpPr>
+      <p:grpSpPr>
+        <a:xfrm>
+          <a:off x="0" y="0"/>
+          <a:ext cx="0" cy="0"/>
+          <a:chOff x="0" y="0"/>
+          <a:chExt cx="0" cy="0"/>
+        </a:xfrm>
+      </p:grpSpPr>
+      <p:sp>
+        <p:nvSpPr>
+          <p:cNvPr id="3" name="Subtítulo 2"/>
+          <p:cNvSpPr>
+            <a:spLocks noGrp="1"/>
+          </p:cNvSpPr>
+          <p:nvPr>
+            <p:ph type="subTitle" idx="1"/>
+          </p:nvPr>
+        </p:nvSpPr>
+        <p:spPr>
+          <a:xfrm>
+            <a:off x="1227911" y="4324100"/>
+            <a:ext cx="9144000" cy="1655762"/>
+          </a:xfrm>
+        </p:spPr>
+        <p:txBody>
+          <a:bodyPr/>
+          <a:lstStyle/>
+          <a:p>
+            <a:r>
+              <a:rPr lang="pt-BR" dirty="0" smtClean="0"/>
+              <a:t>Victor Carneiro Salvador</a:t>
+            </a:r>
+          </a:p>
+          <a:p>
+            <a:r>
+              <a:rPr lang="pt-BR" dirty="0" smtClean="0"/>
+              <a:t>Orientador: Prof. Flávio Coutinho</a:t>
+            </a:r>
+          </a:p>
+          <a:p>
+            <a:endParaRPr lang="en-US" dirty="0"/>
+          </a:p>
+        </p:txBody>
+      </p:sp>
+      <p:sp>
+        <p:nvSpPr>
+          <p:cNvPr id="4" name="CaixaDeTexto 3"/>
+          <p:cNvSpPr txBox="1"/>
+          <p:nvPr/>
+        </p:nvSpPr>
+        <p:spPr>
+          <a:xfrm>
+            <a:off x="1227911" y="5349875"/>
+            <a:ext cx="9849394" cy="369332"/>
+          </a:xfrm>
+          <a:prstGeom prst="rect">
+            <a:avLst/>
+          </a:prstGeom>
+          <a:noFill/>
+        </p:spPr>
+        <p:txBody>
+          <a:bodyPr wrap="square" rtlCol="0">
+            <a:spAutoFit/>
+          </a:bodyPr>
+          <a:lstStyle/>
+          <a:p>
+            <a:endParaRPr lang="en-US" dirty="0"/>
+          </a:p>
+        </p:txBody>
+      </p:sp>
+      <p:sp>
+        <p:nvSpPr>
+          <p:cNvPr id="6" name="Retângulo 5"/>
+          <p:cNvSpPr/>
+          <p:nvPr/>
+        </p:nvSpPr>
+        <p:spPr>
+          <a:xfrm>
+            <a:off x="0" y="557895"/>
+            <a:ext cx="12192000" cy="3253317"/>
+          </a:xfrm>
+          <a:prstGeom prst="rect">
+            <a:avLst/>
+          </a:prstGeom>
+        </p:spPr>
+        <p:style>
+          <a:lnRef idx="2">
+            <a:schemeClr val="dk1">
+              <a:shade val="50000"/>
+            </a:schemeClr>
+          </a:lnRef>
+          <a:fillRef idx="1">
+            <a:schemeClr val="dk1"/>
+          </a:fillRef>
+          <a:effectRef idx="0">
+            <a:schemeClr val="dk1"/>
+          </a:effectRef>
+          <a:fontRef idx="minor">
+            <a:schemeClr val="lt1"/>
+          </a:fontRef>
+        </p:style>
+        <p:txBody>
+          <a:bodyPr rtlCol="0" anchor="ctr"/>
+          <a:lstStyle/>
+          <a:p>
+            <a:pPr algn="ctr"/>
+            <a:r>
+              <a:rPr lang="pt-BR" sz="4400" dirty="0"/>
+              <a:t>Em Direção a uma Métrica de Qualidade e Manutenibilidade de Código CSS</a:t>
+            </a:r>
+            <a:endParaRPr lang="en-US" sz="4400" dirty="0"/>
+          </a:p>
+        </p:txBody>
+      </p:sp>
+    </p:spTree>
+    <p:extLst>
+      <p:ext uri="{BB962C8B-B14F-4D97-AF65-F5344CB8AC3E}">
+        <p14:creationId xmlns:p14="http://schemas.microsoft.com/office/powerpoint/2010/main" val="1738019351"/>
       </p:ext>
     </p:extLst>
   </p:cSld>
@@ -14131,8 +20139,8 @@
         </p:nvSpPr>
         <p:spPr>
           <a:xfrm>
-            <a:off x="838200" y="504199"/>
-            <a:ext cx="10515600" cy="4351338"/>
+            <a:off x="838200" y="403119"/>
+            <a:ext cx="10515600" cy="5316609"/>
           </a:xfrm>
         </p:spPr>
         <p:txBody>
@@ -14141,7 +20149,7 @@
           <a:p>
             <a:r>
               <a:rPr lang="pt-BR" dirty="0" smtClean="0"/>
-              <a:t>CSS;</a:t>
+              <a:t>CSS:</a:t>
             </a:r>
             <a:endParaRPr lang="en-US" dirty="0" smtClean="0"/>
           </a:p>
@@ -14149,29 +20157,90 @@
             <a:pPr lvl="1"/>
             <a:r>
               <a:rPr lang="pt-BR" dirty="0" smtClean="0"/>
-              <a:t>Seletores</a:t>
+              <a:t>Regras:</a:t>
+            </a:r>
+          </a:p>
+          <a:p>
+            <a:pPr lvl="2"/>
+            <a:r>
+              <a:rPr lang="pt-BR" dirty="0" smtClean="0"/>
+              <a:t>Seletor</a:t>
+            </a:r>
+          </a:p>
+          <a:p>
+            <a:pPr lvl="2"/>
+            <a:r>
+              <a:rPr lang="pt-BR" dirty="0" smtClean="0"/>
+              <a:t>Propriedade</a:t>
+            </a:r>
+          </a:p>
+          <a:p>
+            <a:pPr lvl="2"/>
+            <a:r>
+              <a:rPr lang="pt-BR" dirty="0" smtClean="0"/>
+              <a:t>Valor</a:t>
             </a:r>
           </a:p>
           <a:p>
             <a:pPr lvl="1"/>
             <a:r>
               <a:rPr lang="pt-BR" dirty="0" smtClean="0"/>
-              <a:t>Efeito Cascata</a:t>
-            </a:r>
-            <a:endParaRPr lang="pt-BR" dirty="0"/>
+              <a:t>Efeito Cascata:</a:t>
+            </a:r>
+          </a:p>
+          <a:p>
+            <a:pPr lvl="2"/>
+            <a:r>
+              <a:rPr lang="pt-BR" dirty="0" smtClean="0"/>
+              <a:t>Importância</a:t>
+            </a:r>
+          </a:p>
+          <a:p>
+            <a:pPr lvl="2"/>
+            <a:r>
+              <a:rPr lang="pt-BR" dirty="0" smtClean="0"/>
+              <a:t>Localização</a:t>
+            </a:r>
+          </a:p>
+          <a:p>
+            <a:pPr lvl="2"/>
+            <a:r>
+              <a:rPr lang="pt-BR" dirty="0" smtClean="0"/>
+              <a:t>Especificidade</a:t>
+            </a:r>
+          </a:p>
+          <a:p>
+            <a:pPr lvl="2"/>
+            <a:r>
+              <a:rPr lang="pt-BR" dirty="0" smtClean="0"/>
+              <a:t>Posição no Arquivo</a:t>
+            </a:r>
+          </a:p>
+          <a:p>
+            <a:r>
+              <a:rPr lang="pt-BR" dirty="0" smtClean="0"/>
+              <a:t>Qualidade de Software Clássico:</a:t>
+            </a:r>
           </a:p>
           <a:p>
             <a:pPr lvl="1"/>
-            <a:endParaRPr lang="pt-BR" dirty="0" smtClean="0"/>
+            <a:r>
+              <a:rPr lang="pt-BR" dirty="0" smtClean="0"/>
+              <a:t>Tamanho do código</a:t>
+            </a:r>
           </a:p>
           <a:p>
             <a:pPr lvl="1"/>
-            <a:endParaRPr lang="pt-BR" dirty="0" smtClean="0"/>
-          </a:p>
-          <a:p>
             <a:r>
               <a:rPr lang="pt-BR" dirty="0" smtClean="0"/>
-              <a:t>Qualidade de Software Clássico </a:t>
+              <a:t>Legibilidade</a:t>
+            </a:r>
+          </a:p>
+          <a:p>
+            <a:pPr lvl="1"/>
+            <a:r>
+              <a:rPr lang="pt-BR" dirty="0" smtClean="0"/>
+              <a:t>Complexidade</a:t>
             </a:r>
           </a:p>
           <a:p>
@@ -14426,16 +20495,37 @@
           </a:p>
           <a:p>
             <a:r>
+              <a:rPr lang="pt-BR" b="1" dirty="0"/>
+              <a:t>Lie (2005)</a:t>
+            </a:r>
+          </a:p>
+          <a:p>
+            <a:r>
+              <a:rPr lang="pt-BR" b="1" dirty="0"/>
+              <a:t>Keller e </a:t>
+            </a:r>
+            <a:r>
+              <a:rPr lang="pt-BR" b="1" dirty="0" err="1"/>
+              <a:t>Nussbaumer</a:t>
+            </a:r>
+            <a:r>
+              <a:rPr lang="pt-BR" b="1" dirty="0"/>
+              <a:t> (2010</a:t>
+            </a:r>
+            <a:r>
+              <a:rPr lang="pt-BR" b="1" dirty="0" smtClean="0"/>
+              <a:t>)</a:t>
+            </a:r>
+            <a:endParaRPr lang="pt-BR" dirty="0"/>
+          </a:p>
+          <a:p>
+            <a:r>
               <a:rPr lang="pt-BR" b="1" dirty="0" err="1" smtClean="0"/>
               <a:t>Mesbah</a:t>
             </a:r>
             <a:r>
-              <a:rPr lang="pt-BR" b="1" dirty="0"/>
-              <a:t> </a:t>
-            </a:r>
-            <a:r>
               <a:rPr lang="pt-BR" b="1" dirty="0" smtClean="0"/>
-              <a:t>e </a:t>
+              <a:t> e </a:t>
             </a:r>
             <a:r>
               <a:rPr lang="pt-BR" b="1" dirty="0" err="1" smtClean="0"/>
@@ -14446,31 +20536,6 @@
               <a:t> (2012)</a:t>
             </a:r>
             <a:endParaRPr lang="pt-BR" i="1" dirty="0" smtClean="0"/>
-          </a:p>
-          <a:p>
-            <a:r>
-              <a:rPr lang="pt-BR" b="1" dirty="0" smtClean="0"/>
-              <a:t>Keller e </a:t>
-            </a:r>
-            <a:r>
-              <a:rPr lang="pt-BR" b="1" dirty="0" err="1" smtClean="0"/>
-              <a:t>Nussbaumer</a:t>
-            </a:r>
-            <a:r>
-              <a:rPr lang="pt-BR" b="1" dirty="0" smtClean="0"/>
-              <a:t> (2010)</a:t>
-            </a:r>
-          </a:p>
-          <a:p>
-            <a:r>
-              <a:rPr lang="pt-BR" dirty="0" smtClean="0"/>
-              <a:t> </a:t>
-            </a:r>
-            <a:r>
-              <a:rPr lang="pt-BR" b="1" dirty="0" smtClean="0"/>
-              <a:t>Lie (2005)</a:t>
-            </a:r>
-            <a:endParaRPr lang="pt-BR" dirty="0" smtClean="0"/>
           </a:p>
           <a:p>
             <a:endParaRPr lang="en-US" dirty="0"/>
@@ -14891,13 +20956,8 @@
             <a:pPr lvl="1"/>
             <a:r>
               <a:rPr lang="pt-BR" dirty="0" smtClean="0"/>
-              <a:t>Questionário </a:t>
-            </a:r>
-            <a:r>
-              <a:rPr lang="pt-BR" dirty="0" smtClean="0"/>
-              <a:t>Exploratório: 27 respondentes</a:t>
-            </a:r>
-            <a:endParaRPr lang="pt-BR" dirty="0" smtClean="0"/>
+              <a:t>Questionário Exploratório: 27 respondentes</a:t>
+            </a:r>
           </a:p>
           <a:p>
             <a:pPr marL="457200" lvl="1" indent="0">
